--- a/Poster/Reproducability Poster 8-Bit Optimizers via Block-Wise Quantization.pptx
+++ b/Poster/Reproducability Poster 8-Bit Optimizers via Block-Wise Quantization.pptx
@@ -225,7 +225,7 @@
             <a:fld id="{0158C5BC-9A70-462C-B28D-9600239EAC64}" type="datetimeFigureOut">
               <a:rPr lang="en-US" smtClean="0"/>
               <a:pPr/>
-              <a:t>16-1-23</a:t>
+              <a:t>17-Jan-23</a:t>
             </a:fld>
             <a:endParaRPr lang="en-US"/>
           </a:p>
@@ -392,7 +392,7 @@
             <a:fld id="{E6CC2317-6751-4CD4-9995-8782DD78E936}" type="datetimeFigureOut">
               <a:rPr lang="en-US" smtClean="0"/>
               <a:pPr/>
-              <a:t>16-1-23</a:t>
+              <a:t>17-Jan-23</a:t>
             </a:fld>
             <a:endParaRPr lang="en-US" dirty="0"/>
           </a:p>
@@ -6668,8 +6668,8 @@
         </p:nvSpPr>
         <p:spPr>
           <a:xfrm>
-            <a:off x="5557123" y="1200163"/>
-            <a:ext cx="19160966" cy="1938992"/>
+            <a:off x="-143225" y="1437093"/>
+            <a:ext cx="30275212" cy="1015663"/>
           </a:xfrm>
         </p:spPr>
         <p:txBody>
@@ -6677,7 +6677,15 @@
           <a:lstStyle/>
           <a:p>
             <a:r>
-              <a:rPr lang="en-US" dirty="0"/>
+              <a:rPr lang="en-US" dirty="0">
+                <a:solidFill>
+                  <a:schemeClr val="bg1">
+                    <a:lumMod val="95000"/>
+                  </a:schemeClr>
+                </a:solidFill>
+                <a:latin typeface="Rubik" pitchFamily="2" charset="-79"/>
+                <a:cs typeface="Rubik" pitchFamily="2" charset="-79"/>
+              </a:rPr>
               <a:t>8-BIT OPTIMIZERS VIA BLOCK-WISE QUANTIZATION</a:t>
             </a:r>
           </a:p>
@@ -6710,32 +6718,40 @@
           <a:lstStyle/>
           <a:p>
             <a:r>
-              <a:rPr lang="en-US" dirty="0"/>
+              <a:rPr lang="en-US" dirty="0">
+                <a:solidFill>
+                  <a:schemeClr val="bg1">
+                    <a:lumMod val="95000"/>
+                  </a:schemeClr>
+                </a:solidFill>
+                <a:latin typeface="Rubik" pitchFamily="2" charset="-79"/>
+                <a:cs typeface="Rubik" pitchFamily="2" charset="-79"/>
+              </a:rPr>
               <a:t>Anastasia </a:t>
             </a:r>
             <a:r>
-              <a:rPr lang="en-US" dirty="0" err="1"/>
+              <a:rPr lang="en-US" dirty="0" err="1">
+                <a:solidFill>
+                  <a:schemeClr val="bg1">
+                    <a:lumMod val="95000"/>
+                  </a:schemeClr>
+                </a:solidFill>
+                <a:latin typeface="Rubik" pitchFamily="2" charset="-79"/>
+                <a:cs typeface="Rubik" pitchFamily="2" charset="-79"/>
+              </a:rPr>
               <a:t>Blitsi</a:t>
             </a:r>
             <a:r>
-              <a:rPr lang="en-US" dirty="0"/>
-              <a:t>, </a:t>
-            </a:r>
-            <a:r>
-              <a:rPr lang="en-US" dirty="0" err="1"/>
-              <a:t>Dimitrios</a:t>
-            </a:r>
-            <a:r>
-              <a:rPr lang="en-US" dirty="0"/>
-              <a:t> </a:t>
-            </a:r>
-            <a:r>
-              <a:rPr lang="en-US" dirty="0" err="1"/>
-              <a:t>Sainidis</a:t>
-            </a:r>
-            <a:r>
-              <a:rPr lang="en-US" dirty="0"/>
-              <a:t>, Nikolas Dragatis</a:t>
+              <a:rPr lang="en-US" dirty="0">
+                <a:solidFill>
+                  <a:schemeClr val="bg1">
+                    <a:lumMod val="95000"/>
+                  </a:schemeClr>
+                </a:solidFill>
+                <a:latin typeface="Rubik" pitchFamily="2" charset="-79"/>
+                <a:cs typeface="Rubik" pitchFamily="2" charset="-79"/>
+              </a:rPr>
+              <a:t>, Dimitrios Sainidis, Nikolaos Dragatis</a:t>
             </a:r>
           </a:p>
         </p:txBody>
@@ -6767,7 +6783,15 @@
           <a:lstStyle/>
           <a:p>
             <a:r>
-              <a:rPr lang="en-US" dirty="0"/>
+              <a:rPr lang="en-US" dirty="0">
+                <a:solidFill>
+                  <a:schemeClr val="bg1">
+                    <a:lumMod val="95000"/>
+                  </a:schemeClr>
+                </a:solidFill>
+                <a:latin typeface="Rubik" pitchFamily="2" charset="-79"/>
+                <a:cs typeface="Rubik" pitchFamily="2" charset="-79"/>
+              </a:rPr>
               <a:t>MSc Data &amp; Web Science, Aristotle University of Thessaloniki</a:t>
             </a:r>
           </a:p>
@@ -6795,7 +6819,10 @@
           <a:lstStyle/>
           <a:p>
             <a:r>
-              <a:rPr lang="en-US" dirty="0"/>
+              <a:rPr lang="en-US" dirty="0">
+                <a:latin typeface="Rubik" pitchFamily="2" charset="-79"/>
+                <a:cs typeface="Rubik" pitchFamily="2" charset="-79"/>
+              </a:rPr>
               <a:t>ABSTRACT</a:t>
             </a:r>
           </a:p>
@@ -6828,7 +6855,10 @@
           <a:lstStyle/>
           <a:p>
             <a:r>
-              <a:rPr lang="en-US" dirty="0"/>
+              <a:rPr lang="en-US" dirty="0">
+                <a:latin typeface="Rubik" pitchFamily="2" charset="-79"/>
+                <a:cs typeface="Rubik" pitchFamily="2" charset="-79"/>
+              </a:rPr>
               <a:t>METHODOLOGY</a:t>
             </a:r>
           </a:p>
@@ -6856,8 +6886,11 @@
           <a:lstStyle/>
           <a:p>
             <a:r>
-              <a:rPr lang="en-US" dirty="0"/>
-              <a:t>Results</a:t>
+              <a:rPr lang="en-US" dirty="0">
+                <a:latin typeface="Rubik" pitchFamily="2" charset="-79"/>
+                <a:cs typeface="Rubik" pitchFamily="2" charset="-79"/>
+              </a:rPr>
+              <a:t>OUR EXPERIMENTATION</a:t>
             </a:r>
           </a:p>
         </p:txBody>
@@ -6880,7 +6913,7 @@
         </p:nvSpPr>
         <p:spPr>
           <a:xfrm>
-            <a:off x="1" y="37941947"/>
+            <a:off x="15405100" y="36652509"/>
             <a:ext cx="14401802" cy="646331"/>
           </a:xfrm>
         </p:spPr>
@@ -6889,7 +6922,10 @@
           <a:lstStyle/>
           <a:p>
             <a:r>
-              <a:rPr lang="en-US" dirty="0"/>
+              <a:rPr lang="en-US" dirty="0">
+                <a:latin typeface="Rubik" pitchFamily="2" charset="-79"/>
+                <a:cs typeface="Rubik" pitchFamily="2" charset="-79"/>
+              </a:rPr>
               <a:t>CONCLUSIONS</a:t>
             </a:r>
           </a:p>
@@ -6913,7 +6949,7 @@
         </p:nvSpPr>
         <p:spPr>
           <a:xfrm>
-            <a:off x="15443587" y="35614763"/>
+            <a:off x="529836" y="36760458"/>
             <a:ext cx="14401800" cy="646331"/>
           </a:xfrm>
         </p:spPr>
@@ -6922,8 +6958,11 @@
           <a:lstStyle/>
           <a:p>
             <a:r>
-              <a:rPr lang="en-US" dirty="0"/>
-              <a:t>Limitations</a:t>
+              <a:rPr lang="en-US" dirty="0">
+                <a:latin typeface="Rubik" pitchFamily="2" charset="-79"/>
+                <a:cs typeface="Rubik" pitchFamily="2" charset="-79"/>
+              </a:rPr>
+              <a:t>LIMITATIONS</a:t>
             </a:r>
           </a:p>
         </p:txBody>
@@ -6946,8 +6985,8 @@
         </p:nvSpPr>
         <p:spPr>
           <a:xfrm>
-            <a:off x="15366055" y="36319134"/>
-            <a:ext cx="14401798" cy="5047536"/>
+            <a:off x="488157" y="37443583"/>
+            <a:ext cx="14401798" cy="4099584"/>
           </a:xfrm>
         </p:spPr>
         <p:txBody>
@@ -6959,7 +6998,10 @@
               <a:buChar char="•"/>
             </a:pPr>
             <a:r>
-              <a:rPr lang="en-US" dirty="0"/>
+              <a:rPr lang="en-US" dirty="0">
+                <a:latin typeface="Rubik" pitchFamily="2" charset="-79"/>
+                <a:cs typeface="Rubik" pitchFamily="2" charset="-79"/>
+              </a:rPr>
               <a:t>Embedding layer is required to be trained to 32-bit performance </a:t>
             </a:r>
           </a:p>
@@ -6969,7 +7011,10 @@
               <a:buChar char="•"/>
             </a:pPr>
             <a:r>
-              <a:rPr lang="en-US" dirty="0"/>
+              <a:rPr lang="en-US" dirty="0">
+                <a:latin typeface="Rubik" pitchFamily="2" charset="-79"/>
+                <a:cs typeface="Rubik" pitchFamily="2" charset="-79"/>
+              </a:rPr>
               <a:t>For large models with over 1B parameters, there are cases, where a single parameter assumed a too large value, causing cascading instability</a:t>
             </a:r>
           </a:p>
@@ -6979,7 +7024,10 @@
               <a:buChar char="•"/>
             </a:pPr>
             <a:r>
-              <a:rPr lang="en-US" dirty="0"/>
+              <a:rPr lang="en-US" dirty="0">
+                <a:latin typeface="Rubik" pitchFamily="2" charset="-79"/>
+                <a:cs typeface="Rubik" pitchFamily="2" charset="-79"/>
+              </a:rPr>
               <a:t>It works only for English language</a:t>
             </a:r>
           </a:p>
@@ -6989,14 +7037,11 @@
               <a:buChar char="•"/>
             </a:pPr>
             <a:r>
-              <a:rPr lang="en-US" dirty="0"/>
+              <a:rPr lang="en-US" dirty="0">
+                <a:latin typeface="Rubik" pitchFamily="2" charset="-79"/>
+                <a:cs typeface="Rubik" pitchFamily="2" charset="-79"/>
+              </a:rPr>
               <a:t>Supported only in Linux environment</a:t>
-            </a:r>
-          </a:p>
-          <a:p>
-            <a:r>
-              <a:rPr lang="en-US" dirty="0"/>
-              <a:t>Our limitations:</a:t>
             </a:r>
           </a:p>
           <a:p>
@@ -7005,8 +7050,11 @@
               <a:buChar char="•"/>
             </a:pPr>
             <a:r>
-              <a:rPr lang="en-US" dirty="0"/>
-              <a:t>Since the training time for large models is prohibitive even with high-end GPUs, we used small and simple models. As a result, the differences, between the reference methodology and the one presented in the paper, are slim but exist, nonetheless.</a:t>
+              <a:rPr lang="en-US" dirty="0">
+                <a:latin typeface="Rubik" pitchFamily="2" charset="-79"/>
+                <a:cs typeface="Rubik" pitchFamily="2" charset="-79"/>
+              </a:rPr>
+              <a:t>Since the training time for large models is prohibitive even with high-end GPUs, we used small and simple models. </a:t>
             </a:r>
           </a:p>
         </p:txBody>
@@ -7030,7 +7078,7 @@
         <p:spPr>
           <a:xfrm>
             <a:off x="488157" y="7080870"/>
-            <a:ext cx="14401798" cy="5047536"/>
+            <a:ext cx="14401798" cy="5478423"/>
           </a:xfrm>
         </p:spPr>
         <p:txBody>
@@ -7039,7 +7087,16 @@
           <a:p>
             <a:pPr algn="l"/>
             <a:r>
-              <a:rPr lang="en-US" dirty="0"/>
+              <a:rPr lang="en-US" dirty="0">
+                <a:solidFill>
+                  <a:schemeClr val="tx1">
+                    <a:lumMod val="85000"/>
+                    <a:lumOff val="15000"/>
+                  </a:schemeClr>
+                </a:solidFill>
+                <a:latin typeface="Rubik" pitchFamily="2" charset="-79"/>
+                <a:cs typeface="Rubik" pitchFamily="2" charset="-79"/>
+              </a:rPr>
               <a:t>Gradient information is saved by stateful optimizers to improve optimization, but memory that could be used for model parameters is utilized. 8-bit optimizers that maintain performance levels of 32-bit optimizers have been developed by using block-wise dynamic quantization, which divides input tensors into smaller blocks that are independently quantized. This process is done in parallel across cores, resulting in faster optimization and high precision quantization. Additionally, dynamic quantization has been used to maintain performance and stability, as well as a stable embedding layer to reduce gradient variance. Similar performance to 32-bit optimizers on a range of tasks has been shown by our 8-bit optimizers, using less memory. The code is open-sourced and can easily be implemented with a two-line change.</a:t>
             </a:r>
           </a:p>
@@ -7072,24 +7129,39 @@
           <a:lstStyle/>
           <a:p>
             <a:r>
-              <a:rPr lang="en-US" dirty="0"/>
+              <a:rPr lang="en-US" dirty="0">
+                <a:latin typeface="Rubik" pitchFamily="2" charset="-79"/>
+                <a:cs typeface="Rubik" pitchFamily="2" charset="-79"/>
+              </a:rPr>
               <a:t>A fast and high-precision non-linear quantization method (</a:t>
             </a:r>
             <a:r>
-              <a:rPr lang="en-US" i="1" dirty="0"/>
+              <a:rPr lang="en-US" i="1" dirty="0">
+                <a:latin typeface="Rubik" pitchFamily="2" charset="-79"/>
+                <a:cs typeface="Rubik" pitchFamily="2" charset="-79"/>
+              </a:rPr>
               <a:t>block-wise dynamic quantization</a:t>
             </a:r>
             <a:r>
-              <a:rPr lang="en-US" dirty="0"/>
+              <a:rPr lang="en-US" dirty="0">
+                <a:latin typeface="Rubik" pitchFamily="2" charset="-79"/>
+                <a:cs typeface="Rubik" pitchFamily="2" charset="-79"/>
+              </a:rPr>
               <a:t>), that enables stable 8-bit optimizers to maintain 32-bit performance while memory usage.</a:t>
             </a:r>
           </a:p>
           <a:p>
-            <a:endParaRPr lang="en-US" dirty="0"/>
+            <a:endParaRPr lang="en-US" dirty="0">
+              <a:latin typeface="Rubik" pitchFamily="2" charset="-79"/>
+              <a:cs typeface="Rubik" pitchFamily="2" charset="-79"/>
+            </a:endParaRPr>
           </a:p>
           <a:p>
             <a:r>
-              <a:rPr lang="en-US" dirty="0"/>
+              <a:rPr lang="en-US" dirty="0">
+                <a:latin typeface="Rubik" pitchFamily="2" charset="-79"/>
+                <a:cs typeface="Rubik" pitchFamily="2" charset="-79"/>
+              </a:rPr>
               <a:t>8-Bit Optimizers</a:t>
             </a:r>
           </a:p>
@@ -7099,7 +7171,10 @@
               <a:buChar char="•"/>
             </a:pPr>
             <a:r>
-              <a:rPr lang="en-US" dirty="0"/>
+              <a:rPr lang="en-US" dirty="0">
+                <a:latin typeface="Rubik" pitchFamily="2" charset="-79"/>
+                <a:cs typeface="Rubik" pitchFamily="2" charset="-79"/>
+              </a:rPr>
               <a:t>Block-wise quantization that isolated outliers and distributes the error more equally over all bits</a:t>
             </a:r>
           </a:p>
@@ -7109,7 +7184,10 @@
               <a:buChar char="•"/>
             </a:pPr>
             <a:r>
-              <a:rPr lang="en-US" dirty="0"/>
+              <a:rPr lang="en-US" dirty="0">
+                <a:latin typeface="Rubik" pitchFamily="2" charset="-79"/>
+                <a:cs typeface="Rubik" pitchFamily="2" charset="-79"/>
+              </a:rPr>
               <a:t>Dynamic quantization, which quantizes both small and large values with high precision</a:t>
             </a:r>
           </a:p>
@@ -7119,7 +7197,10 @@
               <a:buChar char="•"/>
             </a:pPr>
             <a:r>
-              <a:rPr lang="en-US" dirty="0"/>
+              <a:rPr lang="en-US" dirty="0">
+                <a:latin typeface="Rubik" pitchFamily="2" charset="-79"/>
+                <a:cs typeface="Rubik" pitchFamily="2" charset="-79"/>
+              </a:rPr>
               <a:t>Stable embedding layer to improve stability during optimization for models with word embeddings</a:t>
             </a:r>
           </a:p>
@@ -7140,14 +7221,14 @@
           <p:nvPr>
             <p:extLst>
               <p:ext uri="{D42A27DB-BD31-4B8C-83A1-F6EECF244321}">
-                <p14:modId xmlns:p14="http://schemas.microsoft.com/office/powerpoint/2010/main" val="1496031676"/>
+                <p14:modId xmlns:p14="http://schemas.microsoft.com/office/powerpoint/2010/main" val="3698070286"/>
               </p:ext>
             </p:extLst>
           </p:nvPr>
         </p:nvGraphicFramePr>
         <p:xfrm>
-          <a:off x="15675817" y="18061788"/>
-          <a:ext cx="13860376" cy="2884575"/>
+          <a:off x="16046436" y="19251703"/>
+          <a:ext cx="13567844" cy="3068472"/>
         </p:xfrm>
         <a:graphic>
           <a:graphicData uri="http://schemas.openxmlformats.org/drawingml/2006/table">
@@ -7156,28 +7237,28 @@
                 <a:tableStyleId>{5C22544A-7EE6-4342-B048-85BDC9FD1C3A}</a:tableStyleId>
               </a:tblPr>
               <a:tblGrid>
-                <a:gridCol w="4127089">
+                <a:gridCol w="4313237">
                   <a:extLst>
                     <a:ext uri="{9D8B030D-6E8A-4147-A177-3AD203B41FA5}">
                       <a16:colId xmlns:a16="http://schemas.microsoft.com/office/drawing/2014/main" val="1017761076"/>
                     </a:ext>
                   </a:extLst>
                 </a:gridCol>
-                <a:gridCol w="1544940">
+                <a:gridCol w="1425604">
                   <a:extLst>
                     <a:ext uri="{9D8B030D-6E8A-4147-A177-3AD203B41FA5}">
                       <a16:colId xmlns:a16="http://schemas.microsoft.com/office/drawing/2014/main" val="2593659609"/>
                     </a:ext>
                   </a:extLst>
                 </a:gridCol>
-                <a:gridCol w="1629419">
+                <a:gridCol w="1464358">
                   <a:extLst>
                     <a:ext uri="{9D8B030D-6E8A-4147-A177-3AD203B41FA5}">
                       <a16:colId xmlns:a16="http://schemas.microsoft.com/office/drawing/2014/main" val="163995277"/>
                     </a:ext>
                   </a:extLst>
                 </a:gridCol>
-                <a:gridCol w="1691296">
+                <a:gridCol w="1497013">
                   <a:extLst>
                     <a:ext uri="{9D8B030D-6E8A-4147-A177-3AD203B41FA5}">
                       <a16:colId xmlns:a16="http://schemas.microsoft.com/office/drawing/2014/main" val="905057007"/>
@@ -7206,7 +7287,7 @@
                   </a:extLst>
                 </a:gridCol>
               </a:tblGrid>
-              <a:tr h="956715">
+              <a:tr h="1140612">
                 <a:tc>
                   <a:txBody>
                     <a:bodyPr/>
@@ -7226,9 +7307,9 @@
                             <a:schemeClr val="tx1"/>
                           </a:solidFill>
                           <a:effectLst/>
-                          <a:latin typeface="+mn-lt"/>
+                          <a:latin typeface="Rubik" pitchFamily="2" charset="-79"/>
                           <a:ea typeface="+mn-ea"/>
-                          <a:cs typeface="+mn-cs"/>
+                          <a:cs typeface="Rubik" pitchFamily="2" charset="-79"/>
                         </a:rPr>
                         <a:t>Optimizer</a:t>
                       </a:r>
@@ -7295,9 +7376,9 @@
                             <a:schemeClr val="tx1"/>
                           </a:solidFill>
                           <a:effectLst/>
-                          <a:latin typeface="+mn-lt"/>
+                          <a:latin typeface="Rubik" pitchFamily="2" charset="-79"/>
                           <a:ea typeface="+mn-ea"/>
-                          <a:cs typeface="+mn-cs"/>
+                          <a:cs typeface="Rubik" pitchFamily="2" charset="-79"/>
                         </a:rPr>
                         <a:t>Adam</a:t>
                       </a:r>
@@ -7384,9 +7465,9 @@
                             <a:schemeClr val="tx1"/>
                           </a:solidFill>
                           <a:effectLst/>
-                          <a:latin typeface="+mn-lt"/>
+                          <a:latin typeface="Rubik" pitchFamily="2" charset="-79"/>
                           <a:ea typeface="+mn-ea"/>
-                          <a:cs typeface="+mn-cs"/>
+                          <a:cs typeface="Rubik" pitchFamily="2" charset="-79"/>
                         </a:rPr>
                         <a:t>Adam8Bit </a:t>
                       </a:r>
@@ -7472,7 +7553,8 @@
                           <a:solidFill>
                             <a:schemeClr val="tx1"/>
                           </a:solidFill>
-                          <a:latin typeface="+mn-lt"/>
+                          <a:latin typeface="Rubik" pitchFamily="2" charset="-79"/>
+                          <a:cs typeface="Rubik" pitchFamily="2" charset="-79"/>
                         </a:rPr>
                         <a:t>Number of Hidden Layers</a:t>
                       </a:r>
@@ -7530,7 +7612,8 @@
                             <a:schemeClr val="tx1"/>
                           </a:solidFill>
                           <a:effectLst/>
-                          <a:latin typeface="+mn-lt"/>
+                          <a:latin typeface="Rubik" pitchFamily="2" charset="-79"/>
+                          <a:cs typeface="Rubik" pitchFamily="2" charset="-79"/>
                         </a:rPr>
                         <a:t>2</a:t>
                       </a:r>
@@ -7539,7 +7622,8 @@
                           <a:schemeClr val="tx1"/>
                         </a:solidFill>
                         <a:effectLst/>
-                        <a:latin typeface="+mn-lt"/>
+                        <a:latin typeface="Rubik" pitchFamily="2" charset="-79"/>
+                        <a:cs typeface="Rubik" pitchFamily="2" charset="-79"/>
                       </a:endParaRPr>
                     </a:p>
                   </a:txBody>
@@ -7595,7 +7679,8 @@
                             <a:schemeClr val="tx1"/>
                           </a:solidFill>
                           <a:effectLst/>
-                          <a:latin typeface="+mn-lt"/>
+                          <a:latin typeface="Rubik" pitchFamily="2" charset="-79"/>
+                          <a:cs typeface="Rubik" pitchFamily="2" charset="-79"/>
                         </a:rPr>
                         <a:t>4</a:t>
                       </a:r>
@@ -7653,7 +7738,8 @@
                             <a:schemeClr val="tx1"/>
                           </a:solidFill>
                           <a:effectLst/>
-                          <a:latin typeface="+mn-lt"/>
+                          <a:latin typeface="Rubik" pitchFamily="2" charset="-79"/>
+                          <a:cs typeface="Rubik" pitchFamily="2" charset="-79"/>
                         </a:rPr>
                         <a:t>6</a:t>
                       </a:r>
@@ -7711,7 +7797,8 @@
                             <a:schemeClr val="tx1"/>
                           </a:solidFill>
                           <a:effectLst/>
-                          <a:latin typeface="+mn-lt"/>
+                          <a:latin typeface="Rubik" pitchFamily="2" charset="-79"/>
+                          <a:cs typeface="Rubik" pitchFamily="2" charset="-79"/>
                         </a:rPr>
                         <a:t>2</a:t>
                       </a:r>
@@ -7720,7 +7807,8 @@
                           <a:schemeClr val="tx1"/>
                         </a:solidFill>
                         <a:effectLst/>
-                        <a:latin typeface="+mn-lt"/>
+                        <a:latin typeface="Rubik" pitchFamily="2" charset="-79"/>
+                        <a:cs typeface="Rubik" pitchFamily="2" charset="-79"/>
                       </a:endParaRPr>
                     </a:p>
                   </a:txBody>
@@ -7776,7 +7864,8 @@
                             <a:schemeClr val="tx1"/>
                           </a:solidFill>
                           <a:effectLst/>
-                          <a:latin typeface="+mn-lt"/>
+                          <a:latin typeface="Rubik" pitchFamily="2" charset="-79"/>
+                          <a:cs typeface="Rubik" pitchFamily="2" charset="-79"/>
                         </a:rPr>
                         <a:t>4</a:t>
                       </a:r>
@@ -7834,7 +7923,8 @@
                             <a:schemeClr val="tx1"/>
                           </a:solidFill>
                           <a:effectLst/>
-                          <a:latin typeface="+mn-lt"/>
+                          <a:latin typeface="Rubik" pitchFamily="2" charset="-79"/>
+                          <a:cs typeface="Rubik" pitchFamily="2" charset="-79"/>
                         </a:rPr>
                         <a:t>6</a:t>
                       </a:r>
@@ -7899,7 +7989,8 @@
                             <a:schemeClr val="tx1"/>
                           </a:solidFill>
                           <a:effectLst/>
-                          <a:latin typeface="+mn-lt"/>
+                          <a:latin typeface="Rubik" pitchFamily="2" charset="-79"/>
+                          <a:cs typeface="Rubik" pitchFamily="2" charset="-79"/>
                         </a:rPr>
                         <a:t>Metric (Val. Loss) </a:t>
                       </a:r>
@@ -7909,7 +8000,8 @@
                             <a:srgbClr val="000000"/>
                           </a:solidFill>
                           <a:effectLst/>
-                          <a:latin typeface="+mn-lt"/>
+                          <a:latin typeface="Rubik" pitchFamily="2" charset="-79"/>
+                          <a:cs typeface="Rubik" pitchFamily="2" charset="-79"/>
                         </a:rPr>
                         <a:t>🔻</a:t>
                       </a:r>
@@ -7918,7 +8010,8 @@
                           <a:schemeClr val="tx1"/>
                         </a:solidFill>
                         <a:effectLst/>
-                        <a:latin typeface="+mn-lt"/>
+                        <a:latin typeface="Rubik" pitchFamily="2" charset="-79"/>
+                        <a:cs typeface="Rubik" pitchFamily="2" charset="-79"/>
                       </a:endParaRPr>
                     </a:p>
                   </a:txBody>
@@ -7976,7 +8069,8 @@
                             <a:schemeClr val="tx1"/>
                           </a:solidFill>
                           <a:effectLst/>
-                          <a:latin typeface="+mn-lt"/>
+                          <a:latin typeface="Rubik" pitchFamily="2" charset="-79"/>
+                          <a:cs typeface="Rubik" pitchFamily="2" charset="-79"/>
                         </a:rPr>
                         <a:t>0.337</a:t>
                       </a:r>
@@ -7985,7 +8079,8 @@
                           <a:schemeClr val="tx1"/>
                         </a:solidFill>
                         <a:effectLst/>
-                        <a:latin typeface="+mn-lt"/>
+                        <a:latin typeface="Rubik" pitchFamily="2" charset="-79"/>
+                        <a:cs typeface="Rubik" pitchFamily="2" charset="-79"/>
                       </a:endParaRPr>
                     </a:p>
                   </a:txBody>
@@ -8043,7 +8138,8 @@
                             <a:srgbClr val="000000"/>
                           </a:solidFill>
                           <a:effectLst/>
-                          <a:latin typeface="Arial" panose="020B0604020202020204" pitchFamily="34" charset="0"/>
+                          <a:latin typeface="Rubik" pitchFamily="2" charset="-79"/>
+                          <a:cs typeface="Rubik" pitchFamily="2" charset="-79"/>
                         </a:rPr>
                         <a:t>0.351</a:t>
                       </a:r>
@@ -8103,7 +8199,8 @@
                             <a:srgbClr val="000000"/>
                           </a:solidFill>
                           <a:effectLst/>
-                          <a:latin typeface="Arial" panose="020B0604020202020204" pitchFamily="34" charset="0"/>
+                          <a:latin typeface="Rubik" pitchFamily="2" charset="-79"/>
+                          <a:cs typeface="Rubik" pitchFamily="2" charset="-79"/>
                         </a:rPr>
                         <a:t>0.693</a:t>
                       </a:r>
@@ -8160,19 +8257,21 @@
                       <a:r>
                         <a:rPr lang="en-US" sz="2800" u="none" strike="noStrike" dirty="0">
                           <a:solidFill>
-                            <a:schemeClr val="tx1"/>
+                            <a:srgbClr val="FF0000"/>
                           </a:solidFill>
                           <a:effectLst/>
-                          <a:latin typeface="+mn-lt"/>
+                          <a:latin typeface="Rubik" pitchFamily="2" charset="-79"/>
+                          <a:cs typeface="Rubik" pitchFamily="2" charset="-79"/>
                         </a:rPr>
                         <a:t>0.588</a:t>
                       </a:r>
                       <a:endParaRPr lang="en-US" sz="2800" b="0" i="0" u="none" strike="noStrike" dirty="0">
                         <a:solidFill>
-                          <a:schemeClr val="tx1"/>
+                          <a:srgbClr val="FF0000"/>
                         </a:solidFill>
                         <a:effectLst/>
-                        <a:latin typeface="+mn-lt"/>
+                        <a:latin typeface="Rubik" pitchFamily="2" charset="-79"/>
+                        <a:cs typeface="Rubik" pitchFamily="2" charset="-79"/>
                       </a:endParaRPr>
                     </a:p>
                   </a:txBody>
@@ -8227,19 +8326,21 @@
                       <a:r>
                         <a:rPr lang="en-US" sz="2800" u="none" strike="noStrike" dirty="0">
                           <a:solidFill>
-                            <a:schemeClr val="tx1"/>
+                            <a:srgbClr val="FF0000"/>
                           </a:solidFill>
                           <a:effectLst/>
-                          <a:latin typeface="+mn-lt"/>
+                          <a:latin typeface="Rubik" pitchFamily="2" charset="-79"/>
+                          <a:cs typeface="Rubik" pitchFamily="2" charset="-79"/>
                         </a:rPr>
                         <a:t>0.693</a:t>
                       </a:r>
                       <a:endParaRPr lang="en-US" sz="2800" b="0" i="0" u="none" strike="noStrike" dirty="0">
                         <a:solidFill>
-                          <a:schemeClr val="tx1"/>
+                          <a:srgbClr val="FF0000"/>
                         </a:solidFill>
                         <a:effectLst/>
-                        <a:latin typeface="+mn-lt"/>
+                        <a:latin typeface="Rubik" pitchFamily="2" charset="-79"/>
+                        <a:cs typeface="Rubik" pitchFamily="2" charset="-79"/>
                       </a:endParaRPr>
                     </a:p>
                   </a:txBody>
@@ -8294,19 +8395,21 @@
                       <a:r>
                         <a:rPr lang="en-US" sz="2800" u="none" strike="noStrike" dirty="0">
                           <a:solidFill>
-                            <a:schemeClr val="tx1"/>
+                            <a:srgbClr val="FF0000"/>
                           </a:solidFill>
                           <a:effectLst/>
-                          <a:latin typeface="+mn-lt"/>
+                          <a:latin typeface="Rubik" pitchFamily="2" charset="-79"/>
+                          <a:cs typeface="Rubik" pitchFamily="2" charset="-79"/>
                         </a:rPr>
                         <a:t>0.693</a:t>
                       </a:r>
                       <a:endParaRPr lang="en-US" sz="2800" b="0" i="0" u="none" strike="noStrike" dirty="0">
                         <a:solidFill>
-                          <a:schemeClr val="tx1"/>
+                          <a:srgbClr val="FF0000"/>
                         </a:solidFill>
                         <a:effectLst/>
-                        <a:latin typeface="+mn-lt"/>
+                        <a:latin typeface="Rubik" pitchFamily="2" charset="-79"/>
+                        <a:cs typeface="Rubik" pitchFamily="2" charset="-79"/>
                       </a:endParaRPr>
                     </a:p>
                   </a:txBody>
@@ -8371,7 +8474,8 @@
                             <a:schemeClr val="tx1"/>
                           </a:solidFill>
                           <a:effectLst/>
-                          <a:latin typeface="+mn-lt"/>
+                          <a:latin typeface="Rubik" pitchFamily="2" charset="-79"/>
+                          <a:cs typeface="Rubik" pitchFamily="2" charset="-79"/>
                         </a:rPr>
                         <a:t>Time (Seconds) </a:t>
                       </a:r>
@@ -8381,7 +8485,8 @@
                             <a:srgbClr val="000000"/>
                           </a:solidFill>
                           <a:effectLst/>
-                          <a:latin typeface="+mn-lt"/>
+                          <a:latin typeface="Rubik" pitchFamily="2" charset="-79"/>
+                          <a:cs typeface="Rubik" pitchFamily="2" charset="-79"/>
                         </a:rPr>
                         <a:t>🔻</a:t>
                       </a:r>
@@ -8390,7 +8495,8 @@
                           <a:schemeClr val="tx1"/>
                         </a:solidFill>
                         <a:effectLst/>
-                        <a:latin typeface="+mn-lt"/>
+                        <a:latin typeface="Rubik" pitchFamily="2" charset="-79"/>
+                        <a:cs typeface="Rubik" pitchFamily="2" charset="-79"/>
                       </a:endParaRPr>
                     </a:p>
                   </a:txBody>
@@ -8446,7 +8552,8 @@
                             <a:schemeClr val="tx1"/>
                           </a:solidFill>
                           <a:effectLst/>
-                          <a:latin typeface="+mn-lt"/>
+                          <a:latin typeface="Rubik" pitchFamily="2" charset="-79"/>
+                          <a:cs typeface="Rubik" pitchFamily="2" charset="-79"/>
                         </a:rPr>
                         <a:t>143.513</a:t>
                       </a:r>
@@ -8455,7 +8562,8 @@
                           <a:schemeClr val="tx1"/>
                         </a:solidFill>
                         <a:effectLst/>
-                        <a:latin typeface="+mn-lt"/>
+                        <a:latin typeface="Rubik" pitchFamily="2" charset="-79"/>
+                        <a:cs typeface="Rubik" pitchFamily="2" charset="-79"/>
                       </a:endParaRPr>
                     </a:p>
                   </a:txBody>
@@ -8511,7 +8619,8 @@
                             <a:srgbClr val="000000"/>
                           </a:solidFill>
                           <a:effectLst/>
-                          <a:latin typeface="Arial" panose="020B0604020202020204" pitchFamily="34" charset="0"/>
+                          <a:latin typeface="Rubik" pitchFamily="2" charset="-79"/>
+                          <a:cs typeface="Rubik" pitchFamily="2" charset="-79"/>
                         </a:rPr>
                         <a:t>263.314</a:t>
                       </a:r>
@@ -8569,7 +8678,8 @@
                             <a:srgbClr val="000000"/>
                           </a:solidFill>
                           <a:effectLst/>
-                          <a:latin typeface="Arial" panose="020B0604020202020204" pitchFamily="34" charset="0"/>
+                          <a:latin typeface="Rubik" pitchFamily="2" charset="-79"/>
+                          <a:cs typeface="Rubik" pitchFamily="2" charset="-79"/>
                         </a:rPr>
                         <a:t>390.358</a:t>
                       </a:r>
@@ -8627,7 +8737,8 @@
                             <a:schemeClr val="tx1"/>
                           </a:solidFill>
                           <a:effectLst/>
-                          <a:latin typeface="+mn-lt"/>
+                          <a:latin typeface="Rubik" pitchFamily="2" charset="-79"/>
+                          <a:cs typeface="Rubik" pitchFamily="2" charset="-79"/>
                         </a:rPr>
                         <a:t>138.941</a:t>
                       </a:r>
@@ -8636,7 +8747,75 @@
                           <a:schemeClr val="tx1"/>
                         </a:solidFill>
                         <a:effectLst/>
-                        <a:latin typeface="+mn-lt"/>
+                        <a:latin typeface="Rubik" pitchFamily="2" charset="-79"/>
+                        <a:cs typeface="Rubik" pitchFamily="2" charset="-79"/>
+                      </a:endParaRPr>
+                    </a:p>
+                  </a:txBody>
+                  <a:tcPr marL="9525" marR="9525" marT="9525" anchor="ctr">
+                    <a:lnL w="12700" cap="flat" cmpd="sng" algn="ctr">
+                      <a:solidFill>
+                        <a:schemeClr val="tx1"/>
+                      </a:solidFill>
+                      <a:prstDash val="solid"/>
+                      <a:round/>
+                      <a:headEnd type="none" w="med" len="med"/>
+                      <a:tailEnd type="none" w="med" len="med"/>
+                    </a:lnL>
+                    <a:lnR w="12700" cap="flat" cmpd="sng" algn="ctr">
+                      <a:solidFill>
+                        <a:schemeClr val="tx1"/>
+                      </a:solidFill>
+                      <a:prstDash val="solid"/>
+                      <a:round/>
+                      <a:headEnd type="none" w="med" len="med"/>
+                      <a:tailEnd type="none" w="med" len="med"/>
+                    </a:lnR>
+                    <a:lnT w="12700" cap="flat" cmpd="sng" algn="ctr">
+                      <a:solidFill>
+                        <a:schemeClr val="tx1"/>
+                      </a:solidFill>
+                      <a:prstDash val="solid"/>
+                      <a:round/>
+                      <a:headEnd type="none" w="med" len="med"/>
+                      <a:tailEnd type="none" w="med" len="med"/>
+                    </a:lnT>
+                    <a:lnB w="12700" cap="flat" cmpd="sng" algn="ctr">
+                      <a:solidFill>
+                        <a:schemeClr val="tx1"/>
+                      </a:solidFill>
+                      <a:prstDash val="solid"/>
+                      <a:round/>
+                      <a:headEnd type="none" w="med" len="med"/>
+                      <a:tailEnd type="none" w="med" len="med"/>
+                    </a:lnB>
+                    <a:noFill/>
+                  </a:tcPr>
+                </a:tc>
+                <a:tc>
+                  <a:txBody>
+                    <a:bodyPr/>
+                    <a:lstStyle/>
+                    <a:p>
+                      <a:pPr algn="ctr" fontAlgn="ctr"/>
+                      <a:r>
+                        <a:rPr lang="en-US" sz="2800" u="none" strike="noStrike" dirty="0">
+                          <a:solidFill>
+                            <a:srgbClr val="FF0000"/>
+                          </a:solidFill>
+                          <a:effectLst/>
+                          <a:latin typeface="Rubik" pitchFamily="2" charset="-79"/>
+                          <a:cs typeface="Rubik" pitchFamily="2" charset="-79"/>
+                        </a:rPr>
+                        <a:t>273.591</a:t>
+                      </a:r>
+                      <a:endParaRPr lang="en-US" sz="2800" b="0" i="0" u="none" strike="noStrike" dirty="0">
+                        <a:solidFill>
+                          <a:srgbClr val="FF0000"/>
+                        </a:solidFill>
+                        <a:effectLst/>
+                        <a:latin typeface="Rubik" pitchFamily="2" charset="-79"/>
+                        <a:cs typeface="Rubik" pitchFamily="2" charset="-79"/>
                       </a:endParaRPr>
                     </a:p>
                   </a:txBody>
@@ -8692,81 +8871,18 @@
                             <a:schemeClr val="tx1"/>
                           </a:solidFill>
                           <a:effectLst/>
-                          <a:latin typeface="+mn-lt"/>
-                        </a:rPr>
-                        <a:t>273.591</a:t>
+                          <a:latin typeface="Rubik" pitchFamily="2" charset="-79"/>
+                          <a:cs typeface="Rubik" pitchFamily="2" charset="-79"/>
+                        </a:rPr>
+                        <a:t>375.265</a:t>
                       </a:r>
                       <a:endParaRPr lang="en-US" sz="2800" b="0" i="0" u="none" strike="noStrike" dirty="0">
                         <a:solidFill>
                           <a:schemeClr val="tx1"/>
                         </a:solidFill>
                         <a:effectLst/>
-                        <a:latin typeface="+mn-lt"/>
-                      </a:endParaRPr>
-                    </a:p>
-                  </a:txBody>
-                  <a:tcPr marL="9525" marR="9525" marT="9525" anchor="ctr">
-                    <a:lnL w="12700" cap="flat" cmpd="sng" algn="ctr">
-                      <a:solidFill>
-                        <a:schemeClr val="tx1"/>
-                      </a:solidFill>
-                      <a:prstDash val="solid"/>
-                      <a:round/>
-                      <a:headEnd type="none" w="med" len="med"/>
-                      <a:tailEnd type="none" w="med" len="med"/>
-                    </a:lnL>
-                    <a:lnR w="12700" cap="flat" cmpd="sng" algn="ctr">
-                      <a:solidFill>
-                        <a:schemeClr val="tx1"/>
-                      </a:solidFill>
-                      <a:prstDash val="solid"/>
-                      <a:round/>
-                      <a:headEnd type="none" w="med" len="med"/>
-                      <a:tailEnd type="none" w="med" len="med"/>
-                    </a:lnR>
-                    <a:lnT w="12700" cap="flat" cmpd="sng" algn="ctr">
-                      <a:solidFill>
-                        <a:schemeClr val="tx1"/>
-                      </a:solidFill>
-                      <a:prstDash val="solid"/>
-                      <a:round/>
-                      <a:headEnd type="none" w="med" len="med"/>
-                      <a:tailEnd type="none" w="med" len="med"/>
-                    </a:lnT>
-                    <a:lnB w="12700" cap="flat" cmpd="sng" algn="ctr">
-                      <a:solidFill>
-                        <a:schemeClr val="tx1"/>
-                      </a:solidFill>
-                      <a:prstDash val="solid"/>
-                      <a:round/>
-                      <a:headEnd type="none" w="med" len="med"/>
-                      <a:tailEnd type="none" w="med" len="med"/>
-                    </a:lnB>
-                    <a:noFill/>
-                  </a:tcPr>
-                </a:tc>
-                <a:tc>
-                  <a:txBody>
-                    <a:bodyPr/>
-                    <a:lstStyle/>
-                    <a:p>
-                      <a:pPr algn="ctr" fontAlgn="ctr"/>
-                      <a:r>
-                        <a:rPr lang="en-US" sz="2800" u="none" strike="noStrike" dirty="0">
-                          <a:solidFill>
-                            <a:schemeClr val="tx1"/>
-                          </a:solidFill>
-                          <a:effectLst/>
-                          <a:latin typeface="+mn-lt"/>
-                        </a:rPr>
-                        <a:t>375.265</a:t>
-                      </a:r>
-                      <a:endParaRPr lang="en-US" sz="2800" b="0" i="0" u="none" strike="noStrike" dirty="0">
-                        <a:solidFill>
-                          <a:schemeClr val="tx1"/>
-                        </a:solidFill>
-                        <a:effectLst/>
-                        <a:latin typeface="+mn-lt"/>
+                        <a:latin typeface="Rubik" pitchFamily="2" charset="-79"/>
+                        <a:cs typeface="Rubik" pitchFamily="2" charset="-79"/>
                       </a:endParaRPr>
                     </a:p>
                   </a:txBody>
@@ -8829,7 +8945,8 @@
                             <a:schemeClr val="tx1"/>
                           </a:solidFill>
                           <a:effectLst/>
-                          <a:latin typeface="+mn-lt"/>
+                          <a:latin typeface="Rubik" pitchFamily="2" charset="-79"/>
+                          <a:cs typeface="Rubik" pitchFamily="2" charset="-79"/>
                         </a:rPr>
                         <a:t>Memory Used (MB) </a:t>
                       </a:r>
@@ -8839,7 +8956,8 @@
                             <a:srgbClr val="000000"/>
                           </a:solidFill>
                           <a:effectLst/>
-                          <a:latin typeface="+mn-lt"/>
+                          <a:latin typeface="Rubik" pitchFamily="2" charset="-79"/>
+                          <a:cs typeface="Rubik" pitchFamily="2" charset="-79"/>
                         </a:rPr>
                         <a:t>🔻</a:t>
                       </a:r>
@@ -8848,7 +8966,8 @@
                           <a:schemeClr val="tx1"/>
                         </a:solidFill>
                         <a:effectLst/>
-                        <a:latin typeface="+mn-lt"/>
+                        <a:latin typeface="Rubik" pitchFamily="2" charset="-79"/>
+                        <a:cs typeface="Rubik" pitchFamily="2" charset="-79"/>
                       </a:endParaRPr>
                     </a:p>
                   </a:txBody>
@@ -8906,7 +9025,8 @@
                             <a:schemeClr val="tx1"/>
                           </a:solidFill>
                           <a:effectLst/>
-                          <a:latin typeface="+mn-lt"/>
+                          <a:latin typeface="Rubik" pitchFamily="2" charset="-79"/>
+                          <a:cs typeface="Rubik" pitchFamily="2" charset="-79"/>
                         </a:rPr>
                         <a:t>151.36</a:t>
                       </a:r>
@@ -8915,7 +9035,8 @@
                           <a:schemeClr val="tx1"/>
                         </a:solidFill>
                         <a:effectLst/>
-                        <a:latin typeface="+mn-lt"/>
+                        <a:latin typeface="Rubik" pitchFamily="2" charset="-79"/>
+                        <a:cs typeface="Rubik" pitchFamily="2" charset="-79"/>
                       </a:endParaRPr>
                     </a:p>
                   </a:txBody>
@@ -8973,7 +9094,8 @@
                             <a:srgbClr val="000000"/>
                           </a:solidFill>
                           <a:effectLst/>
-                          <a:latin typeface="Arial" panose="020B0604020202020204" pitchFamily="34" charset="0"/>
+                          <a:latin typeface="Rubik" pitchFamily="2" charset="-79"/>
+                          <a:cs typeface="Rubik" pitchFamily="2" charset="-79"/>
                         </a:rPr>
                         <a:t>225.61</a:t>
                       </a:r>
@@ -9033,7 +9155,8 @@
                             <a:srgbClr val="000000"/>
                           </a:solidFill>
                           <a:effectLst/>
-                          <a:latin typeface="Arial" panose="020B0604020202020204" pitchFamily="34" charset="0"/>
+                          <a:latin typeface="Rubik" pitchFamily="2" charset="-79"/>
+                          <a:cs typeface="Rubik" pitchFamily="2" charset="-79"/>
                         </a:rPr>
                         <a:t>301.11</a:t>
                       </a:r>
@@ -9093,7 +9216,8 @@
                             <a:schemeClr val="tx1"/>
                           </a:solidFill>
                           <a:effectLst/>
-                          <a:latin typeface="+mn-lt"/>
+                          <a:latin typeface="Rubik" pitchFamily="2" charset="-79"/>
+                          <a:cs typeface="Rubik" pitchFamily="2" charset="-79"/>
                         </a:rPr>
                         <a:t>150.62 </a:t>
                       </a:r>
@@ -9102,7 +9226,8 @@
                           <a:schemeClr val="tx1"/>
                         </a:solidFill>
                         <a:effectLst/>
-                        <a:latin typeface="+mn-lt"/>
+                        <a:latin typeface="Rubik" pitchFamily="2" charset="-79"/>
+                        <a:cs typeface="Rubik" pitchFamily="2" charset="-79"/>
                       </a:endParaRPr>
                     </a:p>
                   </a:txBody>
@@ -9160,7 +9285,8 @@
                             <a:schemeClr val="tx1"/>
                           </a:solidFill>
                           <a:effectLst/>
-                          <a:latin typeface="+mn-lt"/>
+                          <a:latin typeface="Rubik" pitchFamily="2" charset="-79"/>
+                          <a:cs typeface="Rubik" pitchFamily="2" charset="-79"/>
                         </a:rPr>
                         <a:t>224.51</a:t>
                       </a:r>
@@ -9169,7 +9295,8 @@
                           <a:schemeClr val="tx1"/>
                         </a:solidFill>
                         <a:effectLst/>
-                        <a:latin typeface="+mn-lt"/>
+                        <a:latin typeface="Rubik" pitchFamily="2" charset="-79"/>
+                        <a:cs typeface="Rubik" pitchFamily="2" charset="-79"/>
                       </a:endParaRPr>
                     </a:p>
                   </a:txBody>
@@ -9227,7 +9354,8 @@
                             <a:schemeClr val="tx1"/>
                           </a:solidFill>
                           <a:effectLst/>
-                          <a:latin typeface="+mn-lt"/>
+                          <a:latin typeface="Rubik" pitchFamily="2" charset="-79"/>
+                          <a:cs typeface="Rubik" pitchFamily="2" charset="-79"/>
                         </a:rPr>
                         <a:t>298.89</a:t>
                       </a:r>
@@ -9299,7 +9427,7 @@
         </p:nvSpPr>
         <p:spPr>
           <a:xfrm>
-            <a:off x="15636766" y="7055920"/>
+            <a:off x="15793548" y="7376056"/>
             <a:ext cx="13860376" cy="584775"/>
           </a:xfrm>
           <a:prstGeom prst="rect">
@@ -9315,7 +9443,10 @@
           <a:p>
             <a:pPr algn="ctr"/>
             <a:r>
-              <a:rPr lang="en-US" sz="3200" dirty="0"/>
+              <a:rPr lang="en-US" sz="3200" dirty="0">
+                <a:latin typeface="Rubik" pitchFamily="2" charset="-79"/>
+                <a:cs typeface="Rubik" pitchFamily="2" charset="-79"/>
+              </a:rPr>
               <a:t>LSTM Text Classification</a:t>
             </a:r>
           </a:p>
@@ -9335,7 +9466,7 @@
         </p:nvSpPr>
         <p:spPr>
           <a:xfrm>
-            <a:off x="15675817" y="13991027"/>
+            <a:off x="15610358" y="15018899"/>
             <a:ext cx="13938463" cy="584775"/>
           </a:xfrm>
           <a:prstGeom prst="rect">
@@ -9351,7 +9482,10 @@
           <a:p>
             <a:pPr algn="ctr"/>
             <a:r>
-              <a:rPr lang="en-US" sz="3200" dirty="0"/>
+              <a:rPr lang="en-US" sz="3200" dirty="0">
+                <a:latin typeface="Rubik" pitchFamily="2" charset="-79"/>
+                <a:cs typeface="Rubik" pitchFamily="2" charset="-79"/>
+              </a:rPr>
               <a:t>Sentiment analysis using LSTM</a:t>
             </a:r>
           </a:p>
@@ -9371,7 +9505,7 @@
         </p:nvSpPr>
         <p:spPr>
           <a:xfrm>
-            <a:off x="15714304" y="21452456"/>
+            <a:off x="15675817" y="23155301"/>
             <a:ext cx="13860371" cy="584775"/>
           </a:xfrm>
           <a:prstGeom prst="rect">
@@ -9387,7 +9521,10 @@
           <a:p>
             <a:pPr algn="ctr"/>
             <a:r>
-              <a:rPr lang="en-US" sz="3200" dirty="0"/>
+              <a:rPr lang="en-US" sz="3200" dirty="0">
+                <a:latin typeface="Rubik" pitchFamily="2" charset="-79"/>
+                <a:cs typeface="Rubik" pitchFamily="2" charset="-79"/>
+              </a:rPr>
               <a:t>Sentiment Analysis using BERT</a:t>
             </a:r>
           </a:p>
@@ -13936,14 +14073,14 @@
           <p:nvPr>
             <p:extLst>
               <p:ext uri="{D42A27DB-BD31-4B8C-83A1-F6EECF244321}">
-                <p14:modId xmlns:p14="http://schemas.microsoft.com/office/powerpoint/2010/main" val="4237850421"/>
+                <p14:modId xmlns:p14="http://schemas.microsoft.com/office/powerpoint/2010/main" val="2029552976"/>
               </p:ext>
             </p:extLst>
           </p:nvPr>
         </p:nvGraphicFramePr>
         <p:xfrm>
-          <a:off x="16129080" y="14724325"/>
-          <a:ext cx="10337333" cy="3079616"/>
+          <a:off x="17487659" y="15835336"/>
+          <a:ext cx="9434227" cy="2927798"/>
         </p:xfrm>
         <a:graphic>
           <a:graphicData uri="http://schemas.openxmlformats.org/drawingml/2006/table">
@@ -13952,21 +14089,21 @@
                 <a:tableStyleId>{69CF1AB2-1976-4502-BF36-3FF5EA218861}</a:tableStyleId>
               </a:tblPr>
               <a:tblGrid>
-                <a:gridCol w="288085">
+                <a:gridCol w="514373">
                   <a:extLst>
                     <a:ext uri="{9D8B030D-6E8A-4147-A177-3AD203B41FA5}">
                       <a16:colId xmlns:a16="http://schemas.microsoft.com/office/drawing/2014/main" val="2560062910"/>
                     </a:ext>
                   </a:extLst>
                 </a:gridCol>
-                <a:gridCol w="8092667">
+                <a:gridCol w="7403691">
                   <a:extLst>
                     <a:ext uri="{9D8B030D-6E8A-4147-A177-3AD203B41FA5}">
                       <a16:colId xmlns:a16="http://schemas.microsoft.com/office/drawing/2014/main" val="3708691428"/>
                     </a:ext>
                   </a:extLst>
                 </a:gridCol>
-                <a:gridCol w="1956581">
+                <a:gridCol w="1516163">
                   <a:extLst>
                     <a:ext uri="{9D8B030D-6E8A-4147-A177-3AD203B41FA5}">
                       <a16:colId xmlns:a16="http://schemas.microsoft.com/office/drawing/2014/main" val="3424127986"/>
@@ -13974,7 +14111,7 @@
                   </a:extLst>
                 </a:gridCol>
               </a:tblGrid>
-              <a:tr h="644913">
+              <a:tr h="588571">
                 <a:tc>
                   <a:txBody>
                     <a:bodyPr/>
@@ -13982,14 +14119,16 @@
                     <a:p>
                       <a:pPr fontAlgn="ctr"/>
                       <a:r>
-                        <a:rPr lang="en-US" sz="2800" b="0" dirty="0">
+                        <a:rPr lang="en-US" sz="2600" b="0" dirty="0">
                           <a:effectLst/>
+                          <a:latin typeface="Rubik" pitchFamily="2" charset="-79"/>
+                          <a:cs typeface="Rubik" pitchFamily="2" charset="-79"/>
                         </a:rPr>
                         <a:t>0</a:t>
                       </a:r>
                     </a:p>
                   </a:txBody>
-                  <a:tcPr marL="66363" marR="66363" marT="33181" marB="33181" anchor="ctr"/>
+                  <a:tcPr marL="60565" marR="60565" marT="30282" marB="30282" anchor="ctr"/>
                 </a:tc>
                 <a:tc>
                   <a:txBody>
@@ -13998,14 +14137,16 @@
                     <a:p>
                       <a:pPr algn="r"/>
                       <a:r>
-                        <a:rPr lang="en-US" sz="2800" b="0" dirty="0">
+                        <a:rPr lang="en-US" sz="2600" b="0" dirty="0">
                           <a:effectLst/>
-                        </a:rPr>
-                        <a:t>One of the other reviewers has mentioned that ...</a:t>
-                      </a:r>
-                    </a:p>
-                  </a:txBody>
-                  <a:tcPr marL="66363" marR="66363" marT="33181" marB="33181" anchor="ctr"/>
+                          <a:latin typeface="Rubik" pitchFamily="2" charset="-79"/>
+                          <a:cs typeface="Rubik" pitchFamily="2" charset="-79"/>
+                        </a:rPr>
+                        <a:t>One of the other reviewers has mentioned ...</a:t>
+                      </a:r>
+                    </a:p>
+                  </a:txBody>
+                  <a:tcPr marL="60565" marR="60565" marT="30282" marB="30282" anchor="ctr"/>
                 </a:tc>
                 <a:tc>
                   <a:txBody>
@@ -14014,14 +14155,16 @@
                     <a:p>
                       <a:pPr algn="r"/>
                       <a:r>
-                        <a:rPr lang="en-US" sz="2800" b="0" dirty="0">
+                        <a:rPr lang="en-US" sz="2600" b="0" dirty="0">
                           <a:effectLst/>
+                          <a:latin typeface="Rubik" pitchFamily="2" charset="-79"/>
+                          <a:cs typeface="Rubik" pitchFamily="2" charset="-79"/>
                         </a:rPr>
                         <a:t>positive</a:t>
                       </a:r>
                     </a:p>
                   </a:txBody>
-                  <a:tcPr marL="66363" marR="66363" marT="33181" marB="33181" anchor="ctr"/>
+                  <a:tcPr marL="60565" marR="60565" marT="30282" marB="30282" anchor="ctr"/>
                 </a:tc>
                 <a:extLst>
                   <a:ext uri="{0D108BD9-81ED-4DB2-BD59-A6C34878D82A}">
@@ -14029,7 +14172,7 @@
                   </a:ext>
                 </a:extLst>
               </a:tr>
-              <a:tr h="483542">
+              <a:tr h="560434">
                 <a:tc>
                   <a:txBody>
                     <a:bodyPr/>
@@ -14037,14 +14180,16 @@
                     <a:p>
                       <a:pPr fontAlgn="ctr"/>
                       <a:r>
-                        <a:rPr lang="en-US" sz="2800" b="0">
+                        <a:rPr lang="en-US" sz="2600" b="0">
                           <a:effectLst/>
+                          <a:latin typeface="Rubik" pitchFamily="2" charset="-79"/>
+                          <a:cs typeface="Rubik" pitchFamily="2" charset="-79"/>
                         </a:rPr>
                         <a:t>1</a:t>
                       </a:r>
                     </a:p>
                   </a:txBody>
-                  <a:tcPr marL="66363" marR="66363" marT="33181" marB="33181" anchor="ctr"/>
+                  <a:tcPr marL="60565" marR="60565" marT="30282" marB="30282" anchor="ctr"/>
                 </a:tc>
                 <a:tc>
                   <a:txBody>
@@ -14053,38 +14198,48 @@
                     <a:p>
                       <a:pPr algn="r"/>
                       <a:r>
-                        <a:rPr lang="en-US" sz="2800" b="0" dirty="0">
+                        <a:rPr lang="en-US" sz="2600" b="0" dirty="0">
                           <a:effectLst/>
+                          <a:latin typeface="Rubik" pitchFamily="2" charset="-79"/>
+                          <a:cs typeface="Rubik" pitchFamily="2" charset="-79"/>
                         </a:rPr>
                         <a:t>A wonderful little production. &lt;</a:t>
                       </a:r>
                       <a:r>
-                        <a:rPr lang="en-US" sz="2800" b="0" dirty="0" err="1">
+                        <a:rPr lang="en-US" sz="2600" b="0" dirty="0" err="1">
                           <a:effectLst/>
+                          <a:latin typeface="Rubik" pitchFamily="2" charset="-79"/>
+                          <a:cs typeface="Rubik" pitchFamily="2" charset="-79"/>
                         </a:rPr>
                         <a:t>br</a:t>
                       </a:r>
                       <a:r>
-                        <a:rPr lang="en-US" sz="2800" b="0" dirty="0">
+                        <a:rPr lang="en-US" sz="2600" b="0" dirty="0">
                           <a:effectLst/>
+                          <a:latin typeface="Rubik" pitchFamily="2" charset="-79"/>
+                          <a:cs typeface="Rubik" pitchFamily="2" charset="-79"/>
                         </a:rPr>
                         <a:t> /&gt;&lt;</a:t>
                       </a:r>
                       <a:r>
-                        <a:rPr lang="en-US" sz="2800" b="0" dirty="0" err="1">
+                        <a:rPr lang="en-US" sz="2600" b="0" dirty="0" err="1">
                           <a:effectLst/>
+                          <a:latin typeface="Rubik" pitchFamily="2" charset="-79"/>
+                          <a:cs typeface="Rubik" pitchFamily="2" charset="-79"/>
                         </a:rPr>
                         <a:t>br</a:t>
                       </a:r>
                       <a:r>
-                        <a:rPr lang="en-US" sz="2800" b="0" dirty="0">
+                        <a:rPr lang="en-US" sz="2600" b="0" dirty="0">
                           <a:effectLst/>
+                          <a:latin typeface="Rubik" pitchFamily="2" charset="-79"/>
+                          <a:cs typeface="Rubik" pitchFamily="2" charset="-79"/>
                         </a:rPr>
                         <a:t> /&gt;The...</a:t>
                       </a:r>
                     </a:p>
                   </a:txBody>
-                  <a:tcPr marL="66363" marR="66363" marT="33181" marB="33181" anchor="ctr"/>
+                  <a:tcPr marL="60565" marR="60565" marT="30282" marB="30282" anchor="ctr"/>
                 </a:tc>
                 <a:tc>
                   <a:txBody>
@@ -14093,14 +14248,16 @@
                     <a:p>
                       <a:pPr algn="r"/>
                       <a:r>
-                        <a:rPr lang="en-US" sz="2800" b="0" dirty="0">
+                        <a:rPr lang="en-US" sz="2600" b="0" dirty="0">
                           <a:effectLst/>
+                          <a:latin typeface="Rubik" pitchFamily="2" charset="-79"/>
+                          <a:cs typeface="Rubik" pitchFamily="2" charset="-79"/>
                         </a:rPr>
                         <a:t>positive</a:t>
                       </a:r>
                     </a:p>
                   </a:txBody>
-                  <a:tcPr marL="66363" marR="66363" marT="33181" marB="33181" anchor="ctr"/>
+                  <a:tcPr marL="60565" marR="60565" marT="30282" marB="30282" anchor="ctr"/>
                 </a:tc>
                 <a:extLst>
                   <a:ext uri="{0D108BD9-81ED-4DB2-BD59-A6C34878D82A}">
@@ -14108,7 +14265,7 @@
                   </a:ext>
                 </a:extLst>
               </a:tr>
-              <a:tr h="644913">
+              <a:tr h="588571">
                 <a:tc>
                   <a:txBody>
                     <a:bodyPr/>
@@ -14116,14 +14273,16 @@
                     <a:p>
                       <a:pPr fontAlgn="ctr"/>
                       <a:r>
-                        <a:rPr lang="en-US" sz="2800" b="0">
+                        <a:rPr lang="en-US" sz="2600" b="0">
                           <a:effectLst/>
+                          <a:latin typeface="Rubik" pitchFamily="2" charset="-79"/>
+                          <a:cs typeface="Rubik" pitchFamily="2" charset="-79"/>
                         </a:rPr>
                         <a:t>2</a:t>
                       </a:r>
                     </a:p>
                   </a:txBody>
-                  <a:tcPr marL="66363" marR="66363" marT="33181" marB="33181" anchor="ctr"/>
+                  <a:tcPr marL="60565" marR="60565" marT="30282" marB="30282" anchor="ctr"/>
                 </a:tc>
                 <a:tc>
                   <a:txBody>
@@ -14132,42 +14291,34 @@
                     <a:p>
                       <a:pPr algn="r"/>
                       <a:r>
-                        <a:rPr lang="en-US" sz="2800" b="0" dirty="0">
+                        <a:rPr lang="en-US" sz="2600" b="0" dirty="0">
                           <a:effectLst/>
-                        </a:rPr>
-                        <a:t>I thought this was a wonderful way to spend </a:t>
-                      </a:r>
-                      <a:r>
-                        <a:rPr lang="en-US" sz="2800" b="0" dirty="0" err="1">
+                          <a:latin typeface="Rubik" pitchFamily="2" charset="-79"/>
+                          <a:cs typeface="Rubik" pitchFamily="2" charset="-79"/>
+                        </a:rPr>
+                        <a:t>I thought this was a wonderful way to spend ...</a:t>
+                      </a:r>
+                    </a:p>
+                  </a:txBody>
+                  <a:tcPr marL="60565" marR="60565" marT="30282" marB="30282" anchor="ctr"/>
+                </a:tc>
+                <a:tc>
+                  <a:txBody>
+                    <a:bodyPr/>
+                    <a:lstStyle/>
+                    <a:p>
+                      <a:pPr algn="r"/>
+                      <a:r>
+                        <a:rPr lang="en-US" sz="2600" b="0" dirty="0">
                           <a:effectLst/>
-                        </a:rPr>
-                        <a:t>ti</a:t>
-                      </a:r>
-                      <a:r>
-                        <a:rPr lang="en-US" sz="2800" b="0" dirty="0">
-                          <a:effectLst/>
-                        </a:rPr>
-                        <a:t>...</a:t>
-                      </a:r>
-                    </a:p>
-                  </a:txBody>
-                  <a:tcPr marL="66363" marR="66363" marT="33181" marB="33181" anchor="ctr"/>
-                </a:tc>
-                <a:tc>
-                  <a:txBody>
-                    <a:bodyPr/>
-                    <a:lstStyle/>
-                    <a:p>
-                      <a:pPr algn="r"/>
-                      <a:r>
-                        <a:rPr lang="en-US" sz="2800" b="0" dirty="0">
-                          <a:effectLst/>
+                          <a:latin typeface="Rubik" pitchFamily="2" charset="-79"/>
+                          <a:cs typeface="Rubik" pitchFamily="2" charset="-79"/>
                         </a:rPr>
                         <a:t>positive</a:t>
                       </a:r>
                     </a:p>
                   </a:txBody>
-                  <a:tcPr marL="66363" marR="66363" marT="33181" marB="33181" anchor="ctr"/>
+                  <a:tcPr marL="60565" marR="60565" marT="30282" marB="30282" anchor="ctr"/>
                 </a:tc>
                 <a:extLst>
                   <a:ext uri="{0D108BD9-81ED-4DB2-BD59-A6C34878D82A}">
@@ -14175,7 +14326,7 @@
                   </a:ext>
                 </a:extLst>
               </a:tr>
-              <a:tr h="803626">
+              <a:tr h="733418">
                 <a:tc>
                   <a:txBody>
                     <a:bodyPr/>
@@ -14183,14 +14334,16 @@
                     <a:p>
                       <a:pPr fontAlgn="ctr"/>
                       <a:r>
-                        <a:rPr lang="en-US" sz="2800" b="0">
+                        <a:rPr lang="en-US" sz="2600" b="0">
                           <a:effectLst/>
+                          <a:latin typeface="Rubik" pitchFamily="2" charset="-79"/>
+                          <a:cs typeface="Rubik" pitchFamily="2" charset="-79"/>
                         </a:rPr>
                         <a:t>3</a:t>
                       </a:r>
                     </a:p>
                   </a:txBody>
-                  <a:tcPr marL="66363" marR="66363" marT="33181" marB="33181" anchor="ctr"/>
+                  <a:tcPr marL="60565" marR="60565" marT="30282" marB="30282" anchor="ctr"/>
                 </a:tc>
                 <a:tc>
                   <a:txBody>
@@ -14199,14 +14352,16 @@
                     <a:p>
                       <a:pPr algn="r"/>
                       <a:r>
-                        <a:rPr lang="en-US" sz="2800" b="0" dirty="0">
+                        <a:rPr lang="en-US" sz="2600" b="0" dirty="0">
                           <a:effectLst/>
+                          <a:latin typeface="Rubik" pitchFamily="2" charset="-79"/>
+                          <a:cs typeface="Rubik" pitchFamily="2" charset="-79"/>
                         </a:rPr>
                         <a:t>Basically there's a family where a little boy ...</a:t>
                       </a:r>
                     </a:p>
                   </a:txBody>
-                  <a:tcPr marL="66363" marR="66363" marT="33181" marB="33181" anchor="ctr"/>
+                  <a:tcPr marL="60565" marR="60565" marT="30282" marB="30282" anchor="ctr"/>
                 </a:tc>
                 <a:tc>
                   <a:txBody>
@@ -14215,14 +14370,16 @@
                     <a:p>
                       <a:pPr algn="r"/>
                       <a:r>
-                        <a:rPr lang="en-US" sz="2800" b="0" dirty="0">
+                        <a:rPr lang="en-US" sz="2600" b="0" dirty="0">
                           <a:effectLst/>
+                          <a:latin typeface="Rubik" pitchFamily="2" charset="-79"/>
+                          <a:cs typeface="Rubik" pitchFamily="2" charset="-79"/>
                         </a:rPr>
                         <a:t>negative</a:t>
                       </a:r>
                     </a:p>
                   </a:txBody>
-                  <a:tcPr marL="66363" marR="66363" marT="33181" marB="33181" anchor="ctr"/>
+                  <a:tcPr marL="60565" marR="60565" marT="30282" marB="30282" anchor="ctr"/>
                 </a:tc>
                 <a:extLst>
                   <a:ext uri="{0D108BD9-81ED-4DB2-BD59-A6C34878D82A}">
@@ -14230,7 +14387,7 @@
                   </a:ext>
                 </a:extLst>
               </a:tr>
-              <a:tr h="483542">
+              <a:tr h="450005">
                 <a:tc>
                   <a:txBody>
                     <a:bodyPr/>
@@ -14238,14 +14395,16 @@
                     <a:p>
                       <a:pPr fontAlgn="ctr"/>
                       <a:r>
-                        <a:rPr lang="en-US" sz="2800" b="0">
+                        <a:rPr lang="en-US" sz="2600" b="0">
                           <a:effectLst/>
+                          <a:latin typeface="Rubik" pitchFamily="2" charset="-79"/>
+                          <a:cs typeface="Rubik" pitchFamily="2" charset="-79"/>
                         </a:rPr>
                         <a:t>4</a:t>
                       </a:r>
                     </a:p>
                   </a:txBody>
-                  <a:tcPr marL="66363" marR="66363" marT="33181" marB="33181" anchor="ctr"/>
+                  <a:tcPr marL="60565" marR="60565" marT="30282" marB="30282" anchor="ctr"/>
                 </a:tc>
                 <a:tc>
                   <a:txBody>
@@ -14254,32 +14413,40 @@
                     <a:p>
                       <a:pPr algn="r"/>
                       <a:r>
-                        <a:rPr lang="en-US" sz="2800" b="0" dirty="0" err="1">
+                        <a:rPr lang="en-US" sz="2600" b="0" dirty="0" err="1">
                           <a:effectLst/>
+                          <a:latin typeface="Rubik" pitchFamily="2" charset="-79"/>
+                          <a:cs typeface="Rubik" pitchFamily="2" charset="-79"/>
                         </a:rPr>
                         <a:t>Petter</a:t>
                       </a:r>
                       <a:r>
-                        <a:rPr lang="en-US" sz="2800" b="0" dirty="0">
+                        <a:rPr lang="en-US" sz="2600" b="0" dirty="0">
                           <a:effectLst/>
+                          <a:latin typeface="Rubik" pitchFamily="2" charset="-79"/>
+                          <a:cs typeface="Rubik" pitchFamily="2" charset="-79"/>
                         </a:rPr>
                         <a:t> </a:t>
                       </a:r>
                       <a:r>
-                        <a:rPr lang="en-US" sz="2800" b="0" dirty="0" err="1">
+                        <a:rPr lang="en-US" sz="2600" b="0" dirty="0" err="1">
                           <a:effectLst/>
+                          <a:latin typeface="Rubik" pitchFamily="2" charset="-79"/>
+                          <a:cs typeface="Rubik" pitchFamily="2" charset="-79"/>
                         </a:rPr>
                         <a:t>Mattei's</a:t>
                       </a:r>
                       <a:r>
-                        <a:rPr lang="en-US" sz="2800" b="0" dirty="0">
+                        <a:rPr lang="en-US" sz="2600" b="0" dirty="0">
                           <a:effectLst/>
+                          <a:latin typeface="Rubik" pitchFamily="2" charset="-79"/>
+                          <a:cs typeface="Rubik" pitchFamily="2" charset="-79"/>
                         </a:rPr>
                         <a:t> "Love in the Time of Money" is...</a:t>
                       </a:r>
                     </a:p>
                   </a:txBody>
-                  <a:tcPr marL="66363" marR="66363" marT="33181" marB="33181" anchor="ctr"/>
+                  <a:tcPr marL="60565" marR="60565" marT="30282" marB="30282" anchor="ctr"/>
                 </a:tc>
                 <a:tc>
                   <a:txBody>
@@ -14288,14 +14455,16 @@
                     <a:p>
                       <a:pPr algn="r"/>
                       <a:r>
-                        <a:rPr lang="en-US" sz="2800" b="0" dirty="0">
+                        <a:rPr lang="en-US" sz="2600" b="0" dirty="0">
                           <a:effectLst/>
+                          <a:latin typeface="Rubik" pitchFamily="2" charset="-79"/>
+                          <a:cs typeface="Rubik" pitchFamily="2" charset="-79"/>
                         </a:rPr>
                         <a:t>positive</a:t>
                       </a:r>
                     </a:p>
                   </a:txBody>
-                  <a:tcPr marL="66363" marR="66363" marT="33181" marB="33181" anchor="ctr"/>
+                  <a:tcPr marL="60565" marR="60565" marT="30282" marB="30282" anchor="ctr"/>
                 </a:tc>
                 <a:extLst>
                   <a:ext uri="{0D108BD9-81ED-4DB2-BD59-A6C34878D82A}">
@@ -14322,14 +14491,14 @@
           <p:nvPr>
             <p:extLst>
               <p:ext uri="{D42A27DB-BD31-4B8C-83A1-F6EECF244321}">
-                <p14:modId xmlns:p14="http://schemas.microsoft.com/office/powerpoint/2010/main" val="3086783737"/>
+                <p14:modId xmlns:p14="http://schemas.microsoft.com/office/powerpoint/2010/main" val="2495058777"/>
               </p:ext>
             </p:extLst>
           </p:nvPr>
         </p:nvGraphicFramePr>
         <p:xfrm>
-          <a:off x="16129080" y="7753425"/>
-          <a:ext cx="10198708" cy="2665280"/>
+          <a:off x="18047033" y="8239035"/>
+          <a:ext cx="9566650" cy="2500100"/>
         </p:xfrm>
         <a:graphic>
           <a:graphicData uri="http://schemas.openxmlformats.org/drawingml/2006/table">
@@ -14338,21 +14507,21 @@
                 <a:tableStyleId>{22838BEF-8BB2-4498-84A7-C5851F593DF1}</a:tableStyleId>
               </a:tblPr>
               <a:tblGrid>
-                <a:gridCol w="605708">
+                <a:gridCol w="568170">
                   <a:extLst>
                     <a:ext uri="{9D8B030D-6E8A-4147-A177-3AD203B41FA5}">
                       <a16:colId xmlns:a16="http://schemas.microsoft.com/office/drawing/2014/main" val="3674804019"/>
                     </a:ext>
                   </a:extLst>
                 </a:gridCol>
-                <a:gridCol w="1513291">
+                <a:gridCol w="1419506">
                   <a:extLst>
                     <a:ext uri="{9D8B030D-6E8A-4147-A177-3AD203B41FA5}">
                       <a16:colId xmlns:a16="http://schemas.microsoft.com/office/drawing/2014/main" val="2940050809"/>
                     </a:ext>
                   </a:extLst>
                 </a:gridCol>
-                <a:gridCol w="8079709">
+                <a:gridCol w="7578974">
                   <a:extLst>
                     <a:ext uri="{9D8B030D-6E8A-4147-A177-3AD203B41FA5}">
                       <a16:colId xmlns:a16="http://schemas.microsoft.com/office/drawing/2014/main" val="524541280"/>
@@ -14360,7 +14529,7 @@
                   </a:extLst>
                 </a:gridCol>
               </a:tblGrid>
-              <a:tr h="637160">
+              <a:tr h="597672">
                 <a:tc>
                   <a:txBody>
                     <a:bodyPr/>
@@ -14368,14 +14537,16 @@
                     <a:p>
                       <a:pPr algn="l" fontAlgn="ctr"/>
                       <a:r>
-                        <a:rPr lang="en-US" sz="2800" b="0">
+                        <a:rPr lang="en-US" sz="2600" b="0">
                           <a:effectLst/>
+                          <a:latin typeface="Rubik" pitchFamily="2" charset="-79"/>
+                          <a:cs typeface="Rubik" pitchFamily="2" charset="-79"/>
                         </a:rPr>
                         <a:t>0</a:t>
                       </a:r>
                     </a:p>
                   </a:txBody>
-                  <a:tcPr marL="76178" marR="76178" marT="38089" marB="38089" anchor="ctr"/>
+                  <a:tcPr marL="71457" marR="71457" marT="35728" marB="35728" anchor="ctr"/>
                 </a:tc>
                 <a:tc>
                   <a:txBody>
@@ -14384,14 +14555,16 @@
                     <a:p>
                       <a:pPr algn="l"/>
                       <a:r>
-                        <a:rPr lang="en-US" sz="2800" b="0">
+                        <a:rPr lang="en-US" sz="2600" b="0">
                           <a:effectLst/>
+                          <a:latin typeface="Rubik" pitchFamily="2" charset="-79"/>
+                          <a:cs typeface="Rubik" pitchFamily="2" charset="-79"/>
                         </a:rPr>
                         <a:t>ham</a:t>
                       </a:r>
                     </a:p>
                   </a:txBody>
-                  <a:tcPr marL="76178" marR="76178" marT="38089" marB="38089" anchor="ctr"/>
+                  <a:tcPr marL="71457" marR="71457" marT="35728" marB="35728" anchor="ctr"/>
                 </a:tc>
                 <a:tc>
                   <a:txBody>
@@ -14400,26 +14573,32 @@
                     <a:p>
                       <a:pPr algn="l"/>
                       <a:r>
-                        <a:rPr lang="en-US" sz="2800" b="0" dirty="0">
+                        <a:rPr lang="en-US" sz="2600" b="0" dirty="0">
                           <a:effectLst/>
+                          <a:latin typeface="Rubik" pitchFamily="2" charset="-79"/>
+                          <a:cs typeface="Rubik" pitchFamily="2" charset="-79"/>
                         </a:rPr>
                         <a:t>Go until </a:t>
                       </a:r>
                       <a:r>
-                        <a:rPr lang="en-US" sz="2800" b="0" dirty="0" err="1">
+                        <a:rPr lang="en-US" sz="2600" b="0" dirty="0" err="1">
                           <a:effectLst/>
+                          <a:latin typeface="Rubik" pitchFamily="2" charset="-79"/>
+                          <a:cs typeface="Rubik" pitchFamily="2" charset="-79"/>
                         </a:rPr>
                         <a:t>jurong</a:t>
                       </a:r>
                       <a:r>
-                        <a:rPr lang="en-US" sz="2800" b="0" dirty="0">
+                        <a:rPr lang="en-US" sz="2600" b="0" dirty="0">
                           <a:effectLst/>
+                          <a:latin typeface="Rubik" pitchFamily="2" charset="-79"/>
+                          <a:cs typeface="Rubik" pitchFamily="2" charset="-79"/>
                         </a:rPr>
                         <a:t> point, crazy.. Available only ...</a:t>
                       </a:r>
                     </a:p>
                   </a:txBody>
-                  <a:tcPr marL="76178" marR="76178" marT="38089" marB="38089" anchor="ctr"/>
+                  <a:tcPr marL="71457" marR="71457" marT="35728" marB="35728" anchor="ctr"/>
                 </a:tc>
                 <a:extLst>
                   <a:ext uri="{0D108BD9-81ED-4DB2-BD59-A6C34878D82A}">
@@ -14427,7 +14606,7 @@
                   </a:ext>
                 </a:extLst>
               </a:tr>
-              <a:tr h="498052">
+              <a:tr h="471731">
                 <a:tc>
                   <a:txBody>
                     <a:bodyPr/>
@@ -14435,14 +14614,16 @@
                     <a:p>
                       <a:pPr algn="l" fontAlgn="ctr"/>
                       <a:r>
-                        <a:rPr lang="en-US" sz="2800" b="0">
+                        <a:rPr lang="en-US" sz="2600" b="0">
                           <a:effectLst/>
+                          <a:latin typeface="Rubik" pitchFamily="2" charset="-79"/>
+                          <a:cs typeface="Rubik" pitchFamily="2" charset="-79"/>
                         </a:rPr>
                         <a:t>1</a:t>
                       </a:r>
                     </a:p>
                   </a:txBody>
-                  <a:tcPr marL="76178" marR="76178" marT="38089" marB="38089" anchor="ctr"/>
+                  <a:tcPr marL="71457" marR="71457" marT="35728" marB="35728" anchor="ctr"/>
                 </a:tc>
                 <a:tc>
                   <a:txBody>
@@ -14451,14 +14632,16 @@
                     <a:p>
                       <a:pPr algn="l"/>
                       <a:r>
-                        <a:rPr lang="en-US" sz="2800" b="0">
+                        <a:rPr lang="en-US" sz="2600" b="0">
                           <a:effectLst/>
+                          <a:latin typeface="Rubik" pitchFamily="2" charset="-79"/>
+                          <a:cs typeface="Rubik" pitchFamily="2" charset="-79"/>
                         </a:rPr>
                         <a:t>ham</a:t>
                       </a:r>
                     </a:p>
                   </a:txBody>
-                  <a:tcPr marL="76178" marR="76178" marT="38089" marB="38089" anchor="ctr"/>
+                  <a:tcPr marL="71457" marR="71457" marT="35728" marB="35728" anchor="ctr"/>
                 </a:tc>
                 <a:tc>
                   <a:txBody>
@@ -14467,29 +14650,35 @@
                     <a:p>
                       <a:pPr algn="l"/>
                       <a:r>
-                        <a:rPr lang="pl-PL" sz="2800" b="0" dirty="0">
+                        <a:rPr lang="pl-PL" sz="2600" b="0" dirty="0">
                           <a:effectLst/>
+                          <a:latin typeface="Rubik" pitchFamily="2" charset="-79"/>
+                          <a:cs typeface="Rubik" pitchFamily="2" charset="-79"/>
                         </a:rPr>
                         <a:t>Ok lar... </a:t>
                       </a:r>
                       <a:r>
-                        <a:rPr lang="pl-PL" sz="2800" b="0" kern="1200" dirty="0">
+                        <a:rPr lang="pl-PL" sz="2600" b="0" kern="1200" dirty="0">
                           <a:solidFill>
                             <a:schemeClr val="dk1"/>
                           </a:solidFill>
                           <a:effectLst/>
+                          <a:latin typeface="Rubik" pitchFamily="2" charset="-79"/>
+                          <a:cs typeface="Rubik" pitchFamily="2" charset="-79"/>
                         </a:rPr>
                         <a:t>Joking</a:t>
                       </a:r>
                       <a:r>
-                        <a:rPr lang="pl-PL" sz="2800" b="0" dirty="0">
+                        <a:rPr lang="pl-PL" sz="2600" b="0" dirty="0">
                           <a:effectLst/>
+                          <a:latin typeface="Rubik" pitchFamily="2" charset="-79"/>
+                          <a:cs typeface="Rubik" pitchFamily="2" charset="-79"/>
                         </a:rPr>
                         <a:t> wif u oni...</a:t>
                       </a:r>
                     </a:p>
                   </a:txBody>
-                  <a:tcPr marL="76178" marR="76178" marT="38089" marB="38089" anchor="ctr"/>
+                  <a:tcPr marL="71457" marR="71457" marT="35728" marB="35728" anchor="ctr"/>
                 </a:tc>
                 <a:extLst>
                   <a:ext uri="{0D108BD9-81ED-4DB2-BD59-A6C34878D82A}">
@@ -14497,7 +14686,7 @@
                   </a:ext>
                 </a:extLst>
               </a:tr>
-              <a:tr h="511162">
+              <a:tr h="479483">
                 <a:tc>
                   <a:txBody>
                     <a:bodyPr/>
@@ -14505,14 +14694,16 @@
                     <a:p>
                       <a:pPr algn="l" fontAlgn="ctr"/>
                       <a:r>
-                        <a:rPr lang="en-US" sz="2800" b="0">
+                        <a:rPr lang="en-US" sz="2600" b="0">
                           <a:effectLst/>
+                          <a:latin typeface="Rubik" pitchFamily="2" charset="-79"/>
+                          <a:cs typeface="Rubik" pitchFamily="2" charset="-79"/>
                         </a:rPr>
                         <a:t>2</a:t>
                       </a:r>
                     </a:p>
                   </a:txBody>
-                  <a:tcPr marL="76178" marR="76178" marT="38089" marB="38089" anchor="ctr"/>
+                  <a:tcPr marL="71457" marR="71457" marT="35728" marB="35728" anchor="ctr"/>
                 </a:tc>
                 <a:tc>
                   <a:txBody>
@@ -14521,14 +14712,16 @@
                     <a:p>
                       <a:pPr algn="l"/>
                       <a:r>
-                        <a:rPr lang="en-US" sz="2800" b="0" dirty="0">
+                        <a:rPr lang="en-US" sz="2600" b="0" dirty="0">
                           <a:effectLst/>
+                          <a:latin typeface="Rubik" pitchFamily="2" charset="-79"/>
+                          <a:cs typeface="Rubik" pitchFamily="2" charset="-79"/>
                         </a:rPr>
                         <a:t>spam</a:t>
                       </a:r>
                     </a:p>
                   </a:txBody>
-                  <a:tcPr marL="76178" marR="76178" marT="38089" marB="38089" anchor="ctr"/>
+                  <a:tcPr marL="71457" marR="71457" marT="35728" marB="35728" anchor="ctr"/>
                 </a:tc>
                 <a:tc>
                   <a:txBody>
@@ -14537,38 +14730,48 @@
                     <a:p>
                       <a:pPr algn="l"/>
                       <a:r>
-                        <a:rPr lang="en-US" sz="2800" b="0" dirty="0">
+                        <a:rPr lang="en-US" sz="2600" b="0" dirty="0">
                           <a:effectLst/>
+                          <a:latin typeface="Rubik" pitchFamily="2" charset="-79"/>
+                          <a:cs typeface="Rubik" pitchFamily="2" charset="-79"/>
                         </a:rPr>
                         <a:t>Free entry in 2 a </a:t>
                       </a:r>
                       <a:r>
-                        <a:rPr lang="en-US" sz="2800" b="0" dirty="0" err="1">
+                        <a:rPr lang="en-US" sz="2600" b="0" dirty="0" err="1">
                           <a:effectLst/>
+                          <a:latin typeface="Rubik" pitchFamily="2" charset="-79"/>
+                          <a:cs typeface="Rubik" pitchFamily="2" charset="-79"/>
                         </a:rPr>
                         <a:t>wkly</a:t>
                       </a:r>
                       <a:r>
-                        <a:rPr lang="en-US" sz="2800" b="0" dirty="0">
+                        <a:rPr lang="en-US" sz="2600" b="0" dirty="0">
                           <a:effectLst/>
+                          <a:latin typeface="Rubik" pitchFamily="2" charset="-79"/>
+                          <a:cs typeface="Rubik" pitchFamily="2" charset="-79"/>
                         </a:rPr>
                         <a:t> comp to win FA Cup </a:t>
                       </a:r>
                       <a:r>
-                        <a:rPr lang="en-US" sz="2800" b="0" dirty="0" err="1">
+                        <a:rPr lang="en-US" sz="2600" b="0" dirty="0" err="1">
                           <a:effectLst/>
+                          <a:latin typeface="Rubik" pitchFamily="2" charset="-79"/>
+                          <a:cs typeface="Rubik" pitchFamily="2" charset="-79"/>
                         </a:rPr>
                         <a:t>fina</a:t>
                       </a:r>
                       <a:r>
-                        <a:rPr lang="en-US" sz="2800" b="0" dirty="0">
+                        <a:rPr lang="en-US" sz="2600" b="0" dirty="0">
                           <a:effectLst/>
+                          <a:latin typeface="Rubik" pitchFamily="2" charset="-79"/>
+                          <a:cs typeface="Rubik" pitchFamily="2" charset="-79"/>
                         </a:rPr>
                         <a:t>...</a:t>
                       </a:r>
                     </a:p>
                   </a:txBody>
-                  <a:tcPr marL="76178" marR="76178" marT="38089" marB="38089" anchor="ctr"/>
+                  <a:tcPr marL="71457" marR="71457" marT="35728" marB="35728" anchor="ctr"/>
                 </a:tc>
                 <a:extLst>
                   <a:ext uri="{0D108BD9-81ED-4DB2-BD59-A6C34878D82A}">
@@ -14576,7 +14779,7 @@
                   </a:ext>
                 </a:extLst>
               </a:tr>
-              <a:tr h="0">
+              <a:tr h="471731">
                 <a:tc>
                   <a:txBody>
                     <a:bodyPr/>
@@ -14584,14 +14787,16 @@
                     <a:p>
                       <a:pPr algn="l" fontAlgn="ctr"/>
                       <a:r>
-                        <a:rPr lang="en-US" sz="2800" b="0">
+                        <a:rPr lang="en-US" sz="2600" b="0">
                           <a:effectLst/>
+                          <a:latin typeface="Rubik" pitchFamily="2" charset="-79"/>
+                          <a:cs typeface="Rubik" pitchFamily="2" charset="-79"/>
                         </a:rPr>
                         <a:t>3</a:t>
                       </a:r>
                     </a:p>
                   </a:txBody>
-                  <a:tcPr marL="76178" marR="76178" marT="38089" marB="38089" anchor="ctr"/>
+                  <a:tcPr marL="71457" marR="71457" marT="35728" marB="35728" anchor="ctr"/>
                 </a:tc>
                 <a:tc>
                   <a:txBody>
@@ -14600,14 +14805,16 @@
                     <a:p>
                       <a:pPr algn="l"/>
                       <a:r>
-                        <a:rPr lang="en-US" sz="2800" b="0">
+                        <a:rPr lang="en-US" sz="2600" b="0">
                           <a:effectLst/>
+                          <a:latin typeface="Rubik" pitchFamily="2" charset="-79"/>
+                          <a:cs typeface="Rubik" pitchFamily="2" charset="-79"/>
                         </a:rPr>
                         <a:t>ham</a:t>
                       </a:r>
                     </a:p>
                   </a:txBody>
-                  <a:tcPr marL="76178" marR="76178" marT="38089" marB="38089" anchor="ctr"/>
+                  <a:tcPr marL="71457" marR="71457" marT="35728" marB="35728" anchor="ctr"/>
                 </a:tc>
                 <a:tc>
                   <a:txBody>
@@ -14616,14 +14823,16 @@
                     <a:p>
                       <a:pPr algn="l"/>
                       <a:r>
-                        <a:rPr lang="en-US" sz="2800" b="0" dirty="0">
+                        <a:rPr lang="en-US" sz="2600" b="0" dirty="0">
                           <a:effectLst/>
+                          <a:latin typeface="Rubik" pitchFamily="2" charset="-79"/>
+                          <a:cs typeface="Rubik" pitchFamily="2" charset="-79"/>
                         </a:rPr>
                         <a:t>U dun say so early hor... U c already then say...</a:t>
                       </a:r>
                     </a:p>
                   </a:txBody>
-                  <a:tcPr marL="76178" marR="76178" marT="38089" marB="38089" anchor="ctr"/>
+                  <a:tcPr marL="71457" marR="71457" marT="35728" marB="35728" anchor="ctr"/>
                 </a:tc>
                 <a:extLst>
                   <a:ext uri="{0D108BD9-81ED-4DB2-BD59-A6C34878D82A}">
@@ -14631,7 +14840,7 @@
                   </a:ext>
                 </a:extLst>
               </a:tr>
-              <a:tr h="511162">
+              <a:tr h="479483">
                 <a:tc>
                   <a:txBody>
                     <a:bodyPr/>
@@ -14639,14 +14848,16 @@
                     <a:p>
                       <a:pPr algn="l" fontAlgn="ctr"/>
                       <a:r>
-                        <a:rPr lang="en-US" sz="2800" b="0">
+                        <a:rPr lang="en-US" sz="2600" b="0">
                           <a:effectLst/>
+                          <a:latin typeface="Rubik" pitchFamily="2" charset="-79"/>
+                          <a:cs typeface="Rubik" pitchFamily="2" charset="-79"/>
                         </a:rPr>
                         <a:t>4</a:t>
                       </a:r>
                     </a:p>
                   </a:txBody>
-                  <a:tcPr marL="76178" marR="76178" marT="38089" marB="38089" anchor="ctr"/>
+                  <a:tcPr marL="71457" marR="71457" marT="35728" marB="35728" anchor="ctr"/>
                 </a:tc>
                 <a:tc>
                   <a:txBody>
@@ -14655,14 +14866,16 @@
                     <a:p>
                       <a:pPr algn="l"/>
                       <a:r>
-                        <a:rPr lang="en-US" sz="2800" b="0">
+                        <a:rPr lang="en-US" sz="2600" b="0">
                           <a:effectLst/>
+                          <a:latin typeface="Rubik" pitchFamily="2" charset="-79"/>
+                          <a:cs typeface="Rubik" pitchFamily="2" charset="-79"/>
                         </a:rPr>
                         <a:t>ham</a:t>
                       </a:r>
                     </a:p>
                   </a:txBody>
-                  <a:tcPr marL="76178" marR="76178" marT="38089" marB="38089" anchor="ctr"/>
+                  <a:tcPr marL="71457" marR="71457" marT="35728" marB="35728" anchor="ctr"/>
                 </a:tc>
                 <a:tc>
                   <a:txBody>
@@ -14671,38 +14884,48 @@
                     <a:p>
                       <a:pPr algn="l"/>
                       <a:r>
-                        <a:rPr lang="en-US" sz="2800" b="0" dirty="0">
+                        <a:rPr lang="en-US" sz="2600" b="0" dirty="0">
                           <a:effectLst/>
+                          <a:latin typeface="Rubik" pitchFamily="2" charset="-79"/>
+                          <a:cs typeface="Rubik" pitchFamily="2" charset="-79"/>
                         </a:rPr>
                         <a:t>Nah I don't think he goes to </a:t>
                       </a:r>
                       <a:r>
-                        <a:rPr lang="en-US" sz="2800" b="0" dirty="0" err="1">
+                        <a:rPr lang="en-US" sz="2600" b="0" dirty="0" err="1">
                           <a:effectLst/>
+                          <a:latin typeface="Rubik" pitchFamily="2" charset="-79"/>
+                          <a:cs typeface="Rubik" pitchFamily="2" charset="-79"/>
                         </a:rPr>
                         <a:t>usf</a:t>
                       </a:r>
                       <a:r>
-                        <a:rPr lang="en-US" sz="2800" b="0" dirty="0">
+                        <a:rPr lang="en-US" sz="2600" b="0" dirty="0">
                           <a:effectLst/>
+                          <a:latin typeface="Rubik" pitchFamily="2" charset="-79"/>
+                          <a:cs typeface="Rubik" pitchFamily="2" charset="-79"/>
                         </a:rPr>
                         <a:t>, he lives </a:t>
                       </a:r>
                       <a:r>
-                        <a:rPr lang="en-US" sz="2800" b="0" dirty="0" err="1">
+                        <a:rPr lang="en-US" sz="2600" b="0" dirty="0" err="1">
                           <a:effectLst/>
+                          <a:latin typeface="Rubik" pitchFamily="2" charset="-79"/>
+                          <a:cs typeface="Rubik" pitchFamily="2" charset="-79"/>
                         </a:rPr>
                         <a:t>aro</a:t>
                       </a:r>
                       <a:r>
-                        <a:rPr lang="en-US" sz="2800" b="0" dirty="0">
+                        <a:rPr lang="en-US" sz="2600" b="0" dirty="0">
                           <a:effectLst/>
+                          <a:latin typeface="Rubik" pitchFamily="2" charset="-79"/>
+                          <a:cs typeface="Rubik" pitchFamily="2" charset="-79"/>
                         </a:rPr>
                         <a:t>...</a:t>
                       </a:r>
                     </a:p>
                   </a:txBody>
-                  <a:tcPr marL="76178" marR="76178" marT="38089" marB="38089" anchor="ctr"/>
+                  <a:tcPr marL="71457" marR="71457" marT="35728" marB="35728" anchor="ctr"/>
                 </a:tc>
                 <a:extLst>
                   <a:ext uri="{0D108BD9-81ED-4DB2-BD59-A6C34878D82A}">
@@ -14729,14 +14952,14 @@
           <p:nvPr>
             <p:extLst>
               <p:ext uri="{D42A27DB-BD31-4B8C-83A1-F6EECF244321}">
-                <p14:modId xmlns:p14="http://schemas.microsoft.com/office/powerpoint/2010/main" val="3888831093"/>
+                <p14:modId xmlns:p14="http://schemas.microsoft.com/office/powerpoint/2010/main" val="1658229225"/>
               </p:ext>
             </p:extLst>
           </p:nvPr>
         </p:nvGraphicFramePr>
         <p:xfrm>
-          <a:off x="16028828" y="22154397"/>
-          <a:ext cx="10790778" cy="3627303"/>
+          <a:off x="17328347" y="24016403"/>
+          <a:ext cx="10790778" cy="3789039"/>
         </p:xfrm>
         <a:graphic>
           <a:graphicData uri="http://schemas.openxmlformats.org/drawingml/2006/table">
@@ -14770,6 +14993,8 @@
                       <a:r>
                         <a:rPr lang="en-US" sz="2800" dirty="0">
                           <a:effectLst/>
+                          <a:latin typeface="Rubik" pitchFamily="2" charset="-79"/>
+                          <a:cs typeface="Rubik" pitchFamily="2" charset="-79"/>
                         </a:rPr>
                         <a:t>@aandraous @britishmuseum @AndrewsAntonio Merc...</a:t>
                       </a:r>
@@ -14786,6 +15011,8 @@
                       <a:r>
                         <a:rPr lang="en-US" sz="2800">
                           <a:effectLst/>
+                          <a:latin typeface="Rubik" pitchFamily="2" charset="-79"/>
+                          <a:cs typeface="Rubik" pitchFamily="2" charset="-79"/>
                         </a:rPr>
                         <a:t>nocode</a:t>
                       </a:r>
@@ -14809,6 +15036,8 @@
                       <a:r>
                         <a:rPr lang="en-US" sz="2800">
                           <a:effectLst/>
+                          <a:latin typeface="Rubik" pitchFamily="2" charset="-79"/>
+                          <a:cs typeface="Rubik" pitchFamily="2" charset="-79"/>
                         </a:rPr>
                         <a:t>Dorian Gray with Rainbow Scarf #LoveWins (from...</a:t>
                       </a:r>
@@ -14825,6 +15054,8 @@
                       <a:r>
                         <a:rPr lang="en-US" sz="2800">
                           <a:effectLst/>
+                          <a:latin typeface="Rubik" pitchFamily="2" charset="-79"/>
+                          <a:cs typeface="Rubik" pitchFamily="2" charset="-79"/>
                         </a:rPr>
                         <a:t>happy</a:t>
                       </a:r>
@@ -14848,6 +15079,8 @@
                       <a:r>
                         <a:rPr lang="en-US" sz="2800" dirty="0">
                           <a:effectLst/>
+                          <a:latin typeface="Rubik" pitchFamily="2" charset="-79"/>
+                          <a:cs typeface="Rubik" pitchFamily="2" charset="-79"/>
                         </a:rPr>
                         <a:t>@SelectShowcase @Tate_StIves ... Replace with ...</a:t>
                       </a:r>
@@ -14864,6 +15097,8 @@
                       <a:r>
                         <a:rPr lang="en-US" sz="2800">
                           <a:effectLst/>
+                          <a:latin typeface="Rubik" pitchFamily="2" charset="-79"/>
+                          <a:cs typeface="Rubik" pitchFamily="2" charset="-79"/>
                         </a:rPr>
                         <a:t>happy</a:t>
                       </a:r>
@@ -14887,6 +15122,8 @@
                       <a:r>
                         <a:rPr lang="en-US" sz="2800" dirty="0">
                           <a:effectLst/>
+                          <a:latin typeface="Rubik" pitchFamily="2" charset="-79"/>
+                          <a:cs typeface="Rubik" pitchFamily="2" charset="-79"/>
                         </a:rPr>
                         <a:t>@Sofabsports thank you for following me back. ...</a:t>
                       </a:r>
@@ -14903,6 +15140,8 @@
                       <a:r>
                         <a:rPr lang="en-US" sz="2800">
                           <a:effectLst/>
+                          <a:latin typeface="Rubik" pitchFamily="2" charset="-79"/>
+                          <a:cs typeface="Rubik" pitchFamily="2" charset="-79"/>
                         </a:rPr>
                         <a:t>happy</a:t>
                       </a:r>
@@ -14926,6 +15165,8 @@
                       <a:r>
                         <a:rPr lang="en-US" sz="2800" dirty="0">
                           <a:effectLst/>
+                          <a:latin typeface="Rubik" pitchFamily="2" charset="-79"/>
+                          <a:cs typeface="Rubik" pitchFamily="2" charset="-79"/>
                         </a:rPr>
                         <a:t>@britishmuseum @TudorHistory What a beautiful ...</a:t>
                       </a:r>
@@ -14942,6 +15183,8 @@
                       <a:r>
                         <a:rPr lang="en-US" sz="2800" dirty="0">
                           <a:effectLst/>
+                          <a:latin typeface="Rubik" pitchFamily="2" charset="-79"/>
+                          <a:cs typeface="Rubik" pitchFamily="2" charset="-79"/>
                         </a:rPr>
                         <a:t>happy</a:t>
                       </a:r>
@@ -14974,14 +15217,14 @@
           <p:nvPr>
             <p:extLst>
               <p:ext uri="{D42A27DB-BD31-4B8C-83A1-F6EECF244321}">
-                <p14:modId xmlns:p14="http://schemas.microsoft.com/office/powerpoint/2010/main" val="4088303452"/>
+                <p14:modId xmlns:p14="http://schemas.microsoft.com/office/powerpoint/2010/main" val="573746113"/>
               </p:ext>
             </p:extLst>
           </p:nvPr>
         </p:nvGraphicFramePr>
         <p:xfrm>
-          <a:off x="24294440" y="27358373"/>
-          <a:ext cx="4066696" cy="2617470"/>
+          <a:off x="24143423" y="29240715"/>
+          <a:ext cx="3270908" cy="2149086"/>
         </p:xfrm>
         <a:graphic>
           <a:graphicData uri="http://schemas.openxmlformats.org/drawingml/2006/table">
@@ -14990,14 +15233,14 @@
                 <a:tableStyleId>{5C22544A-7EE6-4342-B048-85BDC9FD1C3A}</a:tableStyleId>
               </a:tblPr>
               <a:tblGrid>
-                <a:gridCol w="2376488">
+                <a:gridCol w="1911447">
                   <a:extLst>
                     <a:ext uri="{9D8B030D-6E8A-4147-A177-3AD203B41FA5}">
                       <a16:colId xmlns:a16="http://schemas.microsoft.com/office/drawing/2014/main" val="195981020"/>
                     </a:ext>
                   </a:extLst>
                 </a:gridCol>
-                <a:gridCol w="1690208">
+                <a:gridCol w="1359461">
                   <a:extLst>
                     <a:ext uri="{9D8B030D-6E8A-4147-A177-3AD203B41FA5}">
                       <a16:colId xmlns:a16="http://schemas.microsoft.com/office/drawing/2014/main" val="3649737788"/>
@@ -15005,7 +15248,7 @@
                   </a:extLst>
                 </a:gridCol>
               </a:tblGrid>
-              <a:tr h="378082">
+              <a:tr h="350879">
                 <a:tc>
                   <a:txBody>
                     <a:bodyPr/>
@@ -15013,21 +15256,24 @@
                     <a:p>
                       <a:pPr algn="l" fontAlgn="b"/>
                       <a:r>
-                        <a:rPr lang="en-US" sz="2800" u="none" strike="noStrike">
+                        <a:rPr lang="en-US" sz="2300" u="none" strike="noStrike">
                           <a:effectLst/>
+                          <a:latin typeface="Rubik" pitchFamily="2" charset="-79"/>
+                          <a:cs typeface="Rubik" pitchFamily="2" charset="-79"/>
                         </a:rPr>
                         <a:t>happy          </a:t>
                       </a:r>
-                      <a:endParaRPr lang="en-US" sz="2800" b="0" i="0" u="none" strike="noStrike">
+                      <a:endParaRPr lang="en-US" sz="2300" b="0" i="0" u="none" strike="noStrike">
                         <a:solidFill>
                           <a:srgbClr val="000000"/>
                         </a:solidFill>
                         <a:effectLst/>
-                        <a:latin typeface="Calibri" panose="020F0502020204030204" pitchFamily="34" charset="0"/>
+                        <a:latin typeface="Rubik" pitchFamily="2" charset="-79"/>
+                        <a:cs typeface="Rubik" pitchFamily="2" charset="-79"/>
                       </a:endParaRPr>
                     </a:p>
                   </a:txBody>
-                  <a:tcPr marL="9525" marR="9525" marT="9525" marB="0" anchor="b"/>
+                  <a:tcPr marL="7661" marR="7661" marT="7661" marB="0" anchor="b"/>
                 </a:tc>
                 <a:tc>
                   <a:txBody>
@@ -15036,21 +15282,24 @@
                     <a:p>
                       <a:pPr algn="r" fontAlgn="b"/>
                       <a:r>
-                        <a:rPr lang="en-US" sz="2800" u="none" strike="noStrike">
+                        <a:rPr lang="en-US" sz="2300" u="none" strike="noStrike">
                           <a:effectLst/>
+                          <a:latin typeface="Rubik" pitchFamily="2" charset="-79"/>
+                          <a:cs typeface="Rubik" pitchFamily="2" charset="-79"/>
                         </a:rPr>
                         <a:t>1137</a:t>
                       </a:r>
-                      <a:endParaRPr lang="en-US" sz="2800" b="0" i="0" u="none" strike="noStrike">
+                      <a:endParaRPr lang="en-US" sz="2300" b="0" i="0" u="none" strike="noStrike">
                         <a:solidFill>
                           <a:srgbClr val="000000"/>
                         </a:solidFill>
                         <a:effectLst/>
-                        <a:latin typeface="Calibri" panose="020F0502020204030204" pitchFamily="34" charset="0"/>
+                        <a:latin typeface="Rubik" pitchFamily="2" charset="-79"/>
+                        <a:cs typeface="Rubik" pitchFamily="2" charset="-79"/>
                       </a:endParaRPr>
                     </a:p>
                   </a:txBody>
-                  <a:tcPr marL="9525" marR="9525" marT="9525" marB="0" anchor="b"/>
+                  <a:tcPr marL="7661" marR="7661" marT="7661" marB="0" anchor="b"/>
                 </a:tc>
                 <a:extLst>
                   <a:ext uri="{0D108BD9-81ED-4DB2-BD59-A6C34878D82A}">
@@ -15058,7 +15307,7 @@
                   </a:ext>
                 </a:extLst>
               </a:tr>
-              <a:tr h="378082">
+              <a:tr h="350879">
                 <a:tc>
                   <a:txBody>
                     <a:bodyPr/>
@@ -15066,21 +15315,24 @@
                     <a:p>
                       <a:pPr algn="l" fontAlgn="b"/>
                       <a:r>
-                        <a:rPr lang="en-US" sz="2800" u="none" strike="noStrike">
+                        <a:rPr lang="en-US" sz="2300" u="none" strike="noStrike">
                           <a:effectLst/>
+                          <a:latin typeface="Rubik" pitchFamily="2" charset="-79"/>
+                          <a:cs typeface="Rubik" pitchFamily="2" charset="-79"/>
                         </a:rPr>
                         <a:t>not-relevant    </a:t>
                       </a:r>
-                      <a:endParaRPr lang="en-US" sz="2800" b="0" i="0" u="none" strike="noStrike">
+                      <a:endParaRPr lang="en-US" sz="2300" b="0" i="0" u="none" strike="noStrike">
                         <a:solidFill>
                           <a:srgbClr val="000000"/>
                         </a:solidFill>
                         <a:effectLst/>
-                        <a:latin typeface="Calibri" panose="020F0502020204030204" pitchFamily="34" charset="0"/>
+                        <a:latin typeface="Rubik" pitchFamily="2" charset="-79"/>
+                        <a:cs typeface="Rubik" pitchFamily="2" charset="-79"/>
                       </a:endParaRPr>
                     </a:p>
                   </a:txBody>
-                  <a:tcPr marL="9525" marR="9525" marT="9525" marB="0" anchor="b"/>
+                  <a:tcPr marL="7661" marR="7661" marT="7661" marB="0" anchor="b"/>
                 </a:tc>
                 <a:tc>
                   <a:txBody>
@@ -15089,21 +15341,24 @@
                     <a:p>
                       <a:pPr algn="r" fontAlgn="b"/>
                       <a:r>
-                        <a:rPr lang="en-US" sz="2800" u="none" strike="noStrike">
+                        <a:rPr lang="en-US" sz="2300" u="none" strike="noStrike">
                           <a:effectLst/>
+                          <a:latin typeface="Rubik" pitchFamily="2" charset="-79"/>
+                          <a:cs typeface="Rubik" pitchFamily="2" charset="-79"/>
                         </a:rPr>
                         <a:t>214</a:t>
                       </a:r>
-                      <a:endParaRPr lang="en-US" sz="2800" b="0" i="0" u="none" strike="noStrike">
+                      <a:endParaRPr lang="en-US" sz="2300" b="0" i="0" u="none" strike="noStrike">
                         <a:solidFill>
                           <a:srgbClr val="000000"/>
                         </a:solidFill>
                         <a:effectLst/>
-                        <a:latin typeface="Calibri" panose="020F0502020204030204" pitchFamily="34" charset="0"/>
+                        <a:latin typeface="Rubik" pitchFamily="2" charset="-79"/>
+                        <a:cs typeface="Rubik" pitchFamily="2" charset="-79"/>
                       </a:endParaRPr>
                     </a:p>
                   </a:txBody>
-                  <a:tcPr marL="9525" marR="9525" marT="9525" marB="0" anchor="b"/>
+                  <a:tcPr marL="7661" marR="7661" marT="7661" marB="0" anchor="b"/>
                 </a:tc>
                 <a:extLst>
                   <a:ext uri="{0D108BD9-81ED-4DB2-BD59-A6C34878D82A}">
@@ -15111,7 +15366,7 @@
                   </a:ext>
                 </a:extLst>
               </a:tr>
-              <a:tr h="378082">
+              <a:tr h="350879">
                 <a:tc>
                   <a:txBody>
                     <a:bodyPr/>
@@ -15119,21 +15374,24 @@
                     <a:p>
                       <a:pPr algn="l" fontAlgn="b"/>
                       <a:r>
-                        <a:rPr lang="en-US" sz="2800" u="none" strike="noStrike" dirty="0">
+                        <a:rPr lang="en-US" sz="2300" u="none" strike="noStrike" dirty="0">
                           <a:effectLst/>
+                          <a:latin typeface="Rubik" pitchFamily="2" charset="-79"/>
+                          <a:cs typeface="Rubik" pitchFamily="2" charset="-79"/>
                         </a:rPr>
                         <a:t>angry            </a:t>
                       </a:r>
-                      <a:endParaRPr lang="en-US" sz="2800" b="0" i="0" u="none" strike="noStrike" dirty="0">
+                      <a:endParaRPr lang="en-US" sz="2300" b="0" i="0" u="none" strike="noStrike" dirty="0">
                         <a:solidFill>
                           <a:srgbClr val="000000"/>
                         </a:solidFill>
                         <a:effectLst/>
-                        <a:latin typeface="Calibri" panose="020F0502020204030204" pitchFamily="34" charset="0"/>
+                        <a:latin typeface="Rubik" pitchFamily="2" charset="-79"/>
+                        <a:cs typeface="Rubik" pitchFamily="2" charset="-79"/>
                       </a:endParaRPr>
                     </a:p>
                   </a:txBody>
-                  <a:tcPr marL="9525" marR="9525" marT="9525" marB="0" anchor="b"/>
+                  <a:tcPr marL="7661" marR="7661" marT="7661" marB="0" anchor="b"/>
                 </a:tc>
                 <a:tc>
                   <a:txBody>
@@ -15142,21 +15400,24 @@
                     <a:p>
                       <a:pPr algn="r" fontAlgn="b"/>
                       <a:r>
-                        <a:rPr lang="en-US" sz="2800" u="none" strike="noStrike">
+                        <a:rPr lang="en-US" sz="2300" u="none" strike="noStrike" dirty="0">
                           <a:effectLst/>
+                          <a:latin typeface="Rubik" pitchFamily="2" charset="-79"/>
+                          <a:cs typeface="Rubik" pitchFamily="2" charset="-79"/>
                         </a:rPr>
                         <a:t>57</a:t>
                       </a:r>
-                      <a:endParaRPr lang="en-US" sz="2800" b="0" i="0" u="none" strike="noStrike">
+                      <a:endParaRPr lang="en-US" sz="2300" b="0" i="0" u="none" strike="noStrike" dirty="0">
                         <a:solidFill>
                           <a:srgbClr val="000000"/>
                         </a:solidFill>
                         <a:effectLst/>
-                        <a:latin typeface="Calibri" panose="020F0502020204030204" pitchFamily="34" charset="0"/>
+                        <a:latin typeface="Rubik" pitchFamily="2" charset="-79"/>
+                        <a:cs typeface="Rubik" pitchFamily="2" charset="-79"/>
                       </a:endParaRPr>
                     </a:p>
                   </a:txBody>
-                  <a:tcPr marL="9525" marR="9525" marT="9525" marB="0" anchor="b"/>
+                  <a:tcPr marL="7661" marR="7661" marT="7661" marB="0" anchor="b"/>
                 </a:tc>
                 <a:extLst>
                   <a:ext uri="{0D108BD9-81ED-4DB2-BD59-A6C34878D82A}">
@@ -15164,7 +15425,7 @@
                   </a:ext>
                 </a:extLst>
               </a:tr>
-              <a:tr h="378082">
+              <a:tr h="350879">
                 <a:tc>
                   <a:txBody>
                     <a:bodyPr/>
@@ -15172,21 +15433,24 @@
                     <a:p>
                       <a:pPr algn="l" fontAlgn="b"/>
                       <a:r>
-                        <a:rPr lang="en-US" sz="2800" u="none" strike="noStrike" dirty="0">
+                        <a:rPr lang="en-US" sz="2300" u="none" strike="noStrike" dirty="0">
                           <a:effectLst/>
+                          <a:latin typeface="Rubik" pitchFamily="2" charset="-79"/>
+                          <a:cs typeface="Rubik" pitchFamily="2" charset="-79"/>
                         </a:rPr>
                         <a:t>surprise         </a:t>
                       </a:r>
-                      <a:endParaRPr lang="en-US" sz="2800" b="0" i="0" u="none" strike="noStrike" dirty="0">
+                      <a:endParaRPr lang="en-US" sz="2300" b="0" i="0" u="none" strike="noStrike" dirty="0">
                         <a:solidFill>
                           <a:srgbClr val="000000"/>
                         </a:solidFill>
                         <a:effectLst/>
-                        <a:latin typeface="Calibri" panose="020F0502020204030204" pitchFamily="34" charset="0"/>
+                        <a:latin typeface="Rubik" pitchFamily="2" charset="-79"/>
+                        <a:cs typeface="Rubik" pitchFamily="2" charset="-79"/>
                       </a:endParaRPr>
                     </a:p>
                   </a:txBody>
-                  <a:tcPr marL="9525" marR="9525" marT="9525" marB="0" anchor="b"/>
+                  <a:tcPr marL="7661" marR="7661" marT="7661" marB="0" anchor="b"/>
                 </a:tc>
                 <a:tc>
                   <a:txBody>
@@ -15195,21 +15459,24 @@
                     <a:p>
                       <a:pPr algn="r" fontAlgn="b"/>
                       <a:r>
-                        <a:rPr lang="en-US" sz="2800" u="none" strike="noStrike">
+                        <a:rPr lang="en-US" sz="2300" u="none" strike="noStrike" dirty="0">
                           <a:effectLst/>
+                          <a:latin typeface="Rubik" pitchFamily="2" charset="-79"/>
+                          <a:cs typeface="Rubik" pitchFamily="2" charset="-79"/>
                         </a:rPr>
                         <a:t>35</a:t>
                       </a:r>
-                      <a:endParaRPr lang="en-US" sz="2800" b="0" i="0" u="none" strike="noStrike">
+                      <a:endParaRPr lang="en-US" sz="2300" b="0" i="0" u="none" strike="noStrike" dirty="0">
                         <a:solidFill>
                           <a:srgbClr val="000000"/>
                         </a:solidFill>
                         <a:effectLst/>
-                        <a:latin typeface="Calibri" panose="020F0502020204030204" pitchFamily="34" charset="0"/>
+                        <a:latin typeface="Rubik" pitchFamily="2" charset="-79"/>
+                        <a:cs typeface="Rubik" pitchFamily="2" charset="-79"/>
                       </a:endParaRPr>
                     </a:p>
                   </a:txBody>
-                  <a:tcPr marL="9525" marR="9525" marT="9525" marB="0" anchor="b"/>
+                  <a:tcPr marL="7661" marR="7661" marT="7661" marB="0" anchor="b"/>
                 </a:tc>
                 <a:extLst>
                   <a:ext uri="{0D108BD9-81ED-4DB2-BD59-A6C34878D82A}">
@@ -15217,7 +15484,7 @@
                   </a:ext>
                 </a:extLst>
               </a:tr>
-              <a:tr h="378082">
+              <a:tr h="350879">
                 <a:tc>
                   <a:txBody>
                     <a:bodyPr/>
@@ -15225,21 +15492,24 @@
                     <a:p>
                       <a:pPr algn="l" fontAlgn="b"/>
                       <a:r>
-                        <a:rPr lang="en-US" sz="2800" u="none" strike="noStrike">
+                        <a:rPr lang="en-US" sz="2300" u="none" strike="noStrike">
                           <a:effectLst/>
+                          <a:latin typeface="Rubik" pitchFamily="2" charset="-79"/>
+                          <a:cs typeface="Rubik" pitchFamily="2" charset="-79"/>
                         </a:rPr>
                         <a:t>sad              </a:t>
                       </a:r>
-                      <a:endParaRPr lang="en-US" sz="2800" b="0" i="0" u="none" strike="noStrike">
+                      <a:endParaRPr lang="en-US" sz="2300" b="0" i="0" u="none" strike="noStrike">
                         <a:solidFill>
                           <a:srgbClr val="000000"/>
                         </a:solidFill>
                         <a:effectLst/>
-                        <a:latin typeface="Calibri" panose="020F0502020204030204" pitchFamily="34" charset="0"/>
+                        <a:latin typeface="Rubik" pitchFamily="2" charset="-79"/>
+                        <a:cs typeface="Rubik" pitchFamily="2" charset="-79"/>
                       </a:endParaRPr>
                     </a:p>
                   </a:txBody>
-                  <a:tcPr marL="9525" marR="9525" marT="9525" marB="0" anchor="b"/>
+                  <a:tcPr marL="7661" marR="7661" marT="7661" marB="0" anchor="b"/>
                 </a:tc>
                 <a:tc>
                   <a:txBody>
@@ -15248,21 +15518,24 @@
                     <a:p>
                       <a:pPr algn="r" fontAlgn="b"/>
                       <a:r>
-                        <a:rPr lang="en-US" sz="2800" u="none" strike="noStrike">
+                        <a:rPr lang="en-US" sz="2300" u="none" strike="noStrike">
                           <a:effectLst/>
+                          <a:latin typeface="Rubik" pitchFamily="2" charset="-79"/>
+                          <a:cs typeface="Rubik" pitchFamily="2" charset="-79"/>
                         </a:rPr>
                         <a:t>32</a:t>
                       </a:r>
-                      <a:endParaRPr lang="en-US" sz="2800" b="0" i="0" u="none" strike="noStrike">
+                      <a:endParaRPr lang="en-US" sz="2300" b="0" i="0" u="none" strike="noStrike">
                         <a:solidFill>
                           <a:srgbClr val="000000"/>
                         </a:solidFill>
                         <a:effectLst/>
-                        <a:latin typeface="Calibri" panose="020F0502020204030204" pitchFamily="34" charset="0"/>
+                        <a:latin typeface="Rubik" pitchFamily="2" charset="-79"/>
+                        <a:cs typeface="Rubik" pitchFamily="2" charset="-79"/>
                       </a:endParaRPr>
                     </a:p>
                   </a:txBody>
-                  <a:tcPr marL="9525" marR="9525" marT="9525" marB="0" anchor="b"/>
+                  <a:tcPr marL="7661" marR="7661" marT="7661" marB="0" anchor="b"/>
                 </a:tc>
                 <a:extLst>
                   <a:ext uri="{0D108BD9-81ED-4DB2-BD59-A6C34878D82A}">
@@ -15270,7 +15543,7 @@
                   </a:ext>
                 </a:extLst>
               </a:tr>
-              <a:tr h="378082">
+              <a:tr h="350879">
                 <a:tc>
                   <a:txBody>
                     <a:bodyPr/>
@@ -15278,21 +15551,24 @@
                     <a:p>
                       <a:pPr algn="l" fontAlgn="b"/>
                       <a:r>
-                        <a:rPr lang="en-US" sz="2800" u="none" strike="noStrike">
+                        <a:rPr lang="en-US" sz="2300" u="none" strike="noStrike" dirty="0">
                           <a:effectLst/>
+                          <a:latin typeface="Rubik" pitchFamily="2" charset="-79"/>
+                          <a:cs typeface="Rubik" pitchFamily="2" charset="-79"/>
                         </a:rPr>
                         <a:t>disgust           </a:t>
                       </a:r>
-                      <a:endParaRPr lang="en-US" sz="2800" b="0" i="0" u="none" strike="noStrike">
+                      <a:endParaRPr lang="en-US" sz="2300" b="0" i="0" u="none" strike="noStrike" dirty="0">
                         <a:solidFill>
                           <a:srgbClr val="000000"/>
                         </a:solidFill>
                         <a:effectLst/>
-                        <a:latin typeface="Calibri" panose="020F0502020204030204" pitchFamily="34" charset="0"/>
+                        <a:latin typeface="Rubik" pitchFamily="2" charset="-79"/>
+                        <a:cs typeface="Rubik" pitchFamily="2" charset="-79"/>
                       </a:endParaRPr>
                     </a:p>
                   </a:txBody>
-                  <a:tcPr marL="9525" marR="9525" marT="9525" marB="0" anchor="b"/>
+                  <a:tcPr marL="7661" marR="7661" marT="7661" marB="0" anchor="b"/>
                 </a:tc>
                 <a:tc>
                   <a:txBody>
@@ -15301,21 +15577,24 @@
                     <a:p>
                       <a:pPr algn="r" fontAlgn="b"/>
                       <a:r>
-                        <a:rPr lang="en-US" sz="2800" u="none" strike="noStrike" dirty="0">
+                        <a:rPr lang="en-US" sz="2300" u="none" strike="noStrike" dirty="0">
                           <a:effectLst/>
+                          <a:latin typeface="Rubik" pitchFamily="2" charset="-79"/>
+                          <a:cs typeface="Rubik" pitchFamily="2" charset="-79"/>
                         </a:rPr>
                         <a:t>6</a:t>
                       </a:r>
-                      <a:endParaRPr lang="en-US" sz="2800" b="0" i="0" u="none" strike="noStrike" dirty="0">
+                      <a:endParaRPr lang="en-US" sz="2300" b="0" i="0" u="none" strike="noStrike" dirty="0">
                         <a:solidFill>
                           <a:srgbClr val="000000"/>
                         </a:solidFill>
                         <a:effectLst/>
-                        <a:latin typeface="Calibri" panose="020F0502020204030204" pitchFamily="34" charset="0"/>
+                        <a:latin typeface="Rubik" pitchFamily="2" charset="-79"/>
+                        <a:cs typeface="Rubik" pitchFamily="2" charset="-79"/>
                       </a:endParaRPr>
                     </a:p>
                   </a:txBody>
-                  <a:tcPr marL="9525" marR="9525" marT="9525" marB="0" anchor="b"/>
+                  <a:tcPr marL="7661" marR="7661" marT="7661" marB="0" anchor="b"/>
                 </a:tc>
                 <a:extLst>
                   <a:ext uri="{0D108BD9-81ED-4DB2-BD59-A6C34878D82A}">
@@ -15342,14 +15621,14 @@
           <p:nvPr>
             <p:extLst>
               <p:ext uri="{D42A27DB-BD31-4B8C-83A1-F6EECF244321}">
-                <p14:modId xmlns:p14="http://schemas.microsoft.com/office/powerpoint/2010/main" val="2323925337"/>
+                <p14:modId xmlns:p14="http://schemas.microsoft.com/office/powerpoint/2010/main" val="970075896"/>
               </p:ext>
             </p:extLst>
           </p:nvPr>
         </p:nvGraphicFramePr>
         <p:xfrm>
-          <a:off x="16030146" y="26103834"/>
-          <a:ext cx="4321175" cy="5671185"/>
+          <a:off x="17744850" y="28129426"/>
+          <a:ext cx="3270908" cy="4292795"/>
         </p:xfrm>
         <a:graphic>
           <a:graphicData uri="http://schemas.openxmlformats.org/drawingml/2006/table">
@@ -15358,14 +15637,14 @@
                 <a:tableStyleId>{5C22544A-7EE6-4342-B048-85BDC9FD1C3A}</a:tableStyleId>
               </a:tblPr>
               <a:tblGrid>
-                <a:gridCol w="3470275">
+                <a:gridCol w="2626820">
                   <a:extLst>
                     <a:ext uri="{9D8B030D-6E8A-4147-A177-3AD203B41FA5}">
                       <a16:colId xmlns:a16="http://schemas.microsoft.com/office/drawing/2014/main" val="2115267644"/>
                     </a:ext>
                   </a:extLst>
                 </a:gridCol>
-                <a:gridCol w="850900">
+                <a:gridCol w="644088">
                   <a:extLst>
                     <a:ext uri="{9D8B030D-6E8A-4147-A177-3AD203B41FA5}">
                       <a16:colId xmlns:a16="http://schemas.microsoft.com/office/drawing/2014/main" val="184375407"/>
@@ -15373,7 +15652,7 @@
                   </a:extLst>
                 </a:gridCol>
               </a:tblGrid>
-              <a:tr h="284341">
+              <a:tr h="330215">
                 <a:tc>
                   <a:txBody>
                     <a:bodyPr/>
@@ -15381,21 +15660,24 @@
                     <a:p>
                       <a:pPr algn="l" fontAlgn="b"/>
                       <a:r>
-                        <a:rPr lang="en-US" sz="2800" u="none" strike="noStrike">
+                        <a:rPr lang="en-US" sz="2100" u="none" strike="noStrike">
                           <a:effectLst/>
+                          <a:latin typeface="Rubik" pitchFamily="2" charset="-79"/>
+                          <a:cs typeface="Rubik" pitchFamily="2" charset="-79"/>
                         </a:rPr>
                         <a:t>nocode              </a:t>
                       </a:r>
-                      <a:endParaRPr lang="en-US" sz="2800" b="0" i="0" u="none" strike="noStrike">
+                      <a:endParaRPr lang="en-US" sz="2100" b="0" i="0" u="none" strike="noStrike">
                         <a:solidFill>
                           <a:srgbClr val="000000"/>
                         </a:solidFill>
                         <a:effectLst/>
-                        <a:latin typeface="Calibri" panose="020F0502020204030204" pitchFamily="34" charset="0"/>
+                        <a:latin typeface="Rubik" pitchFamily="2" charset="-79"/>
+                        <a:cs typeface="Rubik" pitchFamily="2" charset="-79"/>
                       </a:endParaRPr>
                     </a:p>
                   </a:txBody>
-                  <a:tcPr marL="9525" marR="9525" marT="9525" marB="0" anchor="b"/>
+                  <a:tcPr marL="7210" marR="7210" marT="7210" marB="0" anchor="b"/>
                 </a:tc>
                 <a:tc>
                   <a:txBody>
@@ -15404,21 +15686,24 @@
                     <a:p>
                       <a:pPr algn="r" fontAlgn="b"/>
                       <a:r>
-                        <a:rPr lang="en-US" sz="2800" u="none" strike="noStrike">
+                        <a:rPr lang="en-US" sz="2100" u="none" strike="noStrike">
                           <a:effectLst/>
+                          <a:latin typeface="Rubik" pitchFamily="2" charset="-79"/>
+                          <a:cs typeface="Rubik" pitchFamily="2" charset="-79"/>
                         </a:rPr>
                         <a:t>1572</a:t>
                       </a:r>
-                      <a:endParaRPr lang="en-US" sz="2800" b="0" i="0" u="none" strike="noStrike">
+                      <a:endParaRPr lang="en-US" sz="2100" b="0" i="0" u="none" strike="noStrike">
                         <a:solidFill>
                           <a:srgbClr val="000000"/>
                         </a:solidFill>
                         <a:effectLst/>
-                        <a:latin typeface="Calibri" panose="020F0502020204030204" pitchFamily="34" charset="0"/>
+                        <a:latin typeface="Rubik" pitchFamily="2" charset="-79"/>
+                        <a:cs typeface="Rubik" pitchFamily="2" charset="-79"/>
                       </a:endParaRPr>
                     </a:p>
                   </a:txBody>
-                  <a:tcPr marL="9525" marR="9525" marT="9525" marB="0" anchor="b"/>
+                  <a:tcPr marL="7210" marR="7210" marT="7210" marB="0" anchor="b"/>
                 </a:tc>
                 <a:extLst>
                   <a:ext uri="{0D108BD9-81ED-4DB2-BD59-A6C34878D82A}">
@@ -15426,7 +15711,7 @@
                   </a:ext>
                 </a:extLst>
               </a:tr>
-              <a:tr h="284341">
+              <a:tr h="330215">
                 <a:tc>
                   <a:txBody>
                     <a:bodyPr/>
@@ -15434,21 +15719,24 @@
                     <a:p>
                       <a:pPr algn="l" fontAlgn="b"/>
                       <a:r>
-                        <a:rPr lang="en-US" sz="2800" u="none" strike="noStrike">
+                        <a:rPr lang="en-US" sz="2100" u="none" strike="noStrike">
                           <a:effectLst/>
+                          <a:latin typeface="Rubik" pitchFamily="2" charset="-79"/>
+                          <a:cs typeface="Rubik" pitchFamily="2" charset="-79"/>
                         </a:rPr>
                         <a:t>happy               </a:t>
                       </a:r>
-                      <a:endParaRPr lang="en-US" sz="2800" b="0" i="0" u="none" strike="noStrike">
+                      <a:endParaRPr lang="en-US" sz="2100" b="0" i="0" u="none" strike="noStrike">
                         <a:solidFill>
                           <a:srgbClr val="000000"/>
                         </a:solidFill>
                         <a:effectLst/>
-                        <a:latin typeface="Calibri" panose="020F0502020204030204" pitchFamily="34" charset="0"/>
+                        <a:latin typeface="Rubik" pitchFamily="2" charset="-79"/>
+                        <a:cs typeface="Rubik" pitchFamily="2" charset="-79"/>
                       </a:endParaRPr>
                     </a:p>
                   </a:txBody>
-                  <a:tcPr marL="9525" marR="9525" marT="9525" marB="0" anchor="b"/>
+                  <a:tcPr marL="7210" marR="7210" marT="7210" marB="0" anchor="b"/>
                 </a:tc>
                 <a:tc>
                   <a:txBody>
@@ -15457,21 +15745,24 @@
                     <a:p>
                       <a:pPr algn="r" fontAlgn="b"/>
                       <a:r>
-                        <a:rPr lang="en-US" sz="2800" u="none" strike="noStrike">
+                        <a:rPr lang="en-US" sz="2100" u="none" strike="noStrike">
                           <a:effectLst/>
+                          <a:latin typeface="Rubik" pitchFamily="2" charset="-79"/>
+                          <a:cs typeface="Rubik" pitchFamily="2" charset="-79"/>
                         </a:rPr>
                         <a:t>1137</a:t>
                       </a:r>
-                      <a:endParaRPr lang="en-US" sz="2800" b="0" i="0" u="none" strike="noStrike">
+                      <a:endParaRPr lang="en-US" sz="2100" b="0" i="0" u="none" strike="noStrike">
                         <a:solidFill>
                           <a:srgbClr val="000000"/>
                         </a:solidFill>
                         <a:effectLst/>
-                        <a:latin typeface="Calibri" panose="020F0502020204030204" pitchFamily="34" charset="0"/>
+                        <a:latin typeface="Rubik" pitchFamily="2" charset="-79"/>
+                        <a:cs typeface="Rubik" pitchFamily="2" charset="-79"/>
                       </a:endParaRPr>
                     </a:p>
                   </a:txBody>
-                  <a:tcPr marL="9525" marR="9525" marT="9525" marB="0" anchor="b"/>
+                  <a:tcPr marL="7210" marR="7210" marT="7210" marB="0" anchor="b"/>
                 </a:tc>
                 <a:extLst>
                   <a:ext uri="{0D108BD9-81ED-4DB2-BD59-A6C34878D82A}">
@@ -15479,7 +15770,7 @@
                   </a:ext>
                 </a:extLst>
               </a:tr>
-              <a:tr h="284341">
+              <a:tr h="330215">
                 <a:tc>
                   <a:txBody>
                     <a:bodyPr/>
@@ -15487,21 +15778,24 @@
                     <a:p>
                       <a:pPr algn="l" fontAlgn="b"/>
                       <a:r>
-                        <a:rPr lang="en-US" sz="2800" u="none" strike="noStrike">
+                        <a:rPr lang="en-US" sz="2100" u="none" strike="noStrike">
                           <a:effectLst/>
+                          <a:latin typeface="Rubik" pitchFamily="2" charset="-79"/>
+                          <a:cs typeface="Rubik" pitchFamily="2" charset="-79"/>
                         </a:rPr>
                         <a:t>not-relevant         </a:t>
                       </a:r>
-                      <a:endParaRPr lang="en-US" sz="2800" b="0" i="0" u="none" strike="noStrike">
+                      <a:endParaRPr lang="en-US" sz="2100" b="0" i="0" u="none" strike="noStrike">
                         <a:solidFill>
                           <a:srgbClr val="000000"/>
                         </a:solidFill>
                         <a:effectLst/>
-                        <a:latin typeface="Calibri" panose="020F0502020204030204" pitchFamily="34" charset="0"/>
+                        <a:latin typeface="Rubik" pitchFamily="2" charset="-79"/>
+                        <a:cs typeface="Rubik" pitchFamily="2" charset="-79"/>
                       </a:endParaRPr>
                     </a:p>
                   </a:txBody>
-                  <a:tcPr marL="9525" marR="9525" marT="9525" marB="0" anchor="b"/>
+                  <a:tcPr marL="7210" marR="7210" marT="7210" marB="0" anchor="b"/>
                 </a:tc>
                 <a:tc>
                   <a:txBody>
@@ -15510,21 +15804,24 @@
                     <a:p>
                       <a:pPr algn="r" fontAlgn="b"/>
                       <a:r>
-                        <a:rPr lang="en-US" sz="2800" u="none" strike="noStrike">
+                        <a:rPr lang="en-US" sz="2100" u="none" strike="noStrike">
                           <a:effectLst/>
+                          <a:latin typeface="Rubik" pitchFamily="2" charset="-79"/>
+                          <a:cs typeface="Rubik" pitchFamily="2" charset="-79"/>
                         </a:rPr>
                         <a:t>214</a:t>
                       </a:r>
-                      <a:endParaRPr lang="en-US" sz="2800" b="0" i="0" u="none" strike="noStrike">
+                      <a:endParaRPr lang="en-US" sz="2100" b="0" i="0" u="none" strike="noStrike">
                         <a:solidFill>
                           <a:srgbClr val="000000"/>
                         </a:solidFill>
                         <a:effectLst/>
-                        <a:latin typeface="Calibri" panose="020F0502020204030204" pitchFamily="34" charset="0"/>
+                        <a:latin typeface="Rubik" pitchFamily="2" charset="-79"/>
+                        <a:cs typeface="Rubik" pitchFamily="2" charset="-79"/>
                       </a:endParaRPr>
                     </a:p>
                   </a:txBody>
-                  <a:tcPr marL="9525" marR="9525" marT="9525" marB="0" anchor="b"/>
+                  <a:tcPr marL="7210" marR="7210" marT="7210" marB="0" anchor="b"/>
                 </a:tc>
                 <a:extLst>
                   <a:ext uri="{0D108BD9-81ED-4DB2-BD59-A6C34878D82A}">
@@ -15532,7 +15829,7 @@
                   </a:ext>
                 </a:extLst>
               </a:tr>
-              <a:tr h="284341">
+              <a:tr h="330215">
                 <a:tc>
                   <a:txBody>
                     <a:bodyPr/>
@@ -15540,21 +15837,24 @@
                     <a:p>
                       <a:pPr algn="l" fontAlgn="b"/>
                       <a:r>
-                        <a:rPr lang="en-US" sz="2800" u="none" strike="noStrike">
+                        <a:rPr lang="en-US" sz="2100" u="none" strike="noStrike">
                           <a:effectLst/>
+                          <a:latin typeface="Rubik" pitchFamily="2" charset="-79"/>
+                          <a:cs typeface="Rubik" pitchFamily="2" charset="-79"/>
                         </a:rPr>
                         <a:t>angry                 </a:t>
                       </a:r>
-                      <a:endParaRPr lang="en-US" sz="2800" b="0" i="0" u="none" strike="noStrike">
+                      <a:endParaRPr lang="en-US" sz="2100" b="0" i="0" u="none" strike="noStrike">
                         <a:solidFill>
                           <a:srgbClr val="000000"/>
                         </a:solidFill>
                         <a:effectLst/>
-                        <a:latin typeface="Calibri" panose="020F0502020204030204" pitchFamily="34" charset="0"/>
+                        <a:latin typeface="Rubik" pitchFamily="2" charset="-79"/>
+                        <a:cs typeface="Rubik" pitchFamily="2" charset="-79"/>
                       </a:endParaRPr>
                     </a:p>
                   </a:txBody>
-                  <a:tcPr marL="9525" marR="9525" marT="9525" marB="0" anchor="b"/>
+                  <a:tcPr marL="7210" marR="7210" marT="7210" marB="0" anchor="b"/>
                 </a:tc>
                 <a:tc>
                   <a:txBody>
@@ -15563,21 +15863,24 @@
                     <a:p>
                       <a:pPr algn="r" fontAlgn="b"/>
                       <a:r>
-                        <a:rPr lang="en-US" sz="2800" u="none" strike="noStrike">
+                        <a:rPr lang="en-US" sz="2100" u="none" strike="noStrike">
                           <a:effectLst/>
+                          <a:latin typeface="Rubik" pitchFamily="2" charset="-79"/>
+                          <a:cs typeface="Rubik" pitchFamily="2" charset="-79"/>
                         </a:rPr>
                         <a:t>57</a:t>
                       </a:r>
-                      <a:endParaRPr lang="en-US" sz="2800" b="0" i="0" u="none" strike="noStrike">
+                      <a:endParaRPr lang="en-US" sz="2100" b="0" i="0" u="none" strike="noStrike">
                         <a:solidFill>
                           <a:srgbClr val="000000"/>
                         </a:solidFill>
                         <a:effectLst/>
-                        <a:latin typeface="Calibri" panose="020F0502020204030204" pitchFamily="34" charset="0"/>
+                        <a:latin typeface="Rubik" pitchFamily="2" charset="-79"/>
+                        <a:cs typeface="Rubik" pitchFamily="2" charset="-79"/>
                       </a:endParaRPr>
                     </a:p>
                   </a:txBody>
-                  <a:tcPr marL="9525" marR="9525" marT="9525" marB="0" anchor="b"/>
+                  <a:tcPr marL="7210" marR="7210" marT="7210" marB="0" anchor="b"/>
                 </a:tc>
                 <a:extLst>
                   <a:ext uri="{0D108BD9-81ED-4DB2-BD59-A6C34878D82A}">
@@ -15585,7 +15888,7 @@
                   </a:ext>
                 </a:extLst>
               </a:tr>
-              <a:tr h="284341">
+              <a:tr h="330215">
                 <a:tc>
                   <a:txBody>
                     <a:bodyPr/>
@@ -15593,21 +15896,24 @@
                     <a:p>
                       <a:pPr algn="l" fontAlgn="b"/>
                       <a:r>
-                        <a:rPr lang="en-US" sz="2800" u="none" strike="noStrike">
+                        <a:rPr lang="en-US" sz="2100" u="none" strike="noStrike">
                           <a:effectLst/>
+                          <a:latin typeface="Rubik" pitchFamily="2" charset="-79"/>
+                          <a:cs typeface="Rubik" pitchFamily="2" charset="-79"/>
                         </a:rPr>
                         <a:t>surprise              </a:t>
                       </a:r>
-                      <a:endParaRPr lang="en-US" sz="2800" b="0" i="0" u="none" strike="noStrike">
+                      <a:endParaRPr lang="en-US" sz="2100" b="0" i="0" u="none" strike="noStrike">
                         <a:solidFill>
                           <a:srgbClr val="000000"/>
                         </a:solidFill>
                         <a:effectLst/>
-                        <a:latin typeface="Calibri" panose="020F0502020204030204" pitchFamily="34" charset="0"/>
+                        <a:latin typeface="Rubik" pitchFamily="2" charset="-79"/>
+                        <a:cs typeface="Rubik" pitchFamily="2" charset="-79"/>
                       </a:endParaRPr>
                     </a:p>
                   </a:txBody>
-                  <a:tcPr marL="9525" marR="9525" marT="9525" marB="0" anchor="b"/>
+                  <a:tcPr marL="7210" marR="7210" marT="7210" marB="0" anchor="b"/>
                 </a:tc>
                 <a:tc>
                   <a:txBody>
@@ -15616,21 +15922,24 @@
                     <a:p>
                       <a:pPr algn="r" fontAlgn="b"/>
                       <a:r>
-                        <a:rPr lang="en-US" sz="2800" u="none" strike="noStrike">
+                        <a:rPr lang="en-US" sz="2100" u="none" strike="noStrike">
                           <a:effectLst/>
+                          <a:latin typeface="Rubik" pitchFamily="2" charset="-79"/>
+                          <a:cs typeface="Rubik" pitchFamily="2" charset="-79"/>
                         </a:rPr>
                         <a:t>35</a:t>
                       </a:r>
-                      <a:endParaRPr lang="en-US" sz="2800" b="0" i="0" u="none" strike="noStrike">
+                      <a:endParaRPr lang="en-US" sz="2100" b="0" i="0" u="none" strike="noStrike">
                         <a:solidFill>
                           <a:srgbClr val="000000"/>
                         </a:solidFill>
                         <a:effectLst/>
-                        <a:latin typeface="Calibri" panose="020F0502020204030204" pitchFamily="34" charset="0"/>
+                        <a:latin typeface="Rubik" pitchFamily="2" charset="-79"/>
+                        <a:cs typeface="Rubik" pitchFamily="2" charset="-79"/>
                       </a:endParaRPr>
                     </a:p>
                   </a:txBody>
-                  <a:tcPr marL="9525" marR="9525" marT="9525" marB="0" anchor="b"/>
+                  <a:tcPr marL="7210" marR="7210" marT="7210" marB="0" anchor="b"/>
                 </a:tc>
                 <a:extLst>
                   <a:ext uri="{0D108BD9-81ED-4DB2-BD59-A6C34878D82A}">
@@ -15638,7 +15947,7 @@
                   </a:ext>
                 </a:extLst>
               </a:tr>
-              <a:tr h="284341">
+              <a:tr h="330215">
                 <a:tc>
                   <a:txBody>
                     <a:bodyPr/>
@@ -15646,21 +15955,24 @@
                     <a:p>
                       <a:pPr algn="l" fontAlgn="b"/>
                       <a:r>
-                        <a:rPr lang="en-US" sz="2800" u="none" strike="noStrike">
+                        <a:rPr lang="en-US" sz="2100" u="none" strike="noStrike">
                           <a:effectLst/>
+                          <a:latin typeface="Rubik" pitchFamily="2" charset="-79"/>
+                          <a:cs typeface="Rubik" pitchFamily="2" charset="-79"/>
                         </a:rPr>
                         <a:t>sad                   </a:t>
                       </a:r>
-                      <a:endParaRPr lang="en-US" sz="2800" b="0" i="0" u="none" strike="noStrike">
+                      <a:endParaRPr lang="en-US" sz="2100" b="0" i="0" u="none" strike="noStrike">
                         <a:solidFill>
                           <a:srgbClr val="000000"/>
                         </a:solidFill>
                         <a:effectLst/>
-                        <a:latin typeface="Calibri" panose="020F0502020204030204" pitchFamily="34" charset="0"/>
+                        <a:latin typeface="Rubik" pitchFamily="2" charset="-79"/>
+                        <a:cs typeface="Rubik" pitchFamily="2" charset="-79"/>
                       </a:endParaRPr>
                     </a:p>
                   </a:txBody>
-                  <a:tcPr marL="9525" marR="9525" marT="9525" marB="0" anchor="b"/>
+                  <a:tcPr marL="7210" marR="7210" marT="7210" marB="0" anchor="b"/>
                 </a:tc>
                 <a:tc>
                   <a:txBody>
@@ -15669,21 +15981,24 @@
                     <a:p>
                       <a:pPr algn="r" fontAlgn="b"/>
                       <a:r>
-                        <a:rPr lang="en-US" sz="2800" u="none" strike="noStrike">
+                        <a:rPr lang="en-US" sz="2100" u="none" strike="noStrike">
                           <a:effectLst/>
+                          <a:latin typeface="Rubik" pitchFamily="2" charset="-79"/>
+                          <a:cs typeface="Rubik" pitchFamily="2" charset="-79"/>
                         </a:rPr>
                         <a:t>32</a:t>
                       </a:r>
-                      <a:endParaRPr lang="en-US" sz="2800" b="0" i="0" u="none" strike="noStrike">
+                      <a:endParaRPr lang="en-US" sz="2100" b="0" i="0" u="none" strike="noStrike">
                         <a:solidFill>
                           <a:srgbClr val="000000"/>
                         </a:solidFill>
                         <a:effectLst/>
-                        <a:latin typeface="Calibri" panose="020F0502020204030204" pitchFamily="34" charset="0"/>
+                        <a:latin typeface="Rubik" pitchFamily="2" charset="-79"/>
+                        <a:cs typeface="Rubik" pitchFamily="2" charset="-79"/>
                       </a:endParaRPr>
                     </a:p>
                   </a:txBody>
-                  <a:tcPr marL="9525" marR="9525" marT="9525" marB="0" anchor="b"/>
+                  <a:tcPr marL="7210" marR="7210" marT="7210" marB="0" anchor="b"/>
                 </a:tc>
                 <a:extLst>
                   <a:ext uri="{0D108BD9-81ED-4DB2-BD59-A6C34878D82A}">
@@ -15691,7 +16006,7 @@
                   </a:ext>
                 </a:extLst>
               </a:tr>
-              <a:tr h="284341">
+              <a:tr h="330215">
                 <a:tc>
                   <a:txBody>
                     <a:bodyPr/>
@@ -15699,27 +16014,32 @@
                     <a:p>
                       <a:pPr algn="l" fontAlgn="b"/>
                       <a:r>
-                        <a:rPr lang="en-US" sz="2800" u="none" strike="noStrike" dirty="0" err="1">
+                        <a:rPr lang="en-US" sz="2100" u="none" strike="noStrike" dirty="0" err="1">
                           <a:effectLst/>
+                          <a:latin typeface="Rubik" pitchFamily="2" charset="-79"/>
+                          <a:cs typeface="Rubik" pitchFamily="2" charset="-79"/>
                         </a:rPr>
                         <a:t>happy|surprise</a:t>
                       </a:r>
                       <a:r>
-                        <a:rPr lang="en-US" sz="2800" u="none" strike="noStrike" dirty="0">
+                        <a:rPr lang="en-US" sz="2100" u="none" strike="noStrike" dirty="0">
                           <a:effectLst/>
+                          <a:latin typeface="Rubik" pitchFamily="2" charset="-79"/>
+                          <a:cs typeface="Rubik" pitchFamily="2" charset="-79"/>
                         </a:rPr>
                         <a:t>        </a:t>
                       </a:r>
-                      <a:endParaRPr lang="en-US" sz="2800" b="0" i="0" u="none" strike="noStrike" dirty="0">
+                      <a:endParaRPr lang="en-US" sz="2100" b="0" i="0" u="none" strike="noStrike" dirty="0">
                         <a:solidFill>
                           <a:srgbClr val="000000"/>
                         </a:solidFill>
                         <a:effectLst/>
-                        <a:latin typeface="Calibri" panose="020F0502020204030204" pitchFamily="34" charset="0"/>
+                        <a:latin typeface="Rubik" pitchFamily="2" charset="-79"/>
+                        <a:cs typeface="Rubik" pitchFamily="2" charset="-79"/>
                       </a:endParaRPr>
                     </a:p>
                   </a:txBody>
-                  <a:tcPr marL="9525" marR="9525" marT="9525" marB="0" anchor="b"/>
+                  <a:tcPr marL="7210" marR="7210" marT="7210" marB="0" anchor="b"/>
                 </a:tc>
                 <a:tc>
                   <a:txBody>
@@ -15728,21 +16048,24 @@
                     <a:p>
                       <a:pPr algn="r" fontAlgn="b"/>
                       <a:r>
-                        <a:rPr lang="en-US" sz="2800" u="none" strike="noStrike">
+                        <a:rPr lang="en-US" sz="2100" u="none" strike="noStrike">
                           <a:effectLst/>
+                          <a:latin typeface="Rubik" pitchFamily="2" charset="-79"/>
+                          <a:cs typeface="Rubik" pitchFamily="2" charset="-79"/>
                         </a:rPr>
                         <a:t>11</a:t>
                       </a:r>
-                      <a:endParaRPr lang="en-US" sz="2800" b="0" i="0" u="none" strike="noStrike">
+                      <a:endParaRPr lang="en-US" sz="2100" b="0" i="0" u="none" strike="noStrike">
                         <a:solidFill>
                           <a:srgbClr val="000000"/>
                         </a:solidFill>
                         <a:effectLst/>
-                        <a:latin typeface="Calibri" panose="020F0502020204030204" pitchFamily="34" charset="0"/>
+                        <a:latin typeface="Rubik" pitchFamily="2" charset="-79"/>
+                        <a:cs typeface="Rubik" pitchFamily="2" charset="-79"/>
                       </a:endParaRPr>
                     </a:p>
                   </a:txBody>
-                  <a:tcPr marL="9525" marR="9525" marT="9525" marB="0" anchor="b"/>
+                  <a:tcPr marL="7210" marR="7210" marT="7210" marB="0" anchor="b"/>
                 </a:tc>
                 <a:extLst>
                   <a:ext uri="{0D108BD9-81ED-4DB2-BD59-A6C34878D82A}">
@@ -15750,7 +16073,7 @@
                   </a:ext>
                 </a:extLst>
               </a:tr>
-              <a:tr h="284341">
+              <a:tr h="330215">
                 <a:tc>
                   <a:txBody>
                     <a:bodyPr/>
@@ -15758,21 +16081,24 @@
                     <a:p>
                       <a:pPr algn="l" fontAlgn="b"/>
                       <a:r>
-                        <a:rPr lang="en-US" sz="2800" u="none" strike="noStrike">
+                        <a:rPr lang="en-US" sz="2100" u="none" strike="noStrike">
                           <a:effectLst/>
+                          <a:latin typeface="Rubik" pitchFamily="2" charset="-79"/>
+                          <a:cs typeface="Rubik" pitchFamily="2" charset="-79"/>
                         </a:rPr>
                         <a:t>happy|sad              </a:t>
                       </a:r>
-                      <a:endParaRPr lang="en-US" sz="2800" b="0" i="0" u="none" strike="noStrike">
+                      <a:endParaRPr lang="en-US" sz="2100" b="0" i="0" u="none" strike="noStrike">
                         <a:solidFill>
                           <a:srgbClr val="000000"/>
                         </a:solidFill>
                         <a:effectLst/>
-                        <a:latin typeface="Calibri" panose="020F0502020204030204" pitchFamily="34" charset="0"/>
+                        <a:latin typeface="Rubik" pitchFamily="2" charset="-79"/>
+                        <a:cs typeface="Rubik" pitchFamily="2" charset="-79"/>
                       </a:endParaRPr>
                     </a:p>
                   </a:txBody>
-                  <a:tcPr marL="9525" marR="9525" marT="9525" marB="0" anchor="b"/>
+                  <a:tcPr marL="7210" marR="7210" marT="7210" marB="0" anchor="b"/>
                 </a:tc>
                 <a:tc>
                   <a:txBody>
@@ -15781,21 +16107,24 @@
                     <a:p>
                       <a:pPr algn="r" fontAlgn="b"/>
                       <a:r>
-                        <a:rPr lang="en-US" sz="2800" u="none" strike="noStrike">
+                        <a:rPr lang="en-US" sz="2100" u="none" strike="noStrike">
                           <a:effectLst/>
+                          <a:latin typeface="Rubik" pitchFamily="2" charset="-79"/>
+                          <a:cs typeface="Rubik" pitchFamily="2" charset="-79"/>
                         </a:rPr>
                         <a:t>9</a:t>
                       </a:r>
-                      <a:endParaRPr lang="en-US" sz="2800" b="0" i="0" u="none" strike="noStrike">
+                      <a:endParaRPr lang="en-US" sz="2100" b="0" i="0" u="none" strike="noStrike">
                         <a:solidFill>
                           <a:srgbClr val="000000"/>
                         </a:solidFill>
                         <a:effectLst/>
-                        <a:latin typeface="Calibri" panose="020F0502020204030204" pitchFamily="34" charset="0"/>
+                        <a:latin typeface="Rubik" pitchFamily="2" charset="-79"/>
+                        <a:cs typeface="Rubik" pitchFamily="2" charset="-79"/>
                       </a:endParaRPr>
                     </a:p>
                   </a:txBody>
-                  <a:tcPr marL="9525" marR="9525" marT="9525" marB="0" anchor="b"/>
+                  <a:tcPr marL="7210" marR="7210" marT="7210" marB="0" anchor="b"/>
                 </a:tc>
                 <a:extLst>
                   <a:ext uri="{0D108BD9-81ED-4DB2-BD59-A6C34878D82A}">
@@ -15803,7 +16132,7 @@
                   </a:ext>
                 </a:extLst>
               </a:tr>
-              <a:tr h="284341">
+              <a:tr h="330215">
                 <a:tc>
                   <a:txBody>
                     <a:bodyPr/>
@@ -15811,21 +16140,24 @@
                     <a:p>
                       <a:pPr algn="l" fontAlgn="b"/>
                       <a:r>
-                        <a:rPr lang="en-US" sz="2800" u="none" strike="noStrike">
+                        <a:rPr lang="en-US" sz="2100" u="none" strike="noStrike">
                           <a:effectLst/>
+                          <a:latin typeface="Rubik" pitchFamily="2" charset="-79"/>
+                          <a:cs typeface="Rubik" pitchFamily="2" charset="-79"/>
                         </a:rPr>
                         <a:t>disgust|angry          </a:t>
                       </a:r>
-                      <a:endParaRPr lang="en-US" sz="2800" b="0" i="0" u="none" strike="noStrike">
+                      <a:endParaRPr lang="en-US" sz="2100" b="0" i="0" u="none" strike="noStrike">
                         <a:solidFill>
                           <a:srgbClr val="000000"/>
                         </a:solidFill>
                         <a:effectLst/>
-                        <a:latin typeface="Calibri" panose="020F0502020204030204" pitchFamily="34" charset="0"/>
+                        <a:latin typeface="Rubik" pitchFamily="2" charset="-79"/>
+                        <a:cs typeface="Rubik" pitchFamily="2" charset="-79"/>
                       </a:endParaRPr>
                     </a:p>
                   </a:txBody>
-                  <a:tcPr marL="9525" marR="9525" marT="9525" marB="0" anchor="b"/>
+                  <a:tcPr marL="7210" marR="7210" marT="7210" marB="0" anchor="b"/>
                 </a:tc>
                 <a:tc>
                   <a:txBody>
@@ -15834,21 +16166,24 @@
                     <a:p>
                       <a:pPr algn="r" fontAlgn="b"/>
                       <a:r>
-                        <a:rPr lang="en-US" sz="2800" u="none" strike="noStrike">
+                        <a:rPr lang="en-US" sz="2100" u="none" strike="noStrike">
                           <a:effectLst/>
+                          <a:latin typeface="Rubik" pitchFamily="2" charset="-79"/>
+                          <a:cs typeface="Rubik" pitchFamily="2" charset="-79"/>
                         </a:rPr>
                         <a:t>7</a:t>
                       </a:r>
-                      <a:endParaRPr lang="en-US" sz="2800" b="0" i="0" u="none" strike="noStrike">
+                      <a:endParaRPr lang="en-US" sz="2100" b="0" i="0" u="none" strike="noStrike">
                         <a:solidFill>
                           <a:srgbClr val="000000"/>
                         </a:solidFill>
                         <a:effectLst/>
-                        <a:latin typeface="Calibri" panose="020F0502020204030204" pitchFamily="34" charset="0"/>
+                        <a:latin typeface="Rubik" pitchFamily="2" charset="-79"/>
+                        <a:cs typeface="Rubik" pitchFamily="2" charset="-79"/>
                       </a:endParaRPr>
                     </a:p>
                   </a:txBody>
-                  <a:tcPr marL="9525" marR="9525" marT="9525" marB="0" anchor="b"/>
+                  <a:tcPr marL="7210" marR="7210" marT="7210" marB="0" anchor="b"/>
                 </a:tc>
                 <a:extLst>
                   <a:ext uri="{0D108BD9-81ED-4DB2-BD59-A6C34878D82A}">
@@ -15856,7 +16191,7 @@
                   </a:ext>
                 </a:extLst>
               </a:tr>
-              <a:tr h="284341">
+              <a:tr h="330215">
                 <a:tc>
                   <a:txBody>
                     <a:bodyPr/>
@@ -15864,21 +16199,24 @@
                     <a:p>
                       <a:pPr algn="l" fontAlgn="b"/>
                       <a:r>
-                        <a:rPr lang="en-US" sz="2800" u="none" strike="noStrike">
+                        <a:rPr lang="en-US" sz="2100" u="none" strike="noStrike">
                           <a:effectLst/>
+                          <a:latin typeface="Rubik" pitchFamily="2" charset="-79"/>
+                          <a:cs typeface="Rubik" pitchFamily="2" charset="-79"/>
                         </a:rPr>
                         <a:t>disgust                </a:t>
                       </a:r>
-                      <a:endParaRPr lang="en-US" sz="2800" b="0" i="0" u="none" strike="noStrike">
+                      <a:endParaRPr lang="en-US" sz="2100" b="0" i="0" u="none" strike="noStrike">
                         <a:solidFill>
                           <a:srgbClr val="000000"/>
                         </a:solidFill>
                         <a:effectLst/>
-                        <a:latin typeface="Calibri" panose="020F0502020204030204" pitchFamily="34" charset="0"/>
+                        <a:latin typeface="Rubik" pitchFamily="2" charset="-79"/>
+                        <a:cs typeface="Rubik" pitchFamily="2" charset="-79"/>
                       </a:endParaRPr>
                     </a:p>
                   </a:txBody>
-                  <a:tcPr marL="9525" marR="9525" marT="9525" marB="0" anchor="b"/>
+                  <a:tcPr marL="7210" marR="7210" marT="7210" marB="0" anchor="b"/>
                 </a:tc>
                 <a:tc>
                   <a:txBody>
@@ -15887,21 +16225,24 @@
                     <a:p>
                       <a:pPr algn="r" fontAlgn="b"/>
                       <a:r>
-                        <a:rPr lang="en-US" sz="2800" u="none" strike="noStrike">
+                        <a:rPr lang="en-US" sz="2100" u="none" strike="noStrike">
                           <a:effectLst/>
+                          <a:latin typeface="Rubik" pitchFamily="2" charset="-79"/>
+                          <a:cs typeface="Rubik" pitchFamily="2" charset="-79"/>
                         </a:rPr>
                         <a:t>6</a:t>
                       </a:r>
-                      <a:endParaRPr lang="en-US" sz="2800" b="0" i="0" u="none" strike="noStrike">
+                      <a:endParaRPr lang="en-US" sz="2100" b="0" i="0" u="none" strike="noStrike">
                         <a:solidFill>
                           <a:srgbClr val="000000"/>
                         </a:solidFill>
                         <a:effectLst/>
-                        <a:latin typeface="Calibri" panose="020F0502020204030204" pitchFamily="34" charset="0"/>
+                        <a:latin typeface="Rubik" pitchFamily="2" charset="-79"/>
+                        <a:cs typeface="Rubik" pitchFamily="2" charset="-79"/>
                       </a:endParaRPr>
                     </a:p>
                   </a:txBody>
-                  <a:tcPr marL="9525" marR="9525" marT="9525" marB="0" anchor="b"/>
+                  <a:tcPr marL="7210" marR="7210" marT="7210" marB="0" anchor="b"/>
                 </a:tc>
                 <a:extLst>
                   <a:ext uri="{0D108BD9-81ED-4DB2-BD59-A6C34878D82A}">
@@ -15909,7 +16250,7 @@
                   </a:ext>
                 </a:extLst>
               </a:tr>
-              <a:tr h="284341">
+              <a:tr h="330215">
                 <a:tc>
                   <a:txBody>
                     <a:bodyPr/>
@@ -15917,21 +16258,24 @@
                     <a:p>
                       <a:pPr algn="l" fontAlgn="b"/>
                       <a:r>
-                        <a:rPr lang="en-US" sz="2800" u="none" strike="noStrike">
+                        <a:rPr lang="en-US" sz="2100" u="none" strike="noStrike">
                           <a:effectLst/>
+                          <a:latin typeface="Rubik" pitchFamily="2" charset="-79"/>
+                          <a:cs typeface="Rubik" pitchFamily="2" charset="-79"/>
                         </a:rPr>
                         <a:t>sad|disgust            </a:t>
                       </a:r>
-                      <a:endParaRPr lang="en-US" sz="2800" b="0" i="0" u="none" strike="noStrike">
+                      <a:endParaRPr lang="en-US" sz="2100" b="0" i="0" u="none" strike="noStrike">
                         <a:solidFill>
                           <a:srgbClr val="000000"/>
                         </a:solidFill>
                         <a:effectLst/>
-                        <a:latin typeface="Calibri" panose="020F0502020204030204" pitchFamily="34" charset="0"/>
+                        <a:latin typeface="Rubik" pitchFamily="2" charset="-79"/>
+                        <a:cs typeface="Rubik" pitchFamily="2" charset="-79"/>
                       </a:endParaRPr>
                     </a:p>
                   </a:txBody>
-                  <a:tcPr marL="9525" marR="9525" marT="9525" marB="0" anchor="b"/>
+                  <a:tcPr marL="7210" marR="7210" marT="7210" marB="0" anchor="b"/>
                 </a:tc>
                 <a:tc>
                   <a:txBody>
@@ -15940,21 +16284,24 @@
                     <a:p>
                       <a:pPr algn="r" fontAlgn="b"/>
                       <a:r>
-                        <a:rPr lang="en-US" sz="2800" u="none" strike="noStrike">
+                        <a:rPr lang="en-US" sz="2100" u="none" strike="noStrike">
                           <a:effectLst/>
+                          <a:latin typeface="Rubik" pitchFamily="2" charset="-79"/>
+                          <a:cs typeface="Rubik" pitchFamily="2" charset="-79"/>
                         </a:rPr>
                         <a:t>2</a:t>
                       </a:r>
-                      <a:endParaRPr lang="en-US" sz="2800" b="0" i="0" u="none" strike="noStrike">
+                      <a:endParaRPr lang="en-US" sz="2100" b="0" i="0" u="none" strike="noStrike">
                         <a:solidFill>
                           <a:srgbClr val="000000"/>
                         </a:solidFill>
                         <a:effectLst/>
-                        <a:latin typeface="Calibri" panose="020F0502020204030204" pitchFamily="34" charset="0"/>
+                        <a:latin typeface="Rubik" pitchFamily="2" charset="-79"/>
+                        <a:cs typeface="Rubik" pitchFamily="2" charset="-79"/>
                       </a:endParaRPr>
                     </a:p>
                   </a:txBody>
-                  <a:tcPr marL="9525" marR="9525" marT="9525" marB="0" anchor="b"/>
+                  <a:tcPr marL="7210" marR="7210" marT="7210" marB="0" anchor="b"/>
                 </a:tc>
                 <a:extLst>
                   <a:ext uri="{0D108BD9-81ED-4DB2-BD59-A6C34878D82A}">
@@ -15962,7 +16309,7 @@
                   </a:ext>
                 </a:extLst>
               </a:tr>
-              <a:tr h="284341">
+              <a:tr h="330215">
                 <a:tc>
                   <a:txBody>
                     <a:bodyPr/>
@@ -15970,21 +16317,24 @@
                     <a:p>
                       <a:pPr algn="l" fontAlgn="b"/>
                       <a:r>
-                        <a:rPr lang="en-US" sz="2800" u="none" strike="noStrike">
+                        <a:rPr lang="en-US" sz="2100" u="none" strike="noStrike">
                           <a:effectLst/>
+                          <a:latin typeface="Rubik" pitchFamily="2" charset="-79"/>
+                          <a:cs typeface="Rubik" pitchFamily="2" charset="-79"/>
                         </a:rPr>
                         <a:t>sad|angry              </a:t>
                       </a:r>
-                      <a:endParaRPr lang="en-US" sz="2800" b="0" i="0" u="none" strike="noStrike">
+                      <a:endParaRPr lang="en-US" sz="2100" b="0" i="0" u="none" strike="noStrike">
                         <a:solidFill>
                           <a:srgbClr val="000000"/>
                         </a:solidFill>
                         <a:effectLst/>
-                        <a:latin typeface="Calibri" panose="020F0502020204030204" pitchFamily="34" charset="0"/>
+                        <a:latin typeface="Rubik" pitchFamily="2" charset="-79"/>
+                        <a:cs typeface="Rubik" pitchFamily="2" charset="-79"/>
                       </a:endParaRPr>
                     </a:p>
                   </a:txBody>
-                  <a:tcPr marL="9525" marR="9525" marT="9525" marB="0" anchor="b"/>
+                  <a:tcPr marL="7210" marR="7210" marT="7210" marB="0" anchor="b"/>
                 </a:tc>
                 <a:tc>
                   <a:txBody>
@@ -15993,21 +16343,24 @@
                     <a:p>
                       <a:pPr algn="r" fontAlgn="b"/>
                       <a:r>
-                        <a:rPr lang="en-US" sz="2800" u="none" strike="noStrike">
+                        <a:rPr lang="en-US" sz="2100" u="none" strike="noStrike">
                           <a:effectLst/>
+                          <a:latin typeface="Rubik" pitchFamily="2" charset="-79"/>
+                          <a:cs typeface="Rubik" pitchFamily="2" charset="-79"/>
                         </a:rPr>
                         <a:t>2</a:t>
                       </a:r>
-                      <a:endParaRPr lang="en-US" sz="2800" b="0" i="0" u="none" strike="noStrike">
+                      <a:endParaRPr lang="en-US" sz="2100" b="0" i="0" u="none" strike="noStrike">
                         <a:solidFill>
                           <a:srgbClr val="000000"/>
                         </a:solidFill>
                         <a:effectLst/>
-                        <a:latin typeface="Calibri" panose="020F0502020204030204" pitchFamily="34" charset="0"/>
+                        <a:latin typeface="Rubik" pitchFamily="2" charset="-79"/>
+                        <a:cs typeface="Rubik" pitchFamily="2" charset="-79"/>
                       </a:endParaRPr>
                     </a:p>
                   </a:txBody>
-                  <a:tcPr marL="9525" marR="9525" marT="9525" marB="0" anchor="b"/>
+                  <a:tcPr marL="7210" marR="7210" marT="7210" marB="0" anchor="b"/>
                 </a:tc>
                 <a:extLst>
                   <a:ext uri="{0D108BD9-81ED-4DB2-BD59-A6C34878D82A}">
@@ -16015,7 +16368,7 @@
                   </a:ext>
                 </a:extLst>
               </a:tr>
-              <a:tr h="284341">
+              <a:tr h="330215">
                 <a:tc>
                   <a:txBody>
                     <a:bodyPr/>
@@ -16023,21 +16376,24 @@
                     <a:p>
                       <a:pPr algn="l" fontAlgn="b"/>
                       <a:r>
-                        <a:rPr lang="en-US" sz="2800" u="none" strike="noStrike">
+                        <a:rPr lang="en-US" sz="2100" u="none" strike="noStrike">
                           <a:effectLst/>
+                          <a:latin typeface="Rubik" pitchFamily="2" charset="-79"/>
+                          <a:cs typeface="Rubik" pitchFamily="2" charset="-79"/>
                         </a:rPr>
                         <a:t>sad|disgust|angry      </a:t>
                       </a:r>
-                      <a:endParaRPr lang="en-US" sz="2800" b="0" i="0" u="none" strike="noStrike">
+                      <a:endParaRPr lang="en-US" sz="2100" b="0" i="0" u="none" strike="noStrike">
                         <a:solidFill>
                           <a:srgbClr val="000000"/>
                         </a:solidFill>
                         <a:effectLst/>
-                        <a:latin typeface="Calibri" panose="020F0502020204030204" pitchFamily="34" charset="0"/>
+                        <a:latin typeface="Rubik" pitchFamily="2" charset="-79"/>
+                        <a:cs typeface="Rubik" pitchFamily="2" charset="-79"/>
                       </a:endParaRPr>
                     </a:p>
                   </a:txBody>
-                  <a:tcPr marL="9525" marR="9525" marT="9525" marB="0" anchor="b"/>
+                  <a:tcPr marL="7210" marR="7210" marT="7210" marB="0" anchor="b"/>
                 </a:tc>
                 <a:tc>
                   <a:txBody>
@@ -16046,21 +16402,24 @@
                     <a:p>
                       <a:pPr algn="r" fontAlgn="b"/>
                       <a:r>
-                        <a:rPr lang="en-US" sz="2800" u="none" strike="noStrike" dirty="0">
+                        <a:rPr lang="en-US" sz="2100" u="none" strike="noStrike" dirty="0">
                           <a:effectLst/>
+                          <a:latin typeface="Rubik" pitchFamily="2" charset="-79"/>
+                          <a:cs typeface="Rubik" pitchFamily="2" charset="-79"/>
                         </a:rPr>
                         <a:t>1</a:t>
                       </a:r>
-                      <a:endParaRPr lang="en-US" sz="2800" b="0" i="0" u="none" strike="noStrike" dirty="0">
+                      <a:endParaRPr lang="en-US" sz="2100" b="0" i="0" u="none" strike="noStrike" dirty="0">
                         <a:solidFill>
                           <a:srgbClr val="000000"/>
                         </a:solidFill>
                         <a:effectLst/>
-                        <a:latin typeface="Calibri" panose="020F0502020204030204" pitchFamily="34" charset="0"/>
+                        <a:latin typeface="Rubik" pitchFamily="2" charset="-79"/>
+                        <a:cs typeface="Rubik" pitchFamily="2" charset="-79"/>
                       </a:endParaRPr>
                     </a:p>
                   </a:txBody>
-                  <a:tcPr marL="9525" marR="9525" marT="9525" marB="0" anchor="b"/>
+                  <a:tcPr marL="7210" marR="7210" marT="7210" marB="0" anchor="b"/>
                 </a:tc>
                 <a:extLst>
                   <a:ext uri="{0D108BD9-81ED-4DB2-BD59-A6C34878D82A}">
@@ -16086,7 +16445,7 @@
         </p:nvSpPr>
         <p:spPr>
           <a:xfrm>
-            <a:off x="21451821" y="28207477"/>
+            <a:off x="21631460" y="29726678"/>
             <a:ext cx="1896261" cy="1177159"/>
           </a:xfrm>
           <a:prstGeom prst="rightArrow">
@@ -16132,8 +16491,8 @@
         </p:nvSpPr>
         <p:spPr>
           <a:xfrm>
-            <a:off x="1002891" y="38689014"/>
-            <a:ext cx="13398912" cy="2677656"/>
+            <a:off x="15909277" y="37807236"/>
+            <a:ext cx="13398912" cy="3108543"/>
           </a:xfrm>
           <a:prstGeom prst="rect">
             <a:avLst/>
@@ -16147,15 +16506,23 @@
           <a:lstStyle/>
           <a:p>
             <a:r>
-              <a:rPr lang="en-US" sz="2800" dirty="0"/>
-              <a:t>From our experiments, we can confirm that the use of the 8-Bit Adam optimizer is an improvement on the execution time and memory usage. However, our models are small and simple, thus the differences in the results between the normal Adam and the 8-Bit one</a:t>
+              <a:rPr lang="en-US" sz="2800" dirty="0">
+                <a:latin typeface="Rubik" pitchFamily="2" charset="-79"/>
+                <a:cs typeface="Rubik" pitchFamily="2" charset="-79"/>
+              </a:rPr>
+              <a:t>From our experiments, we can confirm that the use of the 8-Bit Adam optimizer shows an improvement on the execution time and memory usage but the metric is worse on all cases which contradicts the results from the paper. Our models are small and simple, thus the differences in the results between the normal Adam and the 8-Bit one</a:t>
             </a:r>
             <a:r>
-              <a:rPr lang="el-GR" sz="2800" dirty="0"/>
+              <a:rPr lang="el-GR" sz="2800" dirty="0">
+                <a:cs typeface="Rubik" pitchFamily="2" charset="-79"/>
+              </a:rPr>
               <a:t> </a:t>
             </a:r>
             <a:r>
-              <a:rPr lang="en-US" sz="2800" dirty="0"/>
+              <a:rPr lang="en-US" sz="2800" dirty="0">
+                <a:latin typeface="Rubik" pitchFamily="2" charset="-79"/>
+                <a:cs typeface="Rubik" pitchFamily="2" charset="-79"/>
+              </a:rPr>
               <a:t>are slim. Also, the memory used by a model depends on the numbers of parameters, so by increasing the number of layers in one of the models, we can see that the memory usage falls in each case.</a:t>
             </a:r>
           </a:p>
@@ -16176,14 +16543,14 @@
           <p:nvPr>
             <p:extLst>
               <p:ext uri="{D42A27DB-BD31-4B8C-83A1-F6EECF244321}">
-                <p14:modId xmlns:p14="http://schemas.microsoft.com/office/powerpoint/2010/main" val="3783069363"/>
+                <p14:modId xmlns:p14="http://schemas.microsoft.com/office/powerpoint/2010/main" val="556639329"/>
               </p:ext>
             </p:extLst>
           </p:nvPr>
         </p:nvGraphicFramePr>
         <p:xfrm>
           <a:off x="953247" y="25871031"/>
-          <a:ext cx="13491460" cy="9556310"/>
+          <a:ext cx="13491460" cy="9706937"/>
         </p:xfrm>
         <a:graphic>
           <a:graphicData uri="http://schemas.openxmlformats.org/drawingml/2006/table">
@@ -16250,7 +16617,10 @@
                     <a:p>
                       <a:pPr algn="ctr"/>
                       <a:r>
-                        <a:rPr lang="en-US" sz="2000" b="0" dirty="0"/>
+                        <a:rPr lang="en-US" sz="2000" b="0" dirty="0">
+                          <a:latin typeface="Rubik" pitchFamily="2" charset="-79"/>
+                          <a:cs typeface="Rubik" pitchFamily="2" charset="-79"/>
+                        </a:rPr>
                         <a:t>Optimizer</a:t>
                       </a:r>
                     </a:p>
@@ -16274,7 +16644,10 @@
                     <a:p>
                       <a:pPr algn="ctr"/>
                       <a:r>
-                        <a:rPr lang="en-US" sz="2000" b="0" dirty="0"/>
+                        <a:rPr lang="en-US" sz="2000" b="0" dirty="0">
+                          <a:latin typeface="Rubik" pitchFamily="2" charset="-79"/>
+                          <a:cs typeface="Rubik" pitchFamily="2" charset="-79"/>
+                        </a:rPr>
                         <a:t>Task</a:t>
                       </a:r>
                     </a:p>
@@ -16298,7 +16671,10 @@
                     <a:p>
                       <a:pPr algn="ctr"/>
                       <a:r>
-                        <a:rPr lang="en-US" sz="2000" b="0" dirty="0"/>
+                        <a:rPr lang="en-US" sz="2000" b="0" dirty="0">
+                          <a:latin typeface="Rubik" pitchFamily="2" charset="-79"/>
+                          <a:cs typeface="Rubik" pitchFamily="2" charset="-79"/>
+                        </a:rPr>
                         <a:t>Data</a:t>
                       </a:r>
                     </a:p>
@@ -16322,7 +16698,10 @@
                     <a:p>
                       <a:pPr algn="ctr"/>
                       <a:r>
-                        <a:rPr lang="en-US" sz="2000" b="0" dirty="0"/>
+                        <a:rPr lang="en-US" sz="2000" b="0" dirty="0">
+                          <a:latin typeface="Rubik" pitchFamily="2" charset="-79"/>
+                          <a:cs typeface="Rubik" pitchFamily="2" charset="-79"/>
+                        </a:rPr>
                         <a:t>Model</a:t>
                       </a:r>
                     </a:p>
@@ -16346,7 +16725,10 @@
                     <a:p>
                       <a:pPr algn="ctr"/>
                       <a:r>
-                        <a:rPr lang="en-US" sz="2000" b="0" dirty="0"/>
+                        <a:rPr lang="en-US" sz="2000" b="0" dirty="0">
+                          <a:latin typeface="Rubik" pitchFamily="2" charset="-79"/>
+                          <a:cs typeface="Rubik" pitchFamily="2" charset="-79"/>
+                        </a:rPr>
                         <a:t>Metric*</a:t>
                       </a:r>
                     </a:p>
@@ -16370,7 +16752,10 @@
                     <a:p>
                       <a:pPr algn="ctr"/>
                       <a:r>
-                        <a:rPr lang="en-US" sz="2000" b="0" dirty="0"/>
+                        <a:rPr lang="en-US" sz="2000" b="0" dirty="0">
+                          <a:latin typeface="Rubik" pitchFamily="2" charset="-79"/>
+                          <a:cs typeface="Rubik" pitchFamily="2" charset="-79"/>
+                        </a:rPr>
                         <a:t>Time</a:t>
                       </a:r>
                     </a:p>
@@ -16394,7 +16779,10 @@
                     <a:p>
                       <a:pPr algn="ctr"/>
                       <a:r>
-                        <a:rPr lang="en-US" sz="2000" b="0" dirty="0"/>
+                        <a:rPr lang="en-US" sz="2000" b="0" dirty="0">
+                          <a:latin typeface="Rubik" pitchFamily="2" charset="-79"/>
+                          <a:cs typeface="Rubik" pitchFamily="2" charset="-79"/>
+                        </a:rPr>
                         <a:t>Memory Saved</a:t>
                       </a:r>
                     </a:p>
@@ -16441,14 +16829,12 @@
                         <a:defRPr/>
                       </a:pPr>
                       <a:r>
-                        <a:rPr lang="en-US" sz="2000" b="0" dirty="0"/>
-                        <a:t>32-Bit </a:t>
-                      </a:r>
-                      <a:r>
-                        <a:rPr lang="en-US" sz="2000" b="0" dirty="0" err="1"/>
-                        <a:t>AdamW</a:t>
-                      </a:r>
-                      <a:endParaRPr lang="en-US" sz="2000" b="0" dirty="0"/>
+                        <a:rPr lang="en-US" sz="2000" b="0" dirty="0">
+                          <a:latin typeface="Rubik" pitchFamily="2" charset="-79"/>
+                          <a:cs typeface="Rubik" pitchFamily="2" charset="-79"/>
+                        </a:rPr>
+                        <a:t>32-Bit Adam</a:t>
+                      </a:r>
                     </a:p>
                   </a:txBody>
                   <a:tcPr anchor="ctr">
@@ -16484,9 +16870,9 @@
                             <a:schemeClr val="dk1"/>
                           </a:solidFill>
                           <a:effectLst/>
-                          <a:latin typeface="+mn-lt"/>
+                          <a:latin typeface="Rubik" pitchFamily="2" charset="-79"/>
                           <a:ea typeface="+mn-ea"/>
-                          <a:cs typeface="+mn-cs"/>
+                          <a:cs typeface="Rubik" pitchFamily="2" charset="-79"/>
                         </a:rPr>
                         <a:t>General Language</a:t>
                       </a:r>
@@ -16499,13 +16885,16 @@
                             <a:schemeClr val="dk1"/>
                           </a:solidFill>
                           <a:effectLst/>
-                          <a:latin typeface="+mn-lt"/>
+                          <a:latin typeface="Rubik" pitchFamily="2" charset="-79"/>
                           <a:ea typeface="+mn-ea"/>
-                          <a:cs typeface="+mn-cs"/>
+                          <a:cs typeface="Rubik" pitchFamily="2" charset="-79"/>
                         </a:rPr>
                         <a:t> Understanding Evaluation</a:t>
                       </a:r>
-                      <a:endParaRPr lang="en-US" sz="2000" b="0" dirty="0"/>
+                      <a:endParaRPr lang="en-US" sz="2000" b="0" dirty="0">
+                        <a:latin typeface="Rubik" pitchFamily="2" charset="-79"/>
+                        <a:cs typeface="Rubik" pitchFamily="2" charset="-79"/>
+                      </a:endParaRPr>
                     </a:p>
                   </a:txBody>
                   <a:tcPr anchor="ctr">
@@ -16527,7 +16916,10 @@
                     <a:p>
                       <a:pPr algn="ctr"/>
                       <a:r>
-                        <a:rPr lang="en-US" sz="2000" b="0" dirty="0"/>
+                        <a:rPr lang="en-US" sz="2000" b="0" dirty="0">
+                          <a:latin typeface="Rubik" pitchFamily="2" charset="-79"/>
+                          <a:cs typeface="Rubik" pitchFamily="2" charset="-79"/>
+                        </a:rPr>
                         <a:t>Multiple</a:t>
                       </a:r>
                     </a:p>
@@ -16551,11 +16943,17 @@
                     <a:p>
                       <a:pPr algn="ctr"/>
                       <a:r>
-                        <a:rPr lang="en-US" sz="2000" b="0" dirty="0" err="1"/>
+                        <a:rPr lang="en-US" sz="2000" b="0" dirty="0" err="1">
+                          <a:latin typeface="Rubik" pitchFamily="2" charset="-79"/>
+                          <a:cs typeface="Rubik" pitchFamily="2" charset="-79"/>
+                        </a:rPr>
                         <a:t>RoBERTa</a:t>
                       </a:r>
                       <a:r>
-                        <a:rPr lang="en-US" sz="2000" b="0" dirty="0"/>
+                        <a:rPr lang="en-US" sz="2000" b="0" dirty="0">
+                          <a:latin typeface="Rubik" pitchFamily="2" charset="-79"/>
+                          <a:cs typeface="Rubik" pitchFamily="2" charset="-79"/>
+                        </a:rPr>
                         <a:t>-Large</a:t>
                       </a:r>
                     </a:p>
@@ -16579,7 +16977,10 @@
                     <a:p>
                       <a:pPr algn="ctr"/>
                       <a:r>
-                        <a:rPr lang="en-US" sz="2000" b="0" dirty="0"/>
+                        <a:rPr lang="en-US" sz="2000" b="0" dirty="0">
+                          <a:latin typeface="Rubik" pitchFamily="2" charset="-79"/>
+                          <a:cs typeface="Rubik" pitchFamily="2" charset="-79"/>
+                        </a:rPr>
                         <a:t>88.6</a:t>
                       </a:r>
                     </a:p>
@@ -16603,7 +17004,10 @@
                     <a:p>
                       <a:pPr algn="ctr"/>
                       <a:r>
-                        <a:rPr lang="en-US" sz="2000" b="0" dirty="0"/>
+                        <a:rPr lang="en-US" sz="2000" b="0" dirty="0">
+                          <a:latin typeface="Rubik" pitchFamily="2" charset="-79"/>
+                          <a:cs typeface="Rubik" pitchFamily="2" charset="-79"/>
+                        </a:rPr>
                         <a:t>17h</a:t>
                       </a:r>
                     </a:p>
@@ -16627,7 +17031,10 @@
                     <a:p>
                       <a:pPr algn="ctr"/>
                       <a:r>
-                        <a:rPr lang="en-US" sz="2000" b="0" dirty="0"/>
+                        <a:rPr lang="en-US" sz="2000" b="0" dirty="0">
+                          <a:latin typeface="Rubik" pitchFamily="2" charset="-79"/>
+                          <a:cs typeface="Rubik" pitchFamily="2" charset="-79"/>
+                        </a:rPr>
                         <a:t>0.0 GB</a:t>
                       </a:r>
                     </a:p>
@@ -16683,14 +17090,23 @@
                         <a:defRPr/>
                       </a:pPr>
                       <a:r>
-                        <a:rPr lang="en-US" sz="2000" b="0" dirty="0"/>
+                        <a:rPr lang="en-US" sz="2000" b="0" dirty="0">
+                          <a:latin typeface="Rubik" pitchFamily="2" charset="-79"/>
+                          <a:cs typeface="Rubik" pitchFamily="2" charset="-79"/>
+                        </a:rPr>
                         <a:t>32-Bit </a:t>
                       </a:r>
                       <a:r>
-                        <a:rPr lang="en-US" sz="2000" b="0" dirty="0" err="1"/>
+                        <a:rPr lang="en-US" sz="2000" b="0" dirty="0" err="1">
+                          <a:latin typeface="Rubik" pitchFamily="2" charset="-79"/>
+                          <a:cs typeface="Rubik" pitchFamily="2" charset="-79"/>
+                        </a:rPr>
                         <a:t>Adafactor</a:t>
                       </a:r>
-                      <a:endParaRPr lang="en-US" sz="2000" b="0" dirty="0"/>
+                      <a:endParaRPr lang="en-US" sz="2000" b="0" dirty="0">
+                        <a:latin typeface="Rubik" pitchFamily="2" charset="-79"/>
+                        <a:cs typeface="Rubik" pitchFamily="2" charset="-79"/>
+                      </a:endParaRPr>
                     </a:p>
                   </a:txBody>
                   <a:tcPr anchor="ctr">
@@ -16717,9 +17133,9 @@
                             <a:schemeClr val="dk1"/>
                           </a:solidFill>
                           <a:effectLst/>
-                          <a:latin typeface="+mn-lt"/>
+                          <a:latin typeface="Rubik" pitchFamily="2" charset="-79"/>
                           <a:ea typeface="+mn-ea"/>
-                          <a:cs typeface="+mn-cs"/>
+                          <a:cs typeface="Rubik" pitchFamily="2" charset="-79"/>
                         </a:rPr>
                         <a:t>General Language </a:t>
                       </a:r>
@@ -16732,13 +17148,16 @@
                             <a:schemeClr val="dk1"/>
                           </a:solidFill>
                           <a:effectLst/>
-                          <a:latin typeface="+mn-lt"/>
+                          <a:latin typeface="Rubik" pitchFamily="2" charset="-79"/>
                           <a:ea typeface="+mn-ea"/>
-                          <a:cs typeface="+mn-cs"/>
+                          <a:cs typeface="Rubik" pitchFamily="2" charset="-79"/>
                         </a:rPr>
                         <a:t>Understanding Evaluation</a:t>
                       </a:r>
-                      <a:endParaRPr lang="en-US" sz="2000" b="0" dirty="0"/>
+                      <a:endParaRPr lang="en-US" sz="2000" b="0" dirty="0">
+                        <a:latin typeface="Rubik" pitchFamily="2" charset="-79"/>
+                        <a:cs typeface="Rubik" pitchFamily="2" charset="-79"/>
+                      </a:endParaRPr>
                     </a:p>
                   </a:txBody>
                   <a:tcPr anchor="ctr"/>
@@ -16750,7 +17169,10 @@
                     <a:p>
                       <a:pPr algn="ctr"/>
                       <a:r>
-                        <a:rPr lang="en-US" sz="2000" b="0" dirty="0"/>
+                        <a:rPr lang="en-US" sz="2000" b="0" dirty="0">
+                          <a:latin typeface="Rubik" pitchFamily="2" charset="-79"/>
+                          <a:cs typeface="Rubik" pitchFamily="2" charset="-79"/>
+                        </a:rPr>
                         <a:t>Multiple</a:t>
                       </a:r>
                     </a:p>
@@ -16780,17 +17202,26 @@
                         <a:defRPr/>
                       </a:pPr>
                       <a:r>
-                        <a:rPr lang="en-US" sz="2000" b="0" dirty="0" err="1"/>
+                        <a:rPr lang="en-US" sz="2000" b="0" dirty="0" err="1">
+                          <a:latin typeface="Rubik" pitchFamily="2" charset="-79"/>
+                          <a:cs typeface="Rubik" pitchFamily="2" charset="-79"/>
+                        </a:rPr>
                         <a:t>RoBERTa</a:t>
                       </a:r>
                       <a:r>
-                        <a:rPr lang="en-US" sz="2000" b="0" dirty="0"/>
+                        <a:rPr lang="en-US" sz="2000" b="0" dirty="0">
+                          <a:latin typeface="Rubik" pitchFamily="2" charset="-79"/>
+                          <a:cs typeface="Rubik" pitchFamily="2" charset="-79"/>
+                        </a:rPr>
                         <a:t>-Large</a:t>
                       </a:r>
                     </a:p>
                     <a:p>
                       <a:pPr algn="ctr"/>
-                      <a:endParaRPr lang="en-US" sz="2000" b="0" dirty="0"/>
+                      <a:endParaRPr lang="en-US" sz="2000" b="0" dirty="0">
+                        <a:latin typeface="Rubik" pitchFamily="2" charset="-79"/>
+                        <a:cs typeface="Rubik" pitchFamily="2" charset="-79"/>
+                      </a:endParaRPr>
                     </a:p>
                   </a:txBody>
                   <a:tcPr anchor="ctr"/>
@@ -16802,7 +17233,10 @@
                     <a:p>
                       <a:pPr algn="ctr"/>
                       <a:r>
-                        <a:rPr lang="en-US" sz="2000" b="1" dirty="0"/>
+                        <a:rPr lang="en-US" sz="2000" b="1" dirty="0">
+                          <a:latin typeface="Rubik" pitchFamily="2" charset="-79"/>
+                          <a:cs typeface="Rubik" pitchFamily="2" charset="-79"/>
+                        </a:rPr>
                         <a:t>88.7</a:t>
                       </a:r>
                     </a:p>
@@ -16816,7 +17250,10 @@
                     <a:p>
                       <a:pPr algn="ctr"/>
                       <a:r>
-                        <a:rPr lang="en-US" sz="2000" b="0" dirty="0"/>
+                        <a:rPr lang="en-US" sz="2000" b="0" dirty="0">
+                          <a:latin typeface="Rubik" pitchFamily="2" charset="-79"/>
+                          <a:cs typeface="Rubik" pitchFamily="2" charset="-79"/>
+                        </a:rPr>
                         <a:t>24h</a:t>
                       </a:r>
                     </a:p>
@@ -16830,7 +17267,10 @@
                     <a:p>
                       <a:pPr algn="ctr"/>
                       <a:r>
-                        <a:rPr lang="en-US" sz="2000" b="0" dirty="0"/>
+                        <a:rPr lang="en-US" sz="2000" b="0" dirty="0">
+                          <a:latin typeface="Rubik" pitchFamily="2" charset="-79"/>
+                          <a:cs typeface="Rubik" pitchFamily="2" charset="-79"/>
+                        </a:rPr>
                         <a:t>1.3 GB</a:t>
                       </a:r>
                     </a:p>
@@ -16877,14 +17317,12 @@
                         <a:defRPr/>
                       </a:pPr>
                       <a:r>
-                        <a:rPr lang="en-US" sz="2000" b="0" dirty="0"/>
-                        <a:t>8-Bit </a:t>
-                      </a:r>
-                      <a:r>
-                        <a:rPr lang="en-US" sz="2000" b="0" dirty="0" err="1"/>
-                        <a:t>AdamW</a:t>
-                      </a:r>
-                      <a:endParaRPr lang="en-US" sz="2000" b="0" dirty="0"/>
+                        <a:rPr lang="en-US" sz="2000" b="0" dirty="0">
+                          <a:latin typeface="Rubik" pitchFamily="2" charset="-79"/>
+                          <a:cs typeface="Rubik" pitchFamily="2" charset="-79"/>
+                        </a:rPr>
+                        <a:t>8-Bit Adam</a:t>
+                      </a:r>
                     </a:p>
                   </a:txBody>
                   <a:tcPr anchor="ctr">
@@ -16920,9 +17358,9 @@
                             <a:schemeClr val="dk1"/>
                           </a:solidFill>
                           <a:effectLst/>
-                          <a:latin typeface="+mn-lt"/>
+                          <a:latin typeface="Rubik" pitchFamily="2" charset="-79"/>
                           <a:ea typeface="+mn-ea"/>
-                          <a:cs typeface="+mn-cs"/>
+                          <a:cs typeface="Rubik" pitchFamily="2" charset="-79"/>
                         </a:rPr>
                         <a:t>General Language </a:t>
                       </a:r>
@@ -16935,13 +17373,16 @@
                             <a:schemeClr val="dk1"/>
                           </a:solidFill>
                           <a:effectLst/>
-                          <a:latin typeface="+mn-lt"/>
+                          <a:latin typeface="Rubik" pitchFamily="2" charset="-79"/>
                           <a:ea typeface="+mn-ea"/>
-                          <a:cs typeface="+mn-cs"/>
+                          <a:cs typeface="Rubik" pitchFamily="2" charset="-79"/>
                         </a:rPr>
                         <a:t>Understanding Evaluation</a:t>
                       </a:r>
-                      <a:endParaRPr lang="en-US" sz="2000" b="0" dirty="0"/>
+                      <a:endParaRPr lang="en-US" sz="2000" b="0" dirty="0">
+                        <a:latin typeface="Rubik" pitchFamily="2" charset="-79"/>
+                        <a:cs typeface="Rubik" pitchFamily="2" charset="-79"/>
+                      </a:endParaRPr>
                     </a:p>
                   </a:txBody>
                   <a:tcPr anchor="ctr">
@@ -16963,7 +17404,10 @@
                     <a:p>
                       <a:pPr algn="ctr"/>
                       <a:r>
-                        <a:rPr lang="en-US" sz="2000" b="0" dirty="0"/>
+                        <a:rPr lang="en-US" sz="2000" b="0" dirty="0">
+                          <a:latin typeface="Rubik" pitchFamily="2" charset="-79"/>
+                          <a:cs typeface="Rubik" pitchFamily="2" charset="-79"/>
+                        </a:rPr>
                         <a:t>Multiple</a:t>
                       </a:r>
                     </a:p>
@@ -17003,17 +17447,26 @@
                         <a:defRPr/>
                       </a:pPr>
                       <a:r>
-                        <a:rPr lang="en-US" sz="2000" b="0" dirty="0" err="1"/>
+                        <a:rPr lang="en-US" sz="2000" b="0" dirty="0" err="1">
+                          <a:latin typeface="Rubik" pitchFamily="2" charset="-79"/>
+                          <a:cs typeface="Rubik" pitchFamily="2" charset="-79"/>
+                        </a:rPr>
                         <a:t>RoBERTa</a:t>
                       </a:r>
                       <a:r>
-                        <a:rPr lang="en-US" sz="2000" b="0" dirty="0"/>
+                        <a:rPr lang="en-US" sz="2000" b="0" dirty="0">
+                          <a:latin typeface="Rubik" pitchFamily="2" charset="-79"/>
+                          <a:cs typeface="Rubik" pitchFamily="2" charset="-79"/>
+                        </a:rPr>
                         <a:t>-Large</a:t>
                       </a:r>
                     </a:p>
                     <a:p>
                       <a:pPr algn="ctr"/>
-                      <a:endParaRPr lang="en-US" sz="2000" b="0" dirty="0"/>
+                      <a:endParaRPr lang="en-US" sz="2000" b="0" dirty="0">
+                        <a:latin typeface="Rubik" pitchFamily="2" charset="-79"/>
+                        <a:cs typeface="Rubik" pitchFamily="2" charset="-79"/>
+                      </a:endParaRPr>
                     </a:p>
                   </a:txBody>
                   <a:tcPr anchor="ctr">
@@ -17035,7 +17488,10 @@
                     <a:p>
                       <a:pPr algn="ctr"/>
                       <a:r>
-                        <a:rPr lang="en-US" sz="2000" b="1" dirty="0"/>
+                        <a:rPr lang="en-US" sz="2000" b="1" dirty="0">
+                          <a:latin typeface="Rubik" pitchFamily="2" charset="-79"/>
+                          <a:cs typeface="Rubik" pitchFamily="2" charset="-79"/>
+                        </a:rPr>
                         <a:t>88.7</a:t>
                       </a:r>
                     </a:p>
@@ -17059,7 +17515,10 @@
                     <a:p>
                       <a:pPr algn="ctr"/>
                       <a:r>
-                        <a:rPr lang="en-US" sz="2000" b="1" dirty="0"/>
+                        <a:rPr lang="en-US" sz="2000" b="1" dirty="0">
+                          <a:latin typeface="Rubik" pitchFamily="2" charset="-79"/>
+                          <a:cs typeface="Rubik" pitchFamily="2" charset="-79"/>
+                        </a:rPr>
                         <a:t>15h</a:t>
                       </a:r>
                     </a:p>
@@ -17083,7 +17542,10 @@
                     <a:p>
                       <a:pPr algn="ctr"/>
                       <a:r>
-                        <a:rPr lang="en-US" sz="2000" b="1" dirty="0"/>
+                        <a:rPr lang="en-US" sz="2000" b="1" dirty="0">
+                          <a:latin typeface="Rubik" pitchFamily="2" charset="-79"/>
+                          <a:cs typeface="Rubik" pitchFamily="2" charset="-79"/>
+                        </a:rPr>
                         <a:t>2.0 GB</a:t>
                       </a:r>
                     </a:p>
@@ -17139,7 +17601,10 @@
                         <a:defRPr/>
                       </a:pPr>
                       <a:r>
-                        <a:rPr lang="en-US" sz="2000" b="0" dirty="0"/>
+                        <a:rPr lang="en-US" sz="2000" b="0" dirty="0">
+                          <a:latin typeface="Rubik" pitchFamily="2" charset="-79"/>
+                          <a:cs typeface="Rubik" pitchFamily="2" charset="-79"/>
+                        </a:rPr>
                         <a:t>32-Bit Adam</a:t>
                       </a:r>
                     </a:p>
@@ -17172,7 +17637,10 @@
                     <a:p>
                       <a:pPr algn="ctr"/>
                       <a:r>
-                        <a:rPr lang="en-US" sz="2000" b="0" dirty="0"/>
+                        <a:rPr lang="en-US" sz="2000" b="0" dirty="0">
+                          <a:latin typeface="Rubik" pitchFamily="2" charset="-79"/>
+                          <a:cs typeface="Rubik" pitchFamily="2" charset="-79"/>
+                        </a:rPr>
                         <a:t>Machine Translation</a:t>
                       </a:r>
                     </a:p>
@@ -17196,7 +17664,10 @@
                     <a:p>
                       <a:pPr algn="ctr"/>
                       <a:r>
-                        <a:rPr lang="en-US" sz="2000" b="0" dirty="0"/>
+                        <a:rPr lang="en-US" sz="2000" b="0" dirty="0">
+                          <a:latin typeface="Rubik" pitchFamily="2" charset="-79"/>
+                          <a:cs typeface="Rubik" pitchFamily="2" charset="-79"/>
+                        </a:rPr>
                         <a:t>WMT’ 14+16</a:t>
                       </a:r>
                     </a:p>
@@ -17220,7 +17691,10 @@
                     <a:p>
                       <a:pPr algn="ctr"/>
                       <a:r>
-                        <a:rPr lang="en-US" sz="2000" b="0" dirty="0"/>
+                        <a:rPr lang="en-US" sz="2000" b="0" dirty="0">
+                          <a:latin typeface="Rubik" pitchFamily="2" charset="-79"/>
+                          <a:cs typeface="Rubik" pitchFamily="2" charset="-79"/>
+                        </a:rPr>
                         <a:t>Transformer</a:t>
                       </a:r>
                     </a:p>
@@ -17244,7 +17718,10 @@
                     <a:p>
                       <a:pPr algn="ctr"/>
                       <a:r>
-                        <a:rPr lang="en-US" sz="2000" b="0" dirty="0"/>
+                        <a:rPr lang="en-US" sz="2000" b="0" dirty="0">
+                          <a:latin typeface="Rubik" pitchFamily="2" charset="-79"/>
+                          <a:cs typeface="Rubik" pitchFamily="2" charset="-79"/>
+                        </a:rPr>
                         <a:t>29.3</a:t>
                       </a:r>
                     </a:p>
@@ -17268,7 +17745,10 @@
                     <a:p>
                       <a:pPr algn="ctr"/>
                       <a:r>
-                        <a:rPr lang="en-US" sz="2000" b="0" dirty="0"/>
+                        <a:rPr lang="en-US" sz="2000" b="0" dirty="0">
+                          <a:latin typeface="Rubik" pitchFamily="2" charset="-79"/>
+                          <a:cs typeface="Rubik" pitchFamily="2" charset="-79"/>
+                        </a:rPr>
                         <a:t>126h</a:t>
                       </a:r>
                     </a:p>
@@ -17292,7 +17772,10 @@
                     <a:p>
                       <a:pPr algn="ctr"/>
                       <a:r>
-                        <a:rPr lang="en-US" sz="2000" b="0" dirty="0"/>
+                        <a:rPr lang="en-US" sz="2000" b="0" dirty="0">
+                          <a:latin typeface="Rubik" pitchFamily="2" charset="-79"/>
+                          <a:cs typeface="Rubik" pitchFamily="2" charset="-79"/>
+                        </a:rPr>
                         <a:t>0.0 GB</a:t>
                       </a:r>
                     </a:p>
@@ -17348,14 +17831,23 @@
                         <a:defRPr/>
                       </a:pPr>
                       <a:r>
-                        <a:rPr lang="en-US" sz="2000" b="0" dirty="0"/>
+                        <a:rPr lang="en-US" sz="2000" b="0" dirty="0">
+                          <a:latin typeface="Rubik" pitchFamily="2" charset="-79"/>
+                          <a:cs typeface="Rubik" pitchFamily="2" charset="-79"/>
+                        </a:rPr>
                         <a:t>32-Bit </a:t>
                       </a:r>
                       <a:r>
-                        <a:rPr lang="en-US" sz="2000" b="0" dirty="0" err="1"/>
+                        <a:rPr lang="en-US" sz="2000" b="0" dirty="0" err="1">
+                          <a:latin typeface="Rubik" pitchFamily="2" charset="-79"/>
+                          <a:cs typeface="Rubik" pitchFamily="2" charset="-79"/>
+                        </a:rPr>
                         <a:t>Adafactor</a:t>
                       </a:r>
-                      <a:endParaRPr lang="en-US" sz="2000" b="0" dirty="0"/>
+                      <a:endParaRPr lang="en-US" sz="2000" b="0" dirty="0">
+                        <a:latin typeface="Rubik" pitchFamily="2" charset="-79"/>
+                        <a:cs typeface="Rubik" pitchFamily="2" charset="-79"/>
+                      </a:endParaRPr>
                     </a:p>
                   </a:txBody>
                   <a:tcPr anchor="ctr">
@@ -17377,7 +17869,10 @@
                     <a:p>
                       <a:pPr algn="ctr"/>
                       <a:r>
-                        <a:rPr lang="en-US" sz="2000" b="0" dirty="0"/>
+                        <a:rPr lang="en-US" sz="2000" b="0" dirty="0">
+                          <a:latin typeface="Rubik" pitchFamily="2" charset="-79"/>
+                          <a:cs typeface="Rubik" pitchFamily="2" charset="-79"/>
+                        </a:rPr>
                         <a:t>Machine Translation</a:t>
                       </a:r>
                     </a:p>
@@ -17391,7 +17886,10 @@
                     <a:p>
                       <a:pPr algn="ctr"/>
                       <a:r>
-                        <a:rPr lang="en-US" sz="2000" b="0" dirty="0"/>
+                        <a:rPr lang="en-US" sz="2000" b="0" dirty="0">
+                          <a:latin typeface="Rubik" pitchFamily="2" charset="-79"/>
+                          <a:cs typeface="Rubik" pitchFamily="2" charset="-79"/>
+                        </a:rPr>
                         <a:t>WMT’ 14+16</a:t>
                       </a:r>
                     </a:p>
@@ -17405,7 +17903,10 @@
                     <a:p>
                       <a:pPr algn="ctr"/>
                       <a:r>
-                        <a:rPr lang="en-US" sz="2000" b="0" dirty="0"/>
+                        <a:rPr lang="en-US" sz="2000" b="0" dirty="0">
+                          <a:latin typeface="Rubik" pitchFamily="2" charset="-79"/>
+                          <a:cs typeface="Rubik" pitchFamily="2" charset="-79"/>
+                        </a:rPr>
                         <a:t>Transformer</a:t>
                       </a:r>
                     </a:p>
@@ -17419,7 +17920,10 @@
                     <a:p>
                       <a:pPr algn="ctr"/>
                       <a:r>
-                        <a:rPr lang="en-US" sz="2000" b="0" dirty="0"/>
+                        <a:rPr lang="en-US" sz="2000" b="0" dirty="0">
+                          <a:latin typeface="Rubik" pitchFamily="2" charset="-79"/>
+                          <a:cs typeface="Rubik" pitchFamily="2" charset="-79"/>
+                        </a:rPr>
                         <a:t>29.0</a:t>
                       </a:r>
                     </a:p>
@@ -17433,7 +17937,10 @@
                     <a:p>
                       <a:pPr algn="ctr"/>
                       <a:r>
-                        <a:rPr lang="en-US" sz="2000" b="0" dirty="0"/>
+                        <a:rPr lang="en-US" sz="2000" b="0" dirty="0">
+                          <a:latin typeface="Rubik" pitchFamily="2" charset="-79"/>
+                          <a:cs typeface="Rubik" pitchFamily="2" charset="-79"/>
+                        </a:rPr>
                         <a:t>127h</a:t>
                       </a:r>
                     </a:p>
@@ -17447,7 +17954,10 @@
                     <a:p>
                       <a:pPr algn="ctr"/>
                       <a:r>
-                        <a:rPr lang="en-US" sz="2000" b="0" dirty="0"/>
+                        <a:rPr lang="en-US" sz="2000" b="0" dirty="0">
+                          <a:latin typeface="Rubik" pitchFamily="2" charset="-79"/>
+                          <a:cs typeface="Rubik" pitchFamily="2" charset="-79"/>
+                        </a:rPr>
                         <a:t>0.3 GB</a:t>
                       </a:r>
                     </a:p>
@@ -17494,7 +18004,10 @@
                         <a:defRPr/>
                       </a:pPr>
                       <a:r>
-                        <a:rPr lang="en-US" sz="2000" b="0" dirty="0"/>
+                        <a:rPr lang="en-US" sz="2000" b="0" dirty="0">
+                          <a:latin typeface="Rubik" pitchFamily="2" charset="-79"/>
+                          <a:cs typeface="Rubik" pitchFamily="2" charset="-79"/>
+                        </a:rPr>
                         <a:t>8-Bit Adam</a:t>
                       </a:r>
                     </a:p>
@@ -17527,7 +18040,10 @@
                     <a:p>
                       <a:pPr algn="ctr"/>
                       <a:r>
-                        <a:rPr lang="en-US" sz="2000" b="0" dirty="0"/>
+                        <a:rPr lang="en-US" sz="2000" b="0" dirty="0">
+                          <a:latin typeface="Rubik" pitchFamily="2" charset="-79"/>
+                          <a:cs typeface="Rubik" pitchFamily="2" charset="-79"/>
+                        </a:rPr>
                         <a:t>Machine Translation</a:t>
                       </a:r>
                     </a:p>
@@ -17551,7 +18067,10 @@
                     <a:p>
                       <a:pPr algn="ctr"/>
                       <a:r>
-                        <a:rPr lang="en-US" sz="2000" b="0" dirty="0"/>
+                        <a:rPr lang="en-US" sz="2000" b="0" dirty="0">
+                          <a:latin typeface="Rubik" pitchFamily="2" charset="-79"/>
+                          <a:cs typeface="Rubik" pitchFamily="2" charset="-79"/>
+                        </a:rPr>
                         <a:t>WMT’ 14+16</a:t>
                       </a:r>
                     </a:p>
@@ -17575,7 +18094,10 @@
                     <a:p>
                       <a:pPr algn="ctr"/>
                       <a:r>
-                        <a:rPr lang="en-US" sz="2000" b="0" dirty="0"/>
+                        <a:rPr lang="en-US" sz="2000" b="0" dirty="0">
+                          <a:latin typeface="Rubik" pitchFamily="2" charset="-79"/>
+                          <a:cs typeface="Rubik" pitchFamily="2" charset="-79"/>
+                        </a:rPr>
                         <a:t>Transformer</a:t>
                       </a:r>
                     </a:p>
@@ -17599,7 +18121,10 @@
                     <a:p>
                       <a:pPr algn="ctr"/>
                       <a:r>
-                        <a:rPr lang="en-US" sz="2000" b="1" dirty="0"/>
+                        <a:rPr lang="en-US" sz="2000" b="1" dirty="0">
+                          <a:latin typeface="Rubik" pitchFamily="2" charset="-79"/>
+                          <a:cs typeface="Rubik" pitchFamily="2" charset="-79"/>
+                        </a:rPr>
                         <a:t>29.1</a:t>
                       </a:r>
                     </a:p>
@@ -17623,7 +18148,10 @@
                     <a:p>
                       <a:pPr algn="ctr"/>
                       <a:r>
-                        <a:rPr lang="en-US" sz="2000" b="1" dirty="0"/>
+                        <a:rPr lang="en-US" sz="2000" b="1" dirty="0">
+                          <a:latin typeface="Rubik" pitchFamily="2" charset="-79"/>
+                          <a:cs typeface="Rubik" pitchFamily="2" charset="-79"/>
+                        </a:rPr>
                         <a:t>115h</a:t>
                       </a:r>
                     </a:p>
@@ -17647,7 +18175,10 @@
                     <a:p>
                       <a:pPr algn="ctr"/>
                       <a:r>
-                        <a:rPr lang="en-US" sz="2000" b="1" dirty="0"/>
+                        <a:rPr lang="en-US" sz="2000" b="1" dirty="0">
+                          <a:latin typeface="Rubik" pitchFamily="2" charset="-79"/>
+                          <a:cs typeface="Rubik" pitchFamily="2" charset="-79"/>
+                        </a:rPr>
                         <a:t>1.1 GB</a:t>
                       </a:r>
                     </a:p>
@@ -17687,7 +18218,10 @@
                     <a:p>
                       <a:pPr algn="l"/>
                       <a:r>
-                        <a:rPr lang="en-US" sz="2000" b="0" dirty="0"/>
+                        <a:rPr lang="en-US" sz="2000" b="0" dirty="0">
+                          <a:latin typeface="Rubik" pitchFamily="2" charset="-79"/>
+                          <a:cs typeface="Rubik" pitchFamily="2" charset="-79"/>
+                        </a:rPr>
                         <a:t>32-Bit Adam</a:t>
                       </a:r>
                     </a:p>
@@ -17720,7 +18254,10 @@
                     <a:p>
                       <a:pPr algn="ctr"/>
                       <a:r>
-                        <a:rPr lang="en-US" sz="2000" b="0" dirty="0"/>
+                        <a:rPr lang="en-US" sz="2000" b="0" dirty="0">
+                          <a:latin typeface="Rubik" pitchFamily="2" charset="-79"/>
+                          <a:cs typeface="Rubik" pitchFamily="2" charset="-79"/>
+                        </a:rPr>
                         <a:t>Language Modeling</a:t>
                       </a:r>
                     </a:p>
@@ -17744,7 +18281,10 @@
                     <a:p>
                       <a:pPr algn="ctr"/>
                       <a:r>
-                        <a:rPr lang="en-US" sz="2000" b="0" dirty="0"/>
+                        <a:rPr lang="en-US" sz="2000" b="0" dirty="0">
+                          <a:latin typeface="Rubik" pitchFamily="2" charset="-79"/>
+                          <a:cs typeface="Rubik" pitchFamily="2" charset="-79"/>
+                        </a:rPr>
                         <a:t>Multiple</a:t>
                       </a:r>
                     </a:p>
@@ -17768,7 +18308,10 @@
                     <a:p>
                       <a:pPr algn="ctr"/>
                       <a:r>
-                        <a:rPr lang="en-US" sz="2000" b="0" dirty="0"/>
+                        <a:rPr lang="en-US" sz="2000" b="0" dirty="0">
+                          <a:latin typeface="Rubik" pitchFamily="2" charset="-79"/>
+                          <a:cs typeface="Rubik" pitchFamily="2" charset="-79"/>
+                        </a:rPr>
                         <a:t>Transformer-1.5B</a:t>
                       </a:r>
                     </a:p>
@@ -17792,7 +18335,10 @@
                     <a:p>
                       <a:pPr algn="ctr"/>
                       <a:r>
-                        <a:rPr lang="en-US" sz="2000" b="0" dirty="0"/>
+                        <a:rPr lang="en-US" sz="2000" b="0" dirty="0">
+                          <a:latin typeface="Rubik" pitchFamily="2" charset="-79"/>
+                          <a:cs typeface="Rubik" pitchFamily="2" charset="-79"/>
+                        </a:rPr>
                         <a:t>9.0</a:t>
                       </a:r>
                     </a:p>
@@ -17816,7 +18362,10 @@
                     <a:p>
                       <a:pPr algn="ctr"/>
                       <a:r>
-                        <a:rPr lang="en-US" sz="2000" b="0" dirty="0"/>
+                        <a:rPr lang="en-US" sz="2000" b="0" dirty="0">
+                          <a:latin typeface="Rubik" pitchFamily="2" charset="-79"/>
+                          <a:cs typeface="Rubik" pitchFamily="2" charset="-79"/>
+                        </a:rPr>
                         <a:t>308 days</a:t>
                       </a:r>
                     </a:p>
@@ -17840,7 +18389,10 @@
                     <a:p>
                       <a:pPr algn="ctr"/>
                       <a:r>
-                        <a:rPr lang="en-US" sz="2000" b="0" dirty="0"/>
+                        <a:rPr lang="en-US" sz="2000" b="0" dirty="0">
+                          <a:latin typeface="Rubik" pitchFamily="2" charset="-79"/>
+                          <a:cs typeface="Rubik" pitchFamily="2" charset="-79"/>
+                        </a:rPr>
                         <a:t>0.0 GB</a:t>
                       </a:r>
                     </a:p>
@@ -17880,14 +18432,23 @@
                     <a:p>
                       <a:pPr algn="l"/>
                       <a:r>
-                        <a:rPr lang="en-US" sz="2000" b="0" dirty="0"/>
+                        <a:rPr lang="en-US" sz="2000" b="0" dirty="0">
+                          <a:latin typeface="Rubik" pitchFamily="2" charset="-79"/>
+                          <a:cs typeface="Rubik" pitchFamily="2" charset="-79"/>
+                        </a:rPr>
                         <a:t>32-Bit </a:t>
                       </a:r>
                       <a:r>
-                        <a:rPr lang="en-US" sz="2000" b="0" dirty="0" err="1"/>
+                        <a:rPr lang="en-US" sz="2000" b="0" dirty="0" err="1">
+                          <a:latin typeface="Rubik" pitchFamily="2" charset="-79"/>
+                          <a:cs typeface="Rubik" pitchFamily="2" charset="-79"/>
+                        </a:rPr>
                         <a:t>Adafactor</a:t>
                       </a:r>
-                      <a:endParaRPr lang="en-US" sz="2000" b="0" dirty="0"/>
+                      <a:endParaRPr lang="en-US" sz="2000" b="0" dirty="0">
+                        <a:latin typeface="Rubik" pitchFamily="2" charset="-79"/>
+                        <a:cs typeface="Rubik" pitchFamily="2" charset="-79"/>
+                      </a:endParaRPr>
                     </a:p>
                   </a:txBody>
                   <a:tcPr anchor="ctr">
@@ -17925,7 +18486,10 @@
                         <a:defRPr/>
                       </a:pPr>
                       <a:r>
-                        <a:rPr lang="en-US" sz="2000" b="0" dirty="0"/>
+                        <a:rPr lang="en-US" sz="2000" b="0" dirty="0">
+                          <a:latin typeface="Rubik" pitchFamily="2" charset="-79"/>
+                          <a:cs typeface="Rubik" pitchFamily="2" charset="-79"/>
+                        </a:rPr>
                         <a:t>Language Modeling</a:t>
                       </a:r>
                     </a:p>
@@ -17939,7 +18503,10 @@
                     <a:p>
                       <a:pPr algn="ctr"/>
                       <a:r>
-                        <a:rPr lang="en-US" sz="2000" b="0" dirty="0"/>
+                        <a:rPr lang="en-US" sz="2000" b="0" dirty="0">
+                          <a:latin typeface="Rubik" pitchFamily="2" charset="-79"/>
+                          <a:cs typeface="Rubik" pitchFamily="2" charset="-79"/>
+                        </a:rPr>
                         <a:t>Multiple</a:t>
                       </a:r>
                     </a:p>
@@ -17953,7 +18520,10 @@
                     <a:p>
                       <a:pPr algn="ctr"/>
                       <a:r>
-                        <a:rPr lang="en-US" sz="2000" b="0" dirty="0"/>
+                        <a:rPr lang="en-US" sz="2000" b="0" dirty="0">
+                          <a:latin typeface="Rubik" pitchFamily="2" charset="-79"/>
+                          <a:cs typeface="Rubik" pitchFamily="2" charset="-79"/>
+                        </a:rPr>
                         <a:t>Transformer-1.5B</a:t>
                       </a:r>
                     </a:p>
@@ -17967,7 +18537,10 @@
                     <a:p>
                       <a:pPr algn="ctr"/>
                       <a:r>
-                        <a:rPr lang="en-US" sz="2000" b="1" dirty="0"/>
+                        <a:rPr lang="en-US" sz="2000" b="1" dirty="0">
+                          <a:latin typeface="Rubik" pitchFamily="2" charset="-79"/>
+                          <a:cs typeface="Rubik" pitchFamily="2" charset="-79"/>
+                        </a:rPr>
                         <a:t>8.9</a:t>
                       </a:r>
                     </a:p>
@@ -17981,7 +18554,10 @@
                     <a:p>
                       <a:pPr algn="ctr"/>
                       <a:r>
-                        <a:rPr lang="en-US" sz="2000" b="0" dirty="0"/>
+                        <a:rPr lang="en-US" sz="2000" b="0" dirty="0">
+                          <a:latin typeface="Rubik" pitchFamily="2" charset="-79"/>
+                          <a:cs typeface="Rubik" pitchFamily="2" charset="-79"/>
+                        </a:rPr>
                         <a:t>316 days</a:t>
                       </a:r>
                     </a:p>
@@ -17995,7 +18571,10 @@
                     <a:p>
                       <a:pPr algn="ctr"/>
                       <a:r>
-                        <a:rPr lang="en-US" sz="2000" b="0" dirty="0"/>
+                        <a:rPr lang="en-US" sz="2000" b="0" dirty="0">
+                          <a:latin typeface="Rubik" pitchFamily="2" charset="-79"/>
+                          <a:cs typeface="Rubik" pitchFamily="2" charset="-79"/>
+                        </a:rPr>
                         <a:t>5.6 GB</a:t>
                       </a:r>
                     </a:p>
@@ -18026,7 +18605,10 @@
                     <a:p>
                       <a:pPr algn="l"/>
                       <a:r>
-                        <a:rPr lang="en-US" sz="2000" b="0" dirty="0"/>
+                        <a:rPr lang="en-US" sz="2000" b="0" dirty="0">
+                          <a:latin typeface="Rubik" pitchFamily="2" charset="-79"/>
+                          <a:cs typeface="Rubik" pitchFamily="2" charset="-79"/>
+                        </a:rPr>
                         <a:t>8-Bit Adam</a:t>
                       </a:r>
                     </a:p>
@@ -18075,7 +18657,10 @@
                         <a:defRPr/>
                       </a:pPr>
                       <a:r>
-                        <a:rPr lang="en-US" sz="2000" b="0" dirty="0"/>
+                        <a:rPr lang="en-US" sz="2000" b="0" dirty="0">
+                          <a:latin typeface="Rubik" pitchFamily="2" charset="-79"/>
+                          <a:cs typeface="Rubik" pitchFamily="2" charset="-79"/>
+                        </a:rPr>
                         <a:t>Language Modeling</a:t>
                       </a:r>
                     </a:p>
@@ -18099,7 +18684,10 @@
                     <a:p>
                       <a:pPr algn="ctr"/>
                       <a:r>
-                        <a:rPr lang="en-US" sz="2000" b="0" dirty="0"/>
+                        <a:rPr lang="en-US" sz="2000" b="0" dirty="0">
+                          <a:latin typeface="Rubik" pitchFamily="2" charset="-79"/>
+                          <a:cs typeface="Rubik" pitchFamily="2" charset="-79"/>
+                        </a:rPr>
                         <a:t>Multiple</a:t>
                       </a:r>
                     </a:p>
@@ -18123,7 +18711,10 @@
                     <a:p>
                       <a:pPr algn="ctr"/>
                       <a:r>
-                        <a:rPr lang="en-US" sz="2000" b="0" dirty="0"/>
+                        <a:rPr lang="en-US" sz="2000" b="0" dirty="0">
+                          <a:latin typeface="Rubik" pitchFamily="2" charset="-79"/>
+                          <a:cs typeface="Rubik" pitchFamily="2" charset="-79"/>
+                        </a:rPr>
                         <a:t>Transformer-1.5B</a:t>
                       </a:r>
                     </a:p>
@@ -18147,7 +18738,10 @@
                     <a:p>
                       <a:pPr algn="ctr"/>
                       <a:r>
-                        <a:rPr lang="en-US" sz="2000" b="0" dirty="0"/>
+                        <a:rPr lang="en-US" sz="2000" b="0" dirty="0">
+                          <a:latin typeface="Rubik" pitchFamily="2" charset="-79"/>
+                          <a:cs typeface="Rubik" pitchFamily="2" charset="-79"/>
+                        </a:rPr>
                         <a:t>9.0</a:t>
                       </a:r>
                     </a:p>
@@ -18171,7 +18765,10 @@
                     <a:p>
                       <a:pPr algn="ctr"/>
                       <a:r>
-                        <a:rPr lang="en-US" sz="2000" b="1" dirty="0"/>
+                        <a:rPr lang="en-US" sz="2000" b="1" dirty="0">
+                          <a:latin typeface="Rubik" pitchFamily="2" charset="-79"/>
+                          <a:cs typeface="Rubik" pitchFamily="2" charset="-79"/>
+                        </a:rPr>
                         <a:t>297 days</a:t>
                       </a:r>
                     </a:p>
@@ -18195,7 +18792,10 @@
                     <a:p>
                       <a:pPr algn="ctr"/>
                       <a:r>
-                        <a:rPr lang="en-US" sz="2000" b="1" dirty="0"/>
+                        <a:rPr lang="en-US" sz="2000" b="1" dirty="0">
+                          <a:latin typeface="Rubik" pitchFamily="2" charset="-79"/>
+                          <a:cs typeface="Rubik" pitchFamily="2" charset="-79"/>
+                        </a:rPr>
                         <a:t>8.5 GB</a:t>
                       </a:r>
                     </a:p>
@@ -18245,7 +18845,7 @@
         </p:nvSpPr>
         <p:spPr>
           <a:xfrm>
-            <a:off x="1002891" y="35399727"/>
+            <a:off x="1002891" y="35614762"/>
             <a:ext cx="13250769" cy="646331"/>
           </a:xfrm>
           <a:prstGeom prst="rect">
@@ -18260,11 +18860,17 @@
           <a:lstStyle/>
           <a:p>
             <a:r>
-              <a:rPr lang="en-US" sz="1600" dirty="0"/>
+              <a:rPr lang="en-US" sz="1600" dirty="0">
+                <a:latin typeface="Rubik" pitchFamily="2" charset="-79"/>
+                <a:cs typeface="Rubik" pitchFamily="2" charset="-79"/>
+              </a:rPr>
               <a:t>*</a:t>
             </a:r>
             <a:r>
-              <a:rPr lang="en-US" sz="1600" b="1" dirty="0"/>
+              <a:rPr lang="en-US" sz="1600" b="1" dirty="0">
+                <a:latin typeface="Rubik" pitchFamily="2" charset="-79"/>
+                <a:cs typeface="Rubik" pitchFamily="2" charset="-79"/>
+              </a:rPr>
               <a:t>Metric: </a:t>
             </a:r>
             <a:r>
@@ -18273,13 +18879,15 @@
                   <a:schemeClr val="dk1"/>
                 </a:solidFill>
                 <a:effectLst/>
-                <a:latin typeface="+mn-lt"/>
-                <a:ea typeface="+mn-ea"/>
-                <a:cs typeface="+mn-cs"/>
+                <a:latin typeface="Rubik" pitchFamily="2" charset="-79"/>
+                <a:cs typeface="Rubik" pitchFamily="2" charset="-79"/>
               </a:rPr>
               <a:t>General Language Understanding Evaluation: Mean Accuracy/Correlation. Machine Translation: BLEU (bilingual evaluation understudy). Language Modeling: Perplexity</a:t>
             </a:r>
-            <a:endParaRPr lang="en-US" sz="1400" dirty="0"/>
+            <a:endParaRPr lang="en-US" sz="1400" dirty="0">
+              <a:latin typeface="Rubik" pitchFamily="2" charset="-79"/>
+              <a:cs typeface="Rubik" pitchFamily="2" charset="-79"/>
+            </a:endParaRPr>
           </a:p>
         </p:txBody>
       </p:sp>
@@ -18298,13 +18906,13 @@
           <p:nvPr>
             <p:extLst>
               <p:ext uri="{D42A27DB-BD31-4B8C-83A1-F6EECF244321}">
-                <p14:modId xmlns:p14="http://schemas.microsoft.com/office/powerpoint/2010/main" val="2060947329"/>
+                <p14:modId xmlns:p14="http://schemas.microsoft.com/office/powerpoint/2010/main" val="591334261"/>
               </p:ext>
             </p:extLst>
           </p:nvPr>
         </p:nvGraphicFramePr>
         <p:xfrm>
-          <a:off x="15880682" y="10727832"/>
+          <a:off x="15971898" y="11037852"/>
           <a:ext cx="13450638" cy="3176859"/>
         </p:xfrm>
         <a:graphic>
@@ -18370,9 +18978,9 @@
                             <a:schemeClr val="tx1"/>
                           </a:solidFill>
                           <a:effectLst/>
-                          <a:latin typeface="+mn-lt"/>
+                          <a:latin typeface="Rubik" pitchFamily="2" charset="-79"/>
                           <a:ea typeface="+mn-ea"/>
-                          <a:cs typeface="+mn-cs"/>
+                          <a:cs typeface="Rubik" pitchFamily="2" charset="-79"/>
                         </a:rPr>
                         <a:t>Optimizer</a:t>
                       </a:r>
@@ -18429,6 +19037,8 @@
                       <a:r>
                         <a:rPr lang="en-US" sz="2800" b="1" u="none" strike="noStrike" dirty="0">
                           <a:effectLst/>
+                          <a:latin typeface="Rubik" pitchFamily="2" charset="-79"/>
+                          <a:cs typeface="Rubik" pitchFamily="2" charset="-79"/>
                         </a:rPr>
                         <a:t>Adam</a:t>
                       </a:r>
@@ -18437,7 +19047,8 @@
                           <a:srgbClr val="000000"/>
                         </a:solidFill>
                         <a:effectLst/>
-                        <a:latin typeface="Arial" panose="020B0604020202020204" pitchFamily="34" charset="0"/>
+                        <a:latin typeface="Rubik" pitchFamily="2" charset="-79"/>
+                        <a:cs typeface="Rubik" pitchFamily="2" charset="-79"/>
                       </a:endParaRPr>
                     </a:p>
                   </a:txBody>
@@ -18502,6 +19113,8 @@
                       <a:r>
                         <a:rPr lang="en-US" sz="2800" b="1" u="none" strike="noStrike" dirty="0">
                           <a:effectLst/>
+                          <a:latin typeface="Rubik" pitchFamily="2" charset="-79"/>
+                          <a:cs typeface="Rubik" pitchFamily="2" charset="-79"/>
                         </a:rPr>
                         <a:t>Adam8Bit</a:t>
                       </a:r>
@@ -18510,7 +19123,8 @@
                           <a:srgbClr val="000000"/>
                         </a:solidFill>
                         <a:effectLst/>
-                        <a:latin typeface="Arial" panose="020B0604020202020204" pitchFamily="34" charset="0"/>
+                        <a:latin typeface="Rubik" pitchFamily="2" charset="-79"/>
+                        <a:cs typeface="Rubik" pitchFamily="2" charset="-79"/>
                       </a:endParaRPr>
                     </a:p>
                   </a:txBody>
@@ -18582,6 +19196,8 @@
                       <a:r>
                         <a:rPr lang="en-US" sz="2800" u="none" strike="noStrike">
                           <a:effectLst/>
+                          <a:latin typeface="Rubik" pitchFamily="2" charset="-79"/>
+                          <a:cs typeface="Rubik" pitchFamily="2" charset="-79"/>
                         </a:rPr>
                         <a:t>Number of Epochs</a:t>
                       </a:r>
@@ -18590,7 +19206,8 @@
                           <a:srgbClr val="000000"/>
                         </a:solidFill>
                         <a:effectLst/>
-                        <a:latin typeface="Arial" panose="020B0604020202020204" pitchFamily="34" charset="0"/>
+                        <a:latin typeface="Rubik" pitchFamily="2" charset="-79"/>
+                        <a:cs typeface="Rubik" pitchFamily="2" charset="-79"/>
                       </a:endParaRPr>
                     </a:p>
                   </a:txBody>
@@ -18643,6 +19260,8 @@
                       <a:r>
                         <a:rPr lang="en-US" sz="2800" u="none" strike="noStrike" dirty="0">
                           <a:effectLst/>
+                          <a:latin typeface="Rubik" pitchFamily="2" charset="-79"/>
+                          <a:cs typeface="Rubik" pitchFamily="2" charset="-79"/>
                         </a:rPr>
                         <a:t>50</a:t>
                       </a:r>
@@ -18651,7 +19270,8 @@
                           <a:srgbClr val="000000"/>
                         </a:solidFill>
                         <a:effectLst/>
-                        <a:latin typeface="Arial" panose="020B0604020202020204" pitchFamily="34" charset="0"/>
+                        <a:latin typeface="Rubik" pitchFamily="2" charset="-79"/>
+                        <a:cs typeface="Rubik" pitchFamily="2" charset="-79"/>
                       </a:endParaRPr>
                     </a:p>
                   </a:txBody>
@@ -18704,6 +19324,8 @@
                       <a:r>
                         <a:rPr lang="en-US" sz="2800" u="none" strike="noStrike" dirty="0">
                           <a:effectLst/>
+                          <a:latin typeface="Rubik" pitchFamily="2" charset="-79"/>
+                          <a:cs typeface="Rubik" pitchFamily="2" charset="-79"/>
                         </a:rPr>
                         <a:t>100</a:t>
                       </a:r>
@@ -18712,7 +19334,8 @@
                           <a:srgbClr val="000000"/>
                         </a:solidFill>
                         <a:effectLst/>
-                        <a:latin typeface="Arial" panose="020B0604020202020204" pitchFamily="34" charset="0"/>
+                        <a:latin typeface="Rubik" pitchFamily="2" charset="-79"/>
+                        <a:cs typeface="Rubik" pitchFamily="2" charset="-79"/>
                       </a:endParaRPr>
                     </a:p>
                   </a:txBody>
@@ -18765,6 +19388,8 @@
                       <a:r>
                         <a:rPr lang="en-US" sz="2800" u="none" strike="noStrike" dirty="0">
                           <a:effectLst/>
+                          <a:latin typeface="Rubik" pitchFamily="2" charset="-79"/>
+                          <a:cs typeface="Rubik" pitchFamily="2" charset="-79"/>
                         </a:rPr>
                         <a:t>50</a:t>
                       </a:r>
@@ -18773,7 +19398,8 @@
                           <a:srgbClr val="000000"/>
                         </a:solidFill>
                         <a:effectLst/>
-                        <a:latin typeface="Arial" panose="020B0604020202020204" pitchFamily="34" charset="0"/>
+                        <a:latin typeface="Rubik" pitchFamily="2" charset="-79"/>
+                        <a:cs typeface="Rubik" pitchFamily="2" charset="-79"/>
                       </a:endParaRPr>
                     </a:p>
                   </a:txBody>
@@ -18826,6 +19452,8 @@
                       <a:r>
                         <a:rPr lang="en-US" sz="2800" u="none" strike="noStrike">
                           <a:effectLst/>
+                          <a:latin typeface="Rubik" pitchFamily="2" charset="-79"/>
+                          <a:cs typeface="Rubik" pitchFamily="2" charset="-79"/>
                         </a:rPr>
                         <a:t>100</a:t>
                       </a:r>
@@ -18834,7 +19462,8 @@
                           <a:srgbClr val="000000"/>
                         </a:solidFill>
                         <a:effectLst/>
-                        <a:latin typeface="Arial" panose="020B0604020202020204" pitchFamily="34" charset="0"/>
+                        <a:latin typeface="Rubik" pitchFamily="2" charset="-79"/>
+                        <a:cs typeface="Rubik" pitchFamily="2" charset="-79"/>
                       </a:endParaRPr>
                     </a:p>
                   </a:txBody>
@@ -18897,9 +19526,9 @@
                             <a:schemeClr val="tx1"/>
                           </a:solidFill>
                           <a:effectLst/>
-                          <a:latin typeface="+mn-lt"/>
+                          <a:latin typeface="Rubik" pitchFamily="2" charset="-79"/>
                           <a:ea typeface="+mn-ea"/>
-                          <a:cs typeface="+mn-cs"/>
+                          <a:cs typeface="Rubik" pitchFamily="2" charset="-79"/>
                         </a:rPr>
                         <a:t>Metric (Val. Loss) 🔻</a:t>
                       </a:r>
@@ -18959,9 +19588,9 @@
                             <a:schemeClr val="tx1"/>
                           </a:solidFill>
                           <a:effectLst/>
-                          <a:latin typeface="+mn-lt"/>
+                          <a:latin typeface="Rubik" pitchFamily="2" charset="-79"/>
                           <a:ea typeface="+mn-ea"/>
-                          <a:cs typeface="+mn-cs"/>
+                          <a:cs typeface="Rubik" pitchFamily="2" charset="-79"/>
                         </a:rPr>
                         <a:t>0.085</a:t>
                       </a:r>
@@ -19021,9 +19650,9 @@
                             <a:schemeClr val="tx1"/>
                           </a:solidFill>
                           <a:effectLst/>
-                          <a:latin typeface="+mn-lt"/>
+                          <a:latin typeface="Rubik" pitchFamily="2" charset="-79"/>
                           <a:ea typeface="+mn-ea"/>
-                          <a:cs typeface="+mn-cs"/>
+                          <a:cs typeface="Rubik" pitchFamily="2" charset="-79"/>
                         </a:rPr>
                         <a:t>0.148</a:t>
                       </a:r>
@@ -19080,12 +19709,12 @@
                       <a:r>
                         <a:rPr lang="en-US" sz="2800" u="none" strike="noStrike" kern="1200" dirty="0">
                           <a:solidFill>
-                            <a:schemeClr val="tx1"/>
+                            <a:srgbClr val="FF0000"/>
                           </a:solidFill>
                           <a:effectLst/>
-                          <a:latin typeface="+mn-lt"/>
+                          <a:latin typeface="Rubik" pitchFamily="2" charset="-79"/>
                           <a:ea typeface="+mn-ea"/>
-                          <a:cs typeface="+mn-cs"/>
+                          <a:cs typeface="Rubik" pitchFamily="2" charset="-79"/>
                         </a:rPr>
                         <a:t>0.102</a:t>
                       </a:r>
@@ -19142,12 +19771,12 @@
                       <a:r>
                         <a:rPr lang="en-US" sz="2800" u="none" strike="noStrike" kern="1200" dirty="0">
                           <a:solidFill>
-                            <a:schemeClr val="tx1"/>
+                            <a:srgbClr val="FF0000"/>
                           </a:solidFill>
                           <a:effectLst/>
-                          <a:latin typeface="+mn-lt"/>
+                          <a:latin typeface="Rubik" pitchFamily="2" charset="-79"/>
                           <a:ea typeface="+mn-ea"/>
-                          <a:cs typeface="+mn-cs"/>
+                          <a:cs typeface="Rubik" pitchFamily="2" charset="-79"/>
                         </a:rPr>
                         <a:t>0.232</a:t>
                       </a:r>
@@ -19211,6 +19840,8 @@
                       <a:r>
                         <a:rPr lang="en-US" sz="2800" u="none" strike="noStrike">
                           <a:effectLst/>
+                          <a:latin typeface="Rubik" pitchFamily="2" charset="-79"/>
+                          <a:cs typeface="Rubik" pitchFamily="2" charset="-79"/>
                         </a:rPr>
                         <a:t>Time (Seconds)🔻</a:t>
                       </a:r>
@@ -19219,7 +19850,8 @@
                           <a:srgbClr val="000000"/>
                         </a:solidFill>
                         <a:effectLst/>
-                        <a:latin typeface="Arial" panose="020B0604020202020204" pitchFamily="34" charset="0"/>
+                        <a:latin typeface="Rubik" pitchFamily="2" charset="-79"/>
+                        <a:cs typeface="Rubik" pitchFamily="2" charset="-79"/>
                       </a:endParaRPr>
                     </a:p>
                   </a:txBody>
@@ -19272,6 +19904,8 @@
                       <a:r>
                         <a:rPr lang="en-US" sz="2800" u="none" strike="noStrike">
                           <a:effectLst/>
+                          <a:latin typeface="Rubik" pitchFamily="2" charset="-79"/>
+                          <a:cs typeface="Rubik" pitchFamily="2" charset="-79"/>
                         </a:rPr>
                         <a:t>32.026</a:t>
                       </a:r>
@@ -19280,7 +19914,8 @@
                           <a:srgbClr val="000000"/>
                         </a:solidFill>
                         <a:effectLst/>
-                        <a:latin typeface="Arial" panose="020B0604020202020204" pitchFamily="34" charset="0"/>
+                        <a:latin typeface="Rubik" pitchFamily="2" charset="-79"/>
+                        <a:cs typeface="Rubik" pitchFamily="2" charset="-79"/>
                       </a:endParaRPr>
                     </a:p>
                   </a:txBody>
@@ -19333,6 +19968,8 @@
                       <a:r>
                         <a:rPr lang="en-US" sz="2800" u="none" strike="noStrike">
                           <a:effectLst/>
+                          <a:latin typeface="Rubik" pitchFamily="2" charset="-79"/>
+                          <a:cs typeface="Rubik" pitchFamily="2" charset="-79"/>
                         </a:rPr>
                         <a:t>64.274</a:t>
                       </a:r>
@@ -19341,7 +19978,8 @@
                           <a:srgbClr val="000000"/>
                         </a:solidFill>
                         <a:effectLst/>
-                        <a:latin typeface="Arial" panose="020B0604020202020204" pitchFamily="34" charset="0"/>
+                        <a:latin typeface="Rubik" pitchFamily="2" charset="-79"/>
+                        <a:cs typeface="Rubik" pitchFamily="2" charset="-79"/>
                       </a:endParaRPr>
                     </a:p>
                   </a:txBody>
@@ -19394,6 +20032,8 @@
                       <a:r>
                         <a:rPr lang="en-US" sz="2800" u="none" strike="noStrike" dirty="0">
                           <a:effectLst/>
+                          <a:latin typeface="Rubik" pitchFamily="2" charset="-79"/>
+                          <a:cs typeface="Rubik" pitchFamily="2" charset="-79"/>
                         </a:rPr>
                         <a:t>29.493</a:t>
                       </a:r>
@@ -19402,7 +20042,8 @@
                           <a:srgbClr val="000000"/>
                         </a:solidFill>
                         <a:effectLst/>
-                        <a:latin typeface="Arial" panose="020B0604020202020204" pitchFamily="34" charset="0"/>
+                        <a:latin typeface="Rubik" pitchFamily="2" charset="-79"/>
+                        <a:cs typeface="Rubik" pitchFamily="2" charset="-79"/>
                       </a:endParaRPr>
                     </a:p>
                   </a:txBody>
@@ -19455,6 +20096,8 @@
                       <a:r>
                         <a:rPr lang="en-US" sz="2800" u="none" strike="noStrike" dirty="0">
                           <a:effectLst/>
+                          <a:latin typeface="Rubik" pitchFamily="2" charset="-79"/>
+                          <a:cs typeface="Rubik" pitchFamily="2" charset="-79"/>
                         </a:rPr>
                         <a:t>58.991</a:t>
                       </a:r>
@@ -19463,7 +20106,8 @@
                           <a:srgbClr val="000000"/>
                         </a:solidFill>
                         <a:effectLst/>
-                        <a:latin typeface="Arial" panose="020B0604020202020204" pitchFamily="34" charset="0"/>
+                        <a:latin typeface="Rubik" pitchFamily="2" charset="-79"/>
+                        <a:cs typeface="Rubik" pitchFamily="2" charset="-79"/>
                       </a:endParaRPr>
                     </a:p>
                   </a:txBody>
@@ -19523,6 +20167,8 @@
                       <a:r>
                         <a:rPr lang="en-US" sz="2800" u="none" strike="noStrike" dirty="0">
                           <a:effectLst/>
+                          <a:latin typeface="Rubik" pitchFamily="2" charset="-79"/>
+                          <a:cs typeface="Rubik" pitchFamily="2" charset="-79"/>
                         </a:rPr>
                         <a:t>Memory Used (MB) 🔻</a:t>
                       </a:r>
@@ -19531,7 +20177,8 @@
                           <a:srgbClr val="000000"/>
                         </a:solidFill>
                         <a:effectLst/>
-                        <a:latin typeface="Arial" panose="020B0604020202020204" pitchFamily="34" charset="0"/>
+                        <a:latin typeface="Rubik" pitchFamily="2" charset="-79"/>
+                        <a:cs typeface="Rubik" pitchFamily="2" charset="-79"/>
                       </a:endParaRPr>
                     </a:p>
                   </a:txBody>
@@ -19586,6 +20233,8 @@
                       <a:r>
                         <a:rPr lang="en-US" sz="2800" u="none" strike="noStrike" dirty="0">
                           <a:effectLst/>
+                          <a:latin typeface="Rubik" pitchFamily="2" charset="-79"/>
+                          <a:cs typeface="Rubik" pitchFamily="2" charset="-79"/>
                         </a:rPr>
                         <a:t>196.46</a:t>
                       </a:r>
@@ -19594,7 +20243,8 @@
                           <a:srgbClr val="000000"/>
                         </a:solidFill>
                         <a:effectLst/>
-                        <a:latin typeface="Arial" panose="020B0604020202020204" pitchFamily="34" charset="0"/>
+                        <a:latin typeface="Rubik" pitchFamily="2" charset="-79"/>
+                        <a:cs typeface="Rubik" pitchFamily="2" charset="-79"/>
                       </a:endParaRPr>
                     </a:p>
                   </a:txBody>
@@ -19649,6 +20299,8 @@
                       <a:r>
                         <a:rPr lang="en-US" sz="2800" u="none" strike="noStrike" dirty="0">
                           <a:effectLst/>
+                          <a:latin typeface="Rubik" pitchFamily="2" charset="-79"/>
+                          <a:cs typeface="Rubik" pitchFamily="2" charset="-79"/>
                         </a:rPr>
                         <a:t>422.36</a:t>
                       </a:r>
@@ -19657,7 +20309,8 @@
                           <a:srgbClr val="000000"/>
                         </a:solidFill>
                         <a:effectLst/>
-                        <a:latin typeface="Arial" panose="020B0604020202020204" pitchFamily="34" charset="0"/>
+                        <a:latin typeface="Rubik" pitchFamily="2" charset="-79"/>
+                        <a:cs typeface="Rubik" pitchFamily="2" charset="-79"/>
                       </a:endParaRPr>
                     </a:p>
                   </a:txBody>
@@ -19712,6 +20365,8 @@
                       <a:r>
                         <a:rPr lang="en-US" sz="2800" u="none" strike="noStrike" dirty="0">
                           <a:effectLst/>
+                          <a:latin typeface="Rubik" pitchFamily="2" charset="-79"/>
+                          <a:cs typeface="Rubik" pitchFamily="2" charset="-79"/>
                         </a:rPr>
                         <a:t>182.79</a:t>
                       </a:r>
@@ -19720,7 +20375,8 @@
                           <a:srgbClr val="000000"/>
                         </a:solidFill>
                         <a:effectLst/>
-                        <a:latin typeface="Arial" panose="020B0604020202020204" pitchFamily="34" charset="0"/>
+                        <a:latin typeface="Rubik" pitchFamily="2" charset="-79"/>
+                        <a:cs typeface="Rubik" pitchFamily="2" charset="-79"/>
                       </a:endParaRPr>
                     </a:p>
                   </a:txBody>
@@ -19775,6 +20431,8 @@
                       <a:r>
                         <a:rPr lang="en-US" sz="2800" u="none" strike="noStrike" dirty="0">
                           <a:effectLst/>
+                          <a:latin typeface="Rubik" pitchFamily="2" charset="-79"/>
+                          <a:cs typeface="Rubik" pitchFamily="2" charset="-79"/>
                         </a:rPr>
                         <a:t>402.04</a:t>
                       </a:r>
@@ -19783,7 +20441,8 @@
                           <a:srgbClr val="000000"/>
                         </a:solidFill>
                         <a:effectLst/>
-                        <a:latin typeface="Arial" panose="020B0604020202020204" pitchFamily="34" charset="0"/>
+                        <a:latin typeface="Rubik" pitchFamily="2" charset="-79"/>
+                        <a:cs typeface="Rubik" pitchFamily="2" charset="-79"/>
                       </a:endParaRPr>
                     </a:p>
                   </a:txBody>
@@ -19854,13 +20513,13 @@
           <p:nvPr>
             <p:extLst>
               <p:ext uri="{D42A27DB-BD31-4B8C-83A1-F6EECF244321}">
-                <p14:modId xmlns:p14="http://schemas.microsoft.com/office/powerpoint/2010/main" val="2110821932"/>
+                <p14:modId xmlns:p14="http://schemas.microsoft.com/office/powerpoint/2010/main" val="817204003"/>
               </p:ext>
             </p:extLst>
           </p:nvPr>
         </p:nvGraphicFramePr>
         <p:xfrm>
-          <a:off x="15936794" y="32271427"/>
+          <a:off x="16055972" y="32916630"/>
           <a:ext cx="13335528" cy="3155915"/>
         </p:xfrm>
         <a:graphic>
@@ -19909,7 +20568,8 @@
                       <a:r>
                         <a:rPr lang="en-US" sz="2800" u="none" strike="noStrike" dirty="0">
                           <a:effectLst/>
-                          <a:latin typeface="+mn-lt"/>
+                          <a:latin typeface="Rubik" pitchFamily="2" charset="-79"/>
+                          <a:cs typeface="Rubik" pitchFamily="2" charset="-79"/>
                         </a:rPr>
                         <a:t>Optimizer</a:t>
                       </a:r>
@@ -19918,7 +20578,8 @@
                           <a:srgbClr val="000000"/>
                         </a:solidFill>
                         <a:effectLst/>
-                        <a:latin typeface="+mn-lt"/>
+                        <a:latin typeface="Rubik" pitchFamily="2" charset="-79"/>
+                        <a:cs typeface="Rubik" pitchFamily="2" charset="-79"/>
                       </a:endParaRPr>
                     </a:p>
                   </a:txBody>
@@ -19965,7 +20626,8 @@
                       <a:r>
                         <a:rPr lang="en-US" sz="2800" u="none" strike="noStrike" dirty="0">
                           <a:effectLst/>
-                          <a:latin typeface="+mn-lt"/>
+                          <a:latin typeface="Rubik" pitchFamily="2" charset="-79"/>
+                          <a:cs typeface="Rubik" pitchFamily="2" charset="-79"/>
                         </a:rPr>
                         <a:t>Adam</a:t>
                       </a:r>
@@ -19974,7 +20636,8 @@
                           <a:srgbClr val="000000"/>
                         </a:solidFill>
                         <a:effectLst/>
-                        <a:latin typeface="+mn-lt"/>
+                        <a:latin typeface="Rubik" pitchFamily="2" charset="-79"/>
+                        <a:cs typeface="Rubik" pitchFamily="2" charset="-79"/>
                       </a:endParaRPr>
                     </a:p>
                   </a:txBody>
@@ -20002,7 +20665,8 @@
                       <a:r>
                         <a:rPr lang="en-US" sz="2800" u="none" strike="noStrike" dirty="0">
                           <a:effectLst/>
-                          <a:latin typeface="+mn-lt"/>
+                          <a:latin typeface="Rubik" pitchFamily="2" charset="-79"/>
+                          <a:cs typeface="Rubik" pitchFamily="2" charset="-79"/>
                         </a:rPr>
                         <a:t>Adam8Bit</a:t>
                       </a:r>
@@ -20011,7 +20675,8 @@
                           <a:srgbClr val="000000"/>
                         </a:solidFill>
                         <a:effectLst/>
-                        <a:latin typeface="+mn-lt"/>
+                        <a:latin typeface="Rubik" pitchFamily="2" charset="-79"/>
+                        <a:cs typeface="Rubik" pitchFamily="2" charset="-79"/>
                       </a:endParaRPr>
                     </a:p>
                   </a:txBody>
@@ -20055,7 +20720,8 @@
                       <a:r>
                         <a:rPr lang="en-US" sz="2800" u="none" strike="noStrike" dirty="0">
                           <a:effectLst/>
-                          <a:latin typeface="+mn-lt"/>
+                          <a:latin typeface="Rubik" pitchFamily="2" charset="-79"/>
+                          <a:cs typeface="Rubik" pitchFamily="2" charset="-79"/>
                         </a:rPr>
                         <a:t>Metric</a:t>
                       </a:r>
@@ -20064,7 +20730,8 @@
                           <a:srgbClr val="000000"/>
                         </a:solidFill>
                         <a:effectLst/>
-                        <a:latin typeface="+mn-lt"/>
+                        <a:latin typeface="Rubik" pitchFamily="2" charset="-79"/>
+                        <a:cs typeface="Rubik" pitchFamily="2" charset="-79"/>
                       </a:endParaRPr>
                     </a:p>
                   </a:txBody>
@@ -20092,7 +20759,8 @@
                       <a:r>
                         <a:rPr lang="en-US" sz="2800" u="none" strike="noStrike" dirty="0">
                           <a:effectLst/>
-                          <a:latin typeface="+mn-lt"/>
+                          <a:latin typeface="Rubik" pitchFamily="2" charset="-79"/>
+                          <a:cs typeface="Rubik" pitchFamily="2" charset="-79"/>
                         </a:rPr>
                         <a:t>Val. Loss🔻</a:t>
                       </a:r>
@@ -20101,7 +20769,8 @@
                           <a:srgbClr val="000000"/>
                         </a:solidFill>
                         <a:effectLst/>
-                        <a:latin typeface="+mn-lt"/>
+                        <a:latin typeface="Rubik" pitchFamily="2" charset="-79"/>
+                        <a:cs typeface="Rubik" pitchFamily="2" charset="-79"/>
                       </a:endParaRPr>
                     </a:p>
                   </a:txBody>
@@ -20120,7 +20789,8 @@
                       <a:r>
                         <a:rPr lang="en-US" sz="2800" u="none" strike="noStrike" dirty="0">
                           <a:effectLst/>
-                          <a:latin typeface="+mn-lt"/>
+                          <a:latin typeface="Rubik" pitchFamily="2" charset="-79"/>
+                          <a:cs typeface="Rubik" pitchFamily="2" charset="-79"/>
                         </a:rPr>
                         <a:t>0.683</a:t>
                       </a:r>
@@ -20129,7 +20799,8 @@
                           <a:srgbClr val="000000"/>
                         </a:solidFill>
                         <a:effectLst/>
-                        <a:latin typeface="+mn-lt"/>
+                        <a:latin typeface="Rubik" pitchFamily="2" charset="-79"/>
+                        <a:cs typeface="Rubik" pitchFamily="2" charset="-79"/>
                       </a:endParaRPr>
                     </a:p>
                   </a:txBody>
@@ -20147,17 +20818,22 @@
                       <a:pPr algn="ctr" rtl="0" fontAlgn="t"/>
                       <a:r>
                         <a:rPr lang="en-US" sz="2800" u="none" strike="noStrike" dirty="0">
+                          <a:solidFill>
+                            <a:srgbClr val="FF0000"/>
+                          </a:solidFill>
                           <a:effectLst/>
-                          <a:latin typeface="+mn-lt"/>
+                          <a:latin typeface="Rubik" pitchFamily="2" charset="-79"/>
+                          <a:cs typeface="Rubik" pitchFamily="2" charset="-79"/>
                         </a:rPr>
                         <a:t>3.586</a:t>
                       </a:r>
                       <a:endParaRPr lang="en-US" sz="2800" b="0" i="0" u="none" strike="noStrike" dirty="0">
                         <a:solidFill>
-                          <a:srgbClr val="000000"/>
+                          <a:srgbClr val="FF0000"/>
                         </a:solidFill>
                         <a:effectLst/>
-                        <a:latin typeface="+mn-lt"/>
+                        <a:latin typeface="Rubik" pitchFamily="2" charset="-79"/>
+                        <a:cs typeface="Rubik" pitchFamily="2" charset="-79"/>
                       </a:endParaRPr>
                     </a:p>
                   </a:txBody>
@@ -20205,7 +20881,8 @@
                             <a:srgbClr val="000000"/>
                           </a:solidFill>
                           <a:effectLst/>
-                          <a:latin typeface="+mn-lt"/>
+                          <a:latin typeface="Rubik" pitchFamily="2" charset="-79"/>
+                          <a:cs typeface="Rubik" pitchFamily="2" charset="-79"/>
                         </a:rPr>
                         <a:t>F1 Score (weighted) </a:t>
                       </a:r>
@@ -20215,7 +20892,8 @@
                             <a:srgbClr val="00B050"/>
                           </a:solidFill>
                           <a:effectLst/>
-                          <a:latin typeface="+mn-lt"/>
+                          <a:latin typeface="Rubik" pitchFamily="2" charset="-79"/>
+                          <a:cs typeface="Rubik" pitchFamily="2" charset="-79"/>
                         </a:rPr>
                         <a:t>🔺</a:t>
                       </a:r>
@@ -20224,7 +20902,8 @@
                           <a:srgbClr val="00B050"/>
                         </a:solidFill>
                         <a:effectLst/>
-                        <a:latin typeface="+mn-lt"/>
+                        <a:latin typeface="Rubik" pitchFamily="2" charset="-79"/>
+                        <a:cs typeface="Rubik" pitchFamily="2" charset="-79"/>
                       </a:endParaRPr>
                     </a:p>
                   </a:txBody>
@@ -20243,7 +20922,8 @@
                       <a:r>
                         <a:rPr lang="en-US" sz="2800" u="none" strike="noStrike" dirty="0">
                           <a:effectLst/>
-                          <a:latin typeface="+mn-lt"/>
+                          <a:latin typeface="Rubik" pitchFamily="2" charset="-79"/>
+                          <a:cs typeface="Rubik" pitchFamily="2" charset="-79"/>
                         </a:rPr>
                         <a:t>0.875</a:t>
                       </a:r>
@@ -20252,7 +20932,8 @@
                           <a:srgbClr val="000000"/>
                         </a:solidFill>
                         <a:effectLst/>
-                        <a:latin typeface="+mn-lt"/>
+                        <a:latin typeface="Rubik" pitchFamily="2" charset="-79"/>
+                        <a:cs typeface="Rubik" pitchFamily="2" charset="-79"/>
                       </a:endParaRPr>
                     </a:p>
                   </a:txBody>
@@ -20270,17 +20951,22 @@
                       <a:pPr algn="ctr" rtl="0" fontAlgn="t"/>
                       <a:r>
                         <a:rPr lang="en-US" sz="2800" u="none" strike="noStrike" dirty="0">
+                          <a:solidFill>
+                            <a:srgbClr val="FF0000"/>
+                          </a:solidFill>
                           <a:effectLst/>
-                          <a:latin typeface="+mn-lt"/>
+                          <a:latin typeface="Rubik" pitchFamily="2" charset="-79"/>
+                          <a:cs typeface="Rubik" pitchFamily="2" charset="-79"/>
                         </a:rPr>
                         <a:t>0.665</a:t>
                       </a:r>
                       <a:endParaRPr lang="en-US" sz="2800" b="0" i="0" u="none" strike="noStrike" dirty="0">
                         <a:solidFill>
-                          <a:srgbClr val="000000"/>
+                          <a:srgbClr val="FF0000"/>
                         </a:solidFill>
                         <a:effectLst/>
-                        <a:latin typeface="+mn-lt"/>
+                        <a:latin typeface="Rubik" pitchFamily="2" charset="-79"/>
+                        <a:cs typeface="Rubik" pitchFamily="2" charset="-79"/>
                       </a:endParaRPr>
                     </a:p>
                   </a:txBody>
@@ -20315,7 +21001,8 @@
                       <a:r>
                         <a:rPr lang="en-US" sz="2800" u="none" strike="noStrike" dirty="0">
                           <a:effectLst/>
-                          <a:latin typeface="+mn-lt"/>
+                          <a:latin typeface="Rubik" pitchFamily="2" charset="-79"/>
+                          <a:cs typeface="Rubik" pitchFamily="2" charset="-79"/>
                         </a:rPr>
                         <a:t>Time (Seconds) 🔻</a:t>
                       </a:r>
@@ -20324,7 +21011,8 @@
                           <a:srgbClr val="000000"/>
                         </a:solidFill>
                         <a:effectLst/>
-                        <a:latin typeface="+mn-lt"/>
+                        <a:latin typeface="Rubik" pitchFamily="2" charset="-79"/>
+                        <a:cs typeface="Rubik" pitchFamily="2" charset="-79"/>
                       </a:endParaRPr>
                     </a:p>
                   </a:txBody>
@@ -20360,7 +21048,8 @@
                       <a:r>
                         <a:rPr lang="en-US" sz="2800" u="none" strike="noStrike" dirty="0">
                           <a:effectLst/>
-                          <a:latin typeface="+mn-lt"/>
+                          <a:latin typeface="Rubik" pitchFamily="2" charset="-79"/>
+                          <a:cs typeface="Rubik" pitchFamily="2" charset="-79"/>
                         </a:rPr>
                         <a:t>737.111</a:t>
                       </a:r>
@@ -20369,7 +21058,8 @@
                           <a:srgbClr val="000000"/>
                         </a:solidFill>
                         <a:effectLst/>
-                        <a:latin typeface="+mn-lt"/>
+                        <a:latin typeface="Rubik" pitchFamily="2" charset="-79"/>
+                        <a:cs typeface="Rubik" pitchFamily="2" charset="-79"/>
                       </a:endParaRPr>
                     </a:p>
                   </a:txBody>
@@ -20386,7 +21076,8 @@
                       <a:r>
                         <a:rPr lang="en-US" sz="2800" u="none" strike="noStrike" dirty="0">
                           <a:effectLst/>
-                          <a:latin typeface="+mn-lt"/>
+                          <a:latin typeface="Rubik" pitchFamily="2" charset="-79"/>
+                          <a:cs typeface="Rubik" pitchFamily="2" charset="-79"/>
                         </a:rPr>
                         <a:t>673.058</a:t>
                       </a:r>
@@ -20395,7 +21086,8 @@
                           <a:srgbClr val="000000"/>
                         </a:solidFill>
                         <a:effectLst/>
-                        <a:latin typeface="+mn-lt"/>
+                        <a:latin typeface="Rubik" pitchFamily="2" charset="-79"/>
+                        <a:cs typeface="Rubik" pitchFamily="2" charset="-79"/>
                       </a:endParaRPr>
                     </a:p>
                   </a:txBody>
@@ -20428,7 +21120,8 @@
                       <a:r>
                         <a:rPr lang="en-US" sz="2800" u="none" strike="noStrike" dirty="0">
                           <a:effectLst/>
-                          <a:latin typeface="+mn-lt"/>
+                          <a:latin typeface="Rubik" pitchFamily="2" charset="-79"/>
+                          <a:cs typeface="Rubik" pitchFamily="2" charset="-79"/>
                         </a:rPr>
                         <a:t>Memory Used (MB)🔻</a:t>
                       </a:r>
@@ -20437,7 +21130,8 @@
                           <a:srgbClr val="000000"/>
                         </a:solidFill>
                         <a:effectLst/>
-                        <a:latin typeface="+mn-lt"/>
+                        <a:latin typeface="Rubik" pitchFamily="2" charset="-79"/>
+                        <a:cs typeface="Rubik" pitchFamily="2" charset="-79"/>
                       </a:endParaRPr>
                     </a:p>
                   </a:txBody>
@@ -20484,7 +21178,8 @@
                       <a:r>
                         <a:rPr lang="en-US" sz="2800" u="none" strike="noStrike" dirty="0">
                           <a:effectLst/>
-                          <a:latin typeface="+mn-lt"/>
+                          <a:latin typeface="Rubik" pitchFamily="2" charset="-79"/>
+                          <a:cs typeface="Rubik" pitchFamily="2" charset="-79"/>
                         </a:rPr>
                         <a:t>2816.19</a:t>
                       </a:r>
@@ -20493,7 +21188,8 @@
                           <a:srgbClr val="000000"/>
                         </a:solidFill>
                         <a:effectLst/>
-                        <a:latin typeface="+mn-lt"/>
+                        <a:latin typeface="Rubik" pitchFamily="2" charset="-79"/>
+                        <a:cs typeface="Rubik" pitchFamily="2" charset="-79"/>
                       </a:endParaRPr>
                     </a:p>
                   </a:txBody>
@@ -20521,7 +21217,8 @@
                       <a:r>
                         <a:rPr lang="en-US" sz="2800" u="none" strike="noStrike" dirty="0">
                           <a:effectLst/>
-                          <a:latin typeface="+mn-lt"/>
+                          <a:latin typeface="Rubik" pitchFamily="2" charset="-79"/>
+                          <a:cs typeface="Rubik" pitchFamily="2" charset="-79"/>
                         </a:rPr>
                         <a:t>2171.2</a:t>
                       </a:r>
@@ -20530,7 +21227,8 @@
                           <a:srgbClr val="000000"/>
                         </a:solidFill>
                         <a:effectLst/>
-                        <a:latin typeface="+mn-lt"/>
+                        <a:latin typeface="Rubik" pitchFamily="2" charset="-79"/>
+                        <a:cs typeface="Rubik" pitchFamily="2" charset="-79"/>
                       </a:endParaRPr>
                     </a:p>
                   </a:txBody>
@@ -20568,6 +21266,58 @@
           </a:graphicData>
         </a:graphic>
       </p:graphicFrame>
+      <p:sp>
+        <p:nvSpPr>
+          <p:cNvPr id="13" name="Rectangle 12">
+            <a:extLst>
+              <a:ext uri="{FF2B5EF4-FFF2-40B4-BE49-F238E27FC236}">
+                <a16:creationId xmlns:a16="http://schemas.microsoft.com/office/drawing/2014/main" id="{9461A4EA-3212-EFF3-D3F3-44140B215C7E}"/>
+              </a:ext>
+            </a:extLst>
+          </p:cNvPr>
+          <p:cNvSpPr/>
+          <p:nvPr/>
+        </p:nvSpPr>
+        <p:spPr>
+          <a:xfrm>
+            <a:off x="592579" y="41720869"/>
+            <a:ext cx="3141221" cy="646331"/>
+          </a:xfrm>
+          <a:prstGeom prst="rect">
+            <a:avLst/>
+          </a:prstGeom>
+          <a:solidFill>
+            <a:srgbClr val="DAE3F3"/>
+          </a:solidFill>
+          <a:ln>
+            <a:noFill/>
+          </a:ln>
+        </p:spPr>
+        <p:style>
+          <a:lnRef idx="2">
+            <a:schemeClr val="accent1">
+              <a:shade val="50000"/>
+            </a:schemeClr>
+          </a:lnRef>
+          <a:fillRef idx="1">
+            <a:schemeClr val="accent1"/>
+          </a:fillRef>
+          <a:effectRef idx="0">
+            <a:schemeClr val="accent1"/>
+          </a:effectRef>
+          <a:fontRef idx="minor">
+            <a:schemeClr val="lt1"/>
+          </a:fontRef>
+        </p:style>
+        <p:txBody>
+          <a:bodyPr rtlCol="0" anchor="ctr"/>
+          <a:lstStyle/>
+          <a:p>
+            <a:pPr algn="ctr"/>
+            <a:endParaRPr lang="en-US"/>
+          </a:p>
+        </p:txBody>
+      </p:sp>
     </p:spTree>
     <p:extLst>
       <p:ext uri="{BB962C8B-B14F-4D97-AF65-F5344CB8AC3E}">
